--- a/Lecture Slides/VideoLectureSlides/10.4.pptx
+++ b/Lecture Slides/VideoLectureSlides/10.4.pptx
@@ -5,19 +5,17 @@
     <p:sldMasterId id="2147483660" r:id="rId4"/>
   </p:sldMasterIdLst>
   <p:notesMasterIdLst>
-    <p:notesMasterId r:id="rId15"/>
+    <p:notesMasterId r:id="rId13"/>
   </p:notesMasterIdLst>
   <p:sldIdLst>
     <p:sldId id="256" r:id="rId5"/>
-    <p:sldId id="302" r:id="rId6"/>
-    <p:sldId id="303" r:id="rId7"/>
-    <p:sldId id="304" r:id="rId8"/>
-    <p:sldId id="305" r:id="rId9"/>
-    <p:sldId id="306" r:id="rId10"/>
-    <p:sldId id="307" r:id="rId11"/>
-    <p:sldId id="287" r:id="rId12"/>
-    <p:sldId id="260" r:id="rId13"/>
-    <p:sldId id="261" r:id="rId14"/>
+    <p:sldId id="288" r:id="rId6"/>
+    <p:sldId id="263" r:id="rId7"/>
+    <p:sldId id="289" r:id="rId8"/>
+    <p:sldId id="290" r:id="rId9"/>
+    <p:sldId id="287" r:id="rId10"/>
+    <p:sldId id="291" r:id="rId11"/>
+    <p:sldId id="292" r:id="rId12"/>
   </p:sldIdLst>
   <p:sldSz cx="9144000" cy="6858000" type="screen4x3"/>
   <p:notesSz cx="6858000" cy="9144000"/>
@@ -231,7 +229,7 @@
           <a:p>
             <a:fld id="{1AA1AB63-216F-4D5B-8811-CCB935E98D4A}" type="datetimeFigureOut">
               <a:rPr lang="en-US" smtClean="0"/>
-              <a:t>12/30/2020</a:t>
+              <a:t>7/14/2022</a:t>
             </a:fld>
             <a:endParaRPr lang="en-US" dirty="0"/>
           </a:p>
@@ -3681,7 +3679,7 @@
           <a:p>
             <a:r>
               <a:rPr lang="en-US" dirty="0"/>
-              <a:t>The Conservation of Energy for Systems of Particles</a:t>
+              <a:t>Efficiency for Particle Systems</a:t>
             </a:r>
           </a:p>
         </p:txBody>
@@ -3726,709 +3724,6 @@
     <p:extLst>
       <p:ext uri="{BB962C8B-B14F-4D97-AF65-F5344CB8AC3E}">
         <p14:creationId xmlns:p14="http://schemas.microsoft.com/office/powerpoint/2010/main" val="3080430471"/>
-      </p:ext>
-    </p:extLst>
-  </p:cSld>
-  <p:clrMapOvr>
-    <a:masterClrMapping/>
-  </p:clrMapOvr>
-</p:sld>
-</file>
-
-<file path=ppt/slides/slide10.xml><?xml version="1.0" encoding="utf-8"?>
-<p:sld xmlns:a="http://schemas.openxmlformats.org/drawingml/2006/main" xmlns:r="http://schemas.openxmlformats.org/officeDocument/2006/relationships" xmlns:p="http://schemas.openxmlformats.org/presentationml/2006/main">
-  <p:cSld>
-    <p:spTree>
-      <p:nvGrpSpPr>
-        <p:cNvPr id="1" name=""/>
-        <p:cNvGrpSpPr/>
-        <p:nvPr/>
-      </p:nvGrpSpPr>
-      <p:grpSpPr>
-        <a:xfrm>
-          <a:off x="0" y="0"/>
-          <a:ext cx="0" cy="0"/>
-          <a:chOff x="0" y="0"/>
-          <a:chExt cx="0" cy="0"/>
-        </a:xfrm>
-      </p:grpSpPr>
-      <p:sp>
-        <p:nvSpPr>
-          <p:cNvPr id="2" name="Title 1"/>
-          <p:cNvSpPr>
-            <a:spLocks noGrp="1"/>
-          </p:cNvSpPr>
-          <p:nvPr>
-            <p:ph type="title"/>
-          </p:nvPr>
-        </p:nvSpPr>
-        <p:spPr/>
-        <p:txBody>
-          <a:bodyPr>
-            <a:normAutofit fontScale="90000"/>
-          </a:bodyPr>
-          <a:lstStyle/>
-          <a:p>
-            <a:r>
-              <a:rPr lang="en-US" dirty="0"/>
-              <a:t>Work and Energy for Systems of Participles Worked Example</a:t>
-            </a:r>
-          </a:p>
-        </p:txBody>
-      </p:sp>
-      <p:sp>
-        <p:nvSpPr>
-          <p:cNvPr id="3" name="Content Placeholder 2"/>
-          <p:cNvSpPr>
-            <a:spLocks noGrp="1"/>
-          </p:cNvSpPr>
-          <p:nvPr>
-            <p:ph idx="1"/>
-          </p:nvPr>
-        </p:nvSpPr>
-        <p:spPr>
-          <a:xfrm>
-            <a:off x="457200" y="1600200"/>
-            <a:ext cx="4800600" cy="4525963"/>
-          </a:xfrm>
-        </p:spPr>
-        <p:txBody>
-          <a:bodyPr>
-            <a:normAutofit fontScale="77500" lnSpcReduction="20000"/>
-          </a:bodyPr>
-          <a:lstStyle/>
-          <a:p>
-            <a:r>
-              <a:rPr lang="en-US" dirty="0"/>
-              <a:t>The elevator shown to the right has a mass of 1500 kg and the counterweight has a mass of 500kg.  At some point the cable attached to the motor snaps, causing the elevator to begin falling.</a:t>
-            </a:r>
-          </a:p>
-          <a:p>
-            <a:pPr lvl="1"/>
-            <a:r>
-              <a:rPr lang="en-US" dirty="0"/>
-              <a:t>After falling 3 meters, what is the speed of the elevator?</a:t>
-            </a:r>
-          </a:p>
-          <a:p>
-            <a:pPr lvl="1"/>
-            <a:r>
-              <a:rPr lang="en-US" dirty="0"/>
-              <a:t>If the emergency brake is applied at this point (3m down) exerting a constant force of 15,000 N, how much further will the elevator fall?</a:t>
-            </a:r>
-          </a:p>
-        </p:txBody>
-      </p:sp>
-      <p:sp>
-        <p:nvSpPr>
-          <p:cNvPr id="4" name="Slide Number Placeholder 3"/>
-          <p:cNvSpPr>
-            <a:spLocks noGrp="1"/>
-          </p:cNvSpPr>
-          <p:nvPr>
-            <p:ph type="sldNum" sz="quarter" idx="12"/>
-          </p:nvPr>
-        </p:nvSpPr>
-        <p:spPr/>
-        <p:txBody>
-          <a:bodyPr/>
-          <a:lstStyle/>
-          <a:p>
-            <a:fld id="{929262FE-7F58-4A1E-8AF3-5A510A86DEBD}" type="slidenum">
-              <a:rPr lang="en-US" smtClean="0"/>
-              <a:t>10</a:t>
-            </a:fld>
-            <a:endParaRPr lang="en-US"/>
-          </a:p>
-        </p:txBody>
-      </p:sp>
-      <p:cxnSp>
-        <p:nvCxnSpPr>
-          <p:cNvPr id="5" name="Straight Connector 4"/>
-          <p:cNvCxnSpPr/>
-          <p:nvPr/>
-        </p:nvCxnSpPr>
-        <p:spPr>
-          <a:xfrm>
-            <a:off x="7391400" y="2642507"/>
-            <a:ext cx="0" cy="1015093"/>
-          </a:xfrm>
-          <a:prstGeom prst="line">
-            <a:avLst/>
-          </a:prstGeom>
-        </p:spPr>
-        <p:style>
-          <a:lnRef idx="2">
-            <a:schemeClr val="dk1"/>
-          </a:lnRef>
-          <a:fillRef idx="0">
-            <a:schemeClr val="dk1"/>
-          </a:fillRef>
-          <a:effectRef idx="1">
-            <a:schemeClr val="dk1"/>
-          </a:effectRef>
-          <a:fontRef idx="minor">
-            <a:schemeClr val="tx1"/>
-          </a:fontRef>
-        </p:style>
-      </p:cxnSp>
-      <p:sp>
-        <p:nvSpPr>
-          <p:cNvPr id="7" name="Rectangle 6"/>
-          <p:cNvSpPr/>
-          <p:nvPr/>
-        </p:nvSpPr>
-        <p:spPr>
-          <a:xfrm>
-            <a:off x="6248400" y="3886200"/>
-            <a:ext cx="1524000" cy="2209800"/>
-          </a:xfrm>
-          <a:prstGeom prst="rect">
-            <a:avLst/>
-          </a:prstGeom>
-        </p:spPr>
-        <p:style>
-          <a:lnRef idx="1">
-            <a:schemeClr val="dk1"/>
-          </a:lnRef>
-          <a:fillRef idx="2">
-            <a:schemeClr val="dk1"/>
-          </a:fillRef>
-          <a:effectRef idx="1">
-            <a:schemeClr val="dk1"/>
-          </a:effectRef>
-          <a:fontRef idx="minor">
-            <a:schemeClr val="dk1"/>
-          </a:fontRef>
-        </p:style>
-        <p:txBody>
-          <a:bodyPr rtlCol="0" anchor="ctr"/>
-          <a:lstStyle/>
-          <a:p>
-            <a:pPr algn="ctr"/>
-            <a:r>
-              <a:rPr lang="en-US" dirty="0"/>
-              <a:t>Elevator</a:t>
-            </a:r>
-          </a:p>
-        </p:txBody>
-      </p:sp>
-      <p:sp>
-        <p:nvSpPr>
-          <p:cNvPr id="8" name="Rectangle 7"/>
-          <p:cNvSpPr/>
-          <p:nvPr/>
-        </p:nvSpPr>
-        <p:spPr>
-          <a:xfrm rot="5400000">
-            <a:off x="7211787" y="5154387"/>
-            <a:ext cx="1578425" cy="304800"/>
-          </a:xfrm>
-          <a:prstGeom prst="rect">
-            <a:avLst/>
-          </a:prstGeom>
-        </p:spPr>
-        <p:style>
-          <a:lnRef idx="1">
-            <a:schemeClr val="dk1"/>
-          </a:lnRef>
-          <a:fillRef idx="2">
-            <a:schemeClr val="dk1"/>
-          </a:fillRef>
-          <a:effectRef idx="1">
-            <a:schemeClr val="dk1"/>
-          </a:effectRef>
-          <a:fontRef idx="minor">
-            <a:schemeClr val="dk1"/>
-          </a:fontRef>
-        </p:style>
-        <p:txBody>
-          <a:bodyPr rtlCol="0" anchor="ctr"/>
-          <a:lstStyle/>
-          <a:p>
-            <a:pPr algn="ctr"/>
-            <a:r>
-              <a:rPr lang="en-US" dirty="0"/>
-              <a:t>Counterweight</a:t>
-            </a:r>
-          </a:p>
-        </p:txBody>
-      </p:sp>
-      <p:sp>
-        <p:nvSpPr>
-          <p:cNvPr id="9" name="Oval 8"/>
-          <p:cNvSpPr/>
-          <p:nvPr/>
-        </p:nvSpPr>
-        <p:spPr>
-          <a:xfrm>
-            <a:off x="6324600" y="3472543"/>
-            <a:ext cx="304800" cy="304800"/>
-          </a:xfrm>
-          <a:prstGeom prst="ellipse">
-            <a:avLst/>
-          </a:prstGeom>
-        </p:spPr>
-        <p:style>
-          <a:lnRef idx="1">
-            <a:schemeClr val="dk1"/>
-          </a:lnRef>
-          <a:fillRef idx="2">
-            <a:schemeClr val="dk1"/>
-          </a:fillRef>
-          <a:effectRef idx="1">
-            <a:schemeClr val="dk1"/>
-          </a:effectRef>
-          <a:fontRef idx="minor">
-            <a:schemeClr val="dk1"/>
-          </a:fontRef>
-        </p:style>
-        <p:txBody>
-          <a:bodyPr rtlCol="0" anchor="ctr"/>
-          <a:lstStyle/>
-          <a:p>
-            <a:pPr algn="ctr"/>
-            <a:endParaRPr lang="en-US"/>
-          </a:p>
-        </p:txBody>
-      </p:sp>
-      <p:sp>
-        <p:nvSpPr>
-          <p:cNvPr id="10" name="Oval 9"/>
-          <p:cNvSpPr/>
-          <p:nvPr/>
-        </p:nvSpPr>
-        <p:spPr>
-          <a:xfrm>
-            <a:off x="7391400" y="3472543"/>
-            <a:ext cx="304800" cy="304800"/>
-          </a:xfrm>
-          <a:prstGeom prst="ellipse">
-            <a:avLst/>
-          </a:prstGeom>
-        </p:spPr>
-        <p:style>
-          <a:lnRef idx="1">
-            <a:schemeClr val="dk1"/>
-          </a:lnRef>
-          <a:fillRef idx="2">
-            <a:schemeClr val="dk1"/>
-          </a:fillRef>
-          <a:effectRef idx="1">
-            <a:schemeClr val="dk1"/>
-          </a:effectRef>
-          <a:fontRef idx="minor">
-            <a:schemeClr val="dk1"/>
-          </a:fontRef>
-        </p:style>
-        <p:txBody>
-          <a:bodyPr rtlCol="0" anchor="ctr"/>
-          <a:lstStyle/>
-          <a:p>
-            <a:pPr algn="ctr"/>
-            <a:endParaRPr lang="en-US"/>
-          </a:p>
-        </p:txBody>
-      </p:sp>
-      <p:sp>
-        <p:nvSpPr>
-          <p:cNvPr id="11" name="Oval 10"/>
-          <p:cNvSpPr/>
-          <p:nvPr/>
-        </p:nvSpPr>
-        <p:spPr>
-          <a:xfrm>
-            <a:off x="7696200" y="2819400"/>
-            <a:ext cx="304800" cy="304800"/>
-          </a:xfrm>
-          <a:prstGeom prst="ellipse">
-            <a:avLst/>
-          </a:prstGeom>
-        </p:spPr>
-        <p:style>
-          <a:lnRef idx="1">
-            <a:schemeClr val="dk1"/>
-          </a:lnRef>
-          <a:fillRef idx="2">
-            <a:schemeClr val="dk1"/>
-          </a:fillRef>
-          <a:effectRef idx="1">
-            <a:schemeClr val="dk1"/>
-          </a:effectRef>
-          <a:fontRef idx="minor">
-            <a:schemeClr val="dk1"/>
-          </a:fontRef>
-        </p:style>
-        <p:txBody>
-          <a:bodyPr rtlCol="0" anchor="ctr"/>
-          <a:lstStyle/>
-          <a:p>
-            <a:pPr algn="ctr"/>
-            <a:endParaRPr lang="en-US"/>
-          </a:p>
-        </p:txBody>
-      </p:sp>
-      <p:sp>
-        <p:nvSpPr>
-          <p:cNvPr id="12" name="Rectangle 11"/>
-          <p:cNvSpPr/>
-          <p:nvPr/>
-        </p:nvSpPr>
-        <p:spPr>
-          <a:xfrm>
-            <a:off x="6438900" y="3537857"/>
-            <a:ext cx="76200" cy="337457"/>
-          </a:xfrm>
-          <a:prstGeom prst="rect">
-            <a:avLst/>
-          </a:prstGeom>
-        </p:spPr>
-        <p:style>
-          <a:lnRef idx="1">
-            <a:schemeClr val="dk1"/>
-          </a:lnRef>
-          <a:fillRef idx="2">
-            <a:schemeClr val="dk1"/>
-          </a:fillRef>
-          <a:effectRef idx="1">
-            <a:schemeClr val="dk1"/>
-          </a:effectRef>
-          <a:fontRef idx="minor">
-            <a:schemeClr val="dk1"/>
-          </a:fontRef>
-        </p:style>
-        <p:txBody>
-          <a:bodyPr rtlCol="0" anchor="ctr"/>
-          <a:lstStyle/>
-          <a:p>
-            <a:pPr algn="ctr"/>
-            <a:endParaRPr lang="en-US"/>
-          </a:p>
-        </p:txBody>
-      </p:sp>
-      <p:sp>
-        <p:nvSpPr>
-          <p:cNvPr id="13" name="Rectangle 12"/>
-          <p:cNvSpPr/>
-          <p:nvPr/>
-        </p:nvSpPr>
-        <p:spPr>
-          <a:xfrm>
-            <a:off x="7505700" y="3537856"/>
-            <a:ext cx="76200" cy="337457"/>
-          </a:xfrm>
-          <a:prstGeom prst="rect">
-            <a:avLst/>
-          </a:prstGeom>
-        </p:spPr>
-        <p:style>
-          <a:lnRef idx="1">
-            <a:schemeClr val="dk1"/>
-          </a:lnRef>
-          <a:fillRef idx="2">
-            <a:schemeClr val="dk1"/>
-          </a:fillRef>
-          <a:effectRef idx="1">
-            <a:schemeClr val="dk1"/>
-          </a:effectRef>
-          <a:fontRef idx="minor">
-            <a:schemeClr val="dk1"/>
-          </a:fontRef>
-        </p:style>
-        <p:txBody>
-          <a:bodyPr rtlCol="0" anchor="ctr"/>
-          <a:lstStyle/>
-          <a:p>
-            <a:pPr algn="ctr"/>
-            <a:endParaRPr lang="en-US"/>
-          </a:p>
-        </p:txBody>
-      </p:sp>
-      <p:sp>
-        <p:nvSpPr>
-          <p:cNvPr id="14" name="Rectangle 13"/>
-          <p:cNvSpPr/>
-          <p:nvPr/>
-        </p:nvSpPr>
-        <p:spPr>
-          <a:xfrm>
-            <a:off x="7810500" y="2691491"/>
-            <a:ext cx="76200" cy="337457"/>
-          </a:xfrm>
-          <a:prstGeom prst="rect">
-            <a:avLst/>
-          </a:prstGeom>
-        </p:spPr>
-        <p:style>
-          <a:lnRef idx="1">
-            <a:schemeClr val="dk1"/>
-          </a:lnRef>
-          <a:fillRef idx="2">
-            <a:schemeClr val="dk1"/>
-          </a:fillRef>
-          <a:effectRef idx="1">
-            <a:schemeClr val="dk1"/>
-          </a:effectRef>
-          <a:fontRef idx="minor">
-            <a:schemeClr val="dk1"/>
-          </a:fontRef>
-        </p:style>
-        <p:txBody>
-          <a:bodyPr rtlCol="0" anchor="ctr"/>
-          <a:lstStyle/>
-          <a:p>
-            <a:pPr algn="ctr"/>
-            <a:endParaRPr lang="en-US"/>
-          </a:p>
-        </p:txBody>
-      </p:sp>
-      <p:sp>
-        <p:nvSpPr>
-          <p:cNvPr id="15" name="Rectangle 14"/>
-          <p:cNvSpPr/>
-          <p:nvPr/>
-        </p:nvSpPr>
-        <p:spPr>
-          <a:xfrm>
-            <a:off x="6408964" y="2079171"/>
-            <a:ext cx="250916" cy="312964"/>
-          </a:xfrm>
-          <a:prstGeom prst="rect">
-            <a:avLst/>
-          </a:prstGeom>
-        </p:spPr>
-        <p:style>
-          <a:lnRef idx="1">
-            <a:schemeClr val="dk1"/>
-          </a:lnRef>
-          <a:fillRef idx="2">
-            <a:schemeClr val="dk1"/>
-          </a:fillRef>
-          <a:effectRef idx="1">
-            <a:schemeClr val="dk1"/>
-          </a:effectRef>
-          <a:fontRef idx="minor">
-            <a:schemeClr val="dk1"/>
-          </a:fontRef>
-        </p:style>
-        <p:txBody>
-          <a:bodyPr rtlCol="0" anchor="ctr"/>
-          <a:lstStyle/>
-          <a:p>
-            <a:pPr algn="ctr"/>
-            <a:endParaRPr lang="en-US"/>
-          </a:p>
-        </p:txBody>
-      </p:sp>
-      <p:sp>
-        <p:nvSpPr>
-          <p:cNvPr id="16" name="Rectangle 15"/>
-          <p:cNvSpPr/>
-          <p:nvPr/>
-        </p:nvSpPr>
-        <p:spPr>
-          <a:xfrm>
-            <a:off x="5486400" y="2392135"/>
-            <a:ext cx="3603172" cy="299356"/>
-          </a:xfrm>
-          <a:prstGeom prst="rect">
-            <a:avLst/>
-          </a:prstGeom>
-        </p:spPr>
-        <p:style>
-          <a:lnRef idx="2">
-            <a:schemeClr val="accent2">
-              <a:shade val="50000"/>
-            </a:schemeClr>
-          </a:lnRef>
-          <a:fillRef idx="1">
-            <a:schemeClr val="accent2"/>
-          </a:fillRef>
-          <a:effectRef idx="0">
-            <a:schemeClr val="accent2"/>
-          </a:effectRef>
-          <a:fontRef idx="minor">
-            <a:schemeClr val="lt1"/>
-          </a:fontRef>
-        </p:style>
-        <p:txBody>
-          <a:bodyPr rtlCol="0" anchor="ctr"/>
-          <a:lstStyle/>
-          <a:p>
-            <a:pPr algn="ctr"/>
-            <a:r>
-              <a:rPr lang="en-US" dirty="0"/>
-              <a:t>Roof (fixed)</a:t>
-            </a:r>
-          </a:p>
-        </p:txBody>
-      </p:sp>
-      <p:sp>
-        <p:nvSpPr>
-          <p:cNvPr id="18" name="Oval 17"/>
-          <p:cNvSpPr/>
-          <p:nvPr/>
-        </p:nvSpPr>
-        <p:spPr>
-          <a:xfrm>
-            <a:off x="6248400" y="1872343"/>
-            <a:ext cx="411480" cy="413657"/>
-          </a:xfrm>
-          <a:prstGeom prst="ellipse">
-            <a:avLst/>
-          </a:prstGeom>
-        </p:spPr>
-        <p:style>
-          <a:lnRef idx="1">
-            <a:schemeClr val="dk1"/>
-          </a:lnRef>
-          <a:fillRef idx="2">
-            <a:schemeClr val="dk1"/>
-          </a:fillRef>
-          <a:effectRef idx="1">
-            <a:schemeClr val="dk1"/>
-          </a:effectRef>
-          <a:fontRef idx="minor">
-            <a:schemeClr val="dk1"/>
-          </a:fontRef>
-        </p:style>
-        <p:txBody>
-          <a:bodyPr rtlCol="0" anchor="ctr"/>
-          <a:lstStyle/>
-          <a:p>
-            <a:pPr algn="ctr"/>
-            <a:endParaRPr lang="en-US"/>
-          </a:p>
-        </p:txBody>
-      </p:sp>
-      <p:cxnSp>
-        <p:nvCxnSpPr>
-          <p:cNvPr id="19" name="Straight Connector 18"/>
-          <p:cNvCxnSpPr>
-            <a:stCxn id="11" idx="2"/>
-          </p:cNvCxnSpPr>
-          <p:nvPr/>
-        </p:nvCxnSpPr>
-        <p:spPr>
-          <a:xfrm>
-            <a:off x="7696200" y="2971800"/>
-            <a:ext cx="0" cy="710293"/>
-          </a:xfrm>
-          <a:prstGeom prst="line">
-            <a:avLst/>
-          </a:prstGeom>
-        </p:spPr>
-        <p:style>
-          <a:lnRef idx="2">
-            <a:schemeClr val="dk1"/>
-          </a:lnRef>
-          <a:fillRef idx="0">
-            <a:schemeClr val="dk1"/>
-          </a:fillRef>
-          <a:effectRef idx="1">
-            <a:schemeClr val="dk1"/>
-          </a:effectRef>
-          <a:fontRef idx="minor">
-            <a:schemeClr val="tx1"/>
-          </a:fontRef>
-        </p:style>
-      </p:cxnSp>
-      <p:cxnSp>
-        <p:nvCxnSpPr>
-          <p:cNvPr id="20" name="Straight Connector 19"/>
-          <p:cNvCxnSpPr>
-            <a:endCxn id="8" idx="1"/>
-          </p:cNvCxnSpPr>
-          <p:nvPr/>
-        </p:nvCxnSpPr>
-        <p:spPr>
-          <a:xfrm>
-            <a:off x="8001000" y="2971800"/>
-            <a:ext cx="0" cy="1545775"/>
-          </a:xfrm>
-          <a:prstGeom prst="line">
-            <a:avLst/>
-          </a:prstGeom>
-        </p:spPr>
-        <p:style>
-          <a:lnRef idx="2">
-            <a:schemeClr val="dk1"/>
-          </a:lnRef>
-          <a:fillRef idx="0">
-            <a:schemeClr val="dk1"/>
-          </a:fillRef>
-          <a:effectRef idx="1">
-            <a:schemeClr val="dk1"/>
-          </a:effectRef>
-          <a:fontRef idx="minor">
-            <a:schemeClr val="tx1"/>
-          </a:fontRef>
-        </p:style>
-      </p:cxnSp>
-      <p:cxnSp>
-        <p:nvCxnSpPr>
-          <p:cNvPr id="21" name="Straight Connector 20"/>
-          <p:cNvCxnSpPr/>
-          <p:nvPr/>
-        </p:nvCxnSpPr>
-        <p:spPr>
-          <a:xfrm>
-            <a:off x="6583678" y="2686051"/>
-            <a:ext cx="209006" cy="507546"/>
-          </a:xfrm>
-          <a:prstGeom prst="line">
-            <a:avLst/>
-          </a:prstGeom>
-        </p:spPr>
-        <p:style>
-          <a:lnRef idx="2">
-            <a:schemeClr val="dk1"/>
-          </a:lnRef>
-          <a:fillRef idx="0">
-            <a:schemeClr val="dk1"/>
-          </a:fillRef>
-          <a:effectRef idx="1">
-            <a:schemeClr val="dk1"/>
-          </a:effectRef>
-          <a:fontRef idx="minor">
-            <a:schemeClr val="tx1"/>
-          </a:fontRef>
-        </p:style>
-      </p:cxnSp>
-      <p:cxnSp>
-        <p:nvCxnSpPr>
-          <p:cNvPr id="22" name="Straight Connector 21"/>
-          <p:cNvCxnSpPr/>
-          <p:nvPr/>
-        </p:nvCxnSpPr>
-        <p:spPr>
-          <a:xfrm flipH="1">
-            <a:off x="6030684" y="2100943"/>
-            <a:ext cx="228600" cy="1371600"/>
-          </a:xfrm>
-          <a:prstGeom prst="line">
-            <a:avLst/>
-          </a:prstGeom>
-        </p:spPr>
-        <p:style>
-          <a:lnRef idx="2">
-            <a:schemeClr val="dk1"/>
-          </a:lnRef>
-          <a:fillRef idx="0">
-            <a:schemeClr val="dk1"/>
-          </a:fillRef>
-          <a:effectRef idx="1">
-            <a:schemeClr val="dk1"/>
-          </a:effectRef>
-          <a:fontRef idx="minor">
-            <a:schemeClr val="tx1"/>
-          </a:fontRef>
-        </p:style>
-      </p:cxnSp>
-    </p:spTree>
-    <p:extLst>
-      <p:ext uri="{BB962C8B-B14F-4D97-AF65-F5344CB8AC3E}">
-        <p14:creationId xmlns:p14="http://schemas.microsoft.com/office/powerpoint/2010/main" val="475597520"/>
       </p:ext>
     </p:extLst>
   </p:cSld>
@@ -4457,7 +3752,13 @@
       </p:grpSpPr>
       <p:sp>
         <p:nvSpPr>
-          <p:cNvPr id="2" name="Title 1"/>
+          <p:cNvPr id="2" name="Title 1">
+            <a:extLst>
+              <a:ext uri="{FF2B5EF4-FFF2-40B4-BE49-F238E27FC236}">
+                <a16:creationId xmlns:a16="http://schemas.microsoft.com/office/drawing/2014/main" id="{8975C4F9-7F4C-42CF-8E91-D4F15CCD58F4}"/>
+              </a:ext>
+            </a:extLst>
+          </p:cNvPr>
           <p:cNvSpPr>
             <a:spLocks noGrp="1"/>
           </p:cNvSpPr>
@@ -4467,20 +3768,802 @@
         </p:nvSpPr>
         <p:spPr/>
         <p:txBody>
+          <a:bodyPr/>
+          <a:lstStyle/>
+          <a:p>
+            <a:r>
+              <a:rPr lang="en-US" dirty="0"/>
+              <a:t>Work, Power, and Energy Transfer</a:t>
+            </a:r>
+          </a:p>
+        </p:txBody>
+      </p:sp>
+      <p:sp>
+        <p:nvSpPr>
+          <p:cNvPr id="3" name="Content Placeholder 2">
+            <a:extLst>
+              <a:ext uri="{FF2B5EF4-FFF2-40B4-BE49-F238E27FC236}">
+                <a16:creationId xmlns:a16="http://schemas.microsoft.com/office/drawing/2014/main" id="{750F6DF8-C2C0-4F3E-9160-D3F5555B4E6C}"/>
+              </a:ext>
+            </a:extLst>
+          </p:cNvPr>
+          <p:cNvSpPr>
+            <a:spLocks noGrp="1"/>
+          </p:cNvSpPr>
+          <p:nvPr>
+            <p:ph idx="1"/>
+          </p:nvPr>
+        </p:nvSpPr>
+        <p:spPr>
+          <a:xfrm>
+            <a:off x="457200" y="1320211"/>
+            <a:ext cx="8477250" cy="2184921"/>
+          </a:xfrm>
+        </p:spPr>
+        <p:txBody>
           <a:bodyPr>
-            <a:normAutofit fontScale="90000"/>
+            <a:normAutofit fontScale="85000" lnSpcReduction="20000"/>
           </a:bodyPr>
           <a:lstStyle/>
           <a:p>
             <a:r>
               <a:rPr lang="en-US" dirty="0"/>
-              <a:t>Work and Energy for Systems of Particles</a:t>
-            </a:r>
-          </a:p>
-        </p:txBody>
-      </p:sp>
-      <mc:AlternateContent xmlns:mc="http://schemas.openxmlformats.org/markup-compatibility/2006">
-        <mc:Choice xmlns:a14="http://schemas.microsoft.com/office/drawing/2010/main" Requires="a14">
+              <a:t>Before we discuss efficiency, we need to discuss the concept of energy transfer.</a:t>
+            </a:r>
+          </a:p>
+          <a:p>
+            <a:r>
+              <a:rPr lang="en-US" dirty="0"/>
+              <a:t>Energy can’t be created or destroyed (first law of thermodynamics), but many engineering devices convert energy from one form to another. This is an energy transfer.</a:t>
+            </a:r>
+          </a:p>
+        </p:txBody>
+      </p:sp>
+      <p:sp>
+        <p:nvSpPr>
+          <p:cNvPr id="4" name="Slide Number Placeholder 3">
+            <a:extLst>
+              <a:ext uri="{FF2B5EF4-FFF2-40B4-BE49-F238E27FC236}">
+                <a16:creationId xmlns:a16="http://schemas.microsoft.com/office/drawing/2014/main" id="{41B1B246-274A-4C42-B75F-723FFECA0B3D}"/>
+              </a:ext>
+            </a:extLst>
+          </p:cNvPr>
+          <p:cNvSpPr>
+            <a:spLocks noGrp="1"/>
+          </p:cNvSpPr>
+          <p:nvPr>
+            <p:ph type="sldNum" sz="quarter" idx="12"/>
+          </p:nvPr>
+        </p:nvSpPr>
+        <p:spPr/>
+        <p:txBody>
+          <a:bodyPr/>
+          <a:lstStyle/>
+          <a:p>
+            <a:fld id="{929262FE-7F58-4A1E-8AF3-5A510A86DEBD}" type="slidenum">
+              <a:rPr lang="en-US" smtClean="0"/>
+              <a:t>2</a:t>
+            </a:fld>
+            <a:endParaRPr lang="en-US" dirty="0"/>
+          </a:p>
+        </p:txBody>
+      </p:sp>
+      <p:pic>
+        <p:nvPicPr>
+          <p:cNvPr id="1026" name="Picture 2">
+            <a:extLst>
+              <a:ext uri="{FF2B5EF4-FFF2-40B4-BE49-F238E27FC236}">
+                <a16:creationId xmlns:a16="http://schemas.microsoft.com/office/drawing/2014/main" id="{A76496E6-2F35-4AF4-8011-A1C614AF61D5}"/>
+              </a:ext>
+            </a:extLst>
+          </p:cNvPr>
+          <p:cNvPicPr>
+            <a:picLocks noChangeAspect="1" noChangeArrowheads="1"/>
+          </p:cNvPicPr>
+          <p:nvPr/>
+        </p:nvPicPr>
+        <p:blipFill rotWithShape="1">
+          <a:blip r:embed="rId2">
+            <a:extLst>
+              <a:ext uri="{28A0092B-C50C-407E-A947-70E740481C1C}">
+                <a14:useLocalDpi xmlns:a14="http://schemas.microsoft.com/office/drawing/2010/main" val="0"/>
+              </a:ext>
+            </a:extLst>
+          </a:blip>
+          <a:srcRect t="15392"/>
+          <a:stretch/>
+        </p:blipFill>
+        <p:spPr bwMode="auto">
+          <a:xfrm>
+            <a:off x="140626" y="3919823"/>
+            <a:ext cx="2983574" cy="1679844"/>
+          </a:xfrm>
+          <a:prstGeom prst="rect">
+            <a:avLst/>
+          </a:prstGeom>
+          <a:noFill/>
+          <a:extLst>
+            <a:ext uri="{909E8E84-426E-40DD-AFC4-6F175D3DCCD1}">
+              <a14:hiddenFill xmlns:a14="http://schemas.microsoft.com/office/drawing/2010/main">
+                <a:solidFill>
+                  <a:srgbClr val="FFFFFF"/>
+                </a:solidFill>
+              </a14:hiddenFill>
+            </a:ext>
+          </a:extLst>
+        </p:spPr>
+      </p:pic>
+      <p:sp>
+        <p:nvSpPr>
+          <p:cNvPr id="5" name="TextBox 4">
+            <a:extLst>
+              <a:ext uri="{FF2B5EF4-FFF2-40B4-BE49-F238E27FC236}">
+                <a16:creationId xmlns:a16="http://schemas.microsoft.com/office/drawing/2014/main" id="{08685342-4F5B-42B3-9CFB-BA01732DFBB5}"/>
+              </a:ext>
+            </a:extLst>
+          </p:cNvPr>
+          <p:cNvSpPr txBox="1"/>
+          <p:nvPr/>
+        </p:nvSpPr>
+        <p:spPr>
+          <a:xfrm>
+            <a:off x="209550" y="5644959"/>
+            <a:ext cx="2983574" cy="369332"/>
+          </a:xfrm>
+          <a:prstGeom prst="rect">
+            <a:avLst/>
+          </a:prstGeom>
+          <a:noFill/>
+        </p:spPr>
+        <p:txBody>
+          <a:bodyPr wrap="none" rtlCol="0">
+            <a:spAutoFit/>
+          </a:bodyPr>
+          <a:lstStyle/>
+          <a:p>
+            <a:r>
+              <a:rPr lang="en-US" dirty="0"/>
+              <a:t>Image by </a:t>
+            </a:r>
+            <a:r>
+              <a:rPr lang="en-US" dirty="0" err="1"/>
+              <a:t>AleSpa</a:t>
+            </a:r>
+            <a:r>
+              <a:rPr lang="en-US" dirty="0"/>
+              <a:t> CC-BY-SA 3.0</a:t>
+            </a:r>
+          </a:p>
+        </p:txBody>
+      </p:sp>
+      <p:pic>
+        <p:nvPicPr>
+          <p:cNvPr id="1028" name="Picture 4">
+            <a:extLst>
+              <a:ext uri="{FF2B5EF4-FFF2-40B4-BE49-F238E27FC236}">
+                <a16:creationId xmlns:a16="http://schemas.microsoft.com/office/drawing/2014/main" id="{8AE906C4-57F9-4362-862E-7AFC4008165B}"/>
+              </a:ext>
+            </a:extLst>
+          </p:cNvPr>
+          <p:cNvPicPr>
+            <a:picLocks noChangeAspect="1" noChangeArrowheads="1"/>
+          </p:cNvPicPr>
+          <p:nvPr/>
+        </p:nvPicPr>
+        <p:blipFill rotWithShape="1">
+          <a:blip r:embed="rId3">
+            <a:extLst>
+              <a:ext uri="{28A0092B-C50C-407E-A947-70E740481C1C}">
+                <a14:useLocalDpi xmlns:a14="http://schemas.microsoft.com/office/drawing/2010/main" val="0"/>
+              </a:ext>
+            </a:extLst>
+          </a:blip>
+          <a:srcRect b="12333"/>
+          <a:stretch/>
+        </p:blipFill>
+        <p:spPr bwMode="auto">
+          <a:xfrm>
+            <a:off x="3276600" y="3615718"/>
+            <a:ext cx="2282667" cy="2668212"/>
+          </a:xfrm>
+          <a:prstGeom prst="rect">
+            <a:avLst/>
+          </a:prstGeom>
+          <a:noFill/>
+          <a:extLst>
+            <a:ext uri="{909E8E84-426E-40DD-AFC4-6F175D3DCCD1}">
+              <a14:hiddenFill xmlns:a14="http://schemas.microsoft.com/office/drawing/2010/main">
+                <a:solidFill>
+                  <a:srgbClr val="FFFFFF"/>
+                </a:solidFill>
+              </a14:hiddenFill>
+            </a:ext>
+          </a:extLst>
+        </p:spPr>
+      </p:pic>
+      <p:sp>
+        <p:nvSpPr>
+          <p:cNvPr id="8" name="TextBox 7">
+            <a:extLst>
+              <a:ext uri="{FF2B5EF4-FFF2-40B4-BE49-F238E27FC236}">
+                <a16:creationId xmlns:a16="http://schemas.microsoft.com/office/drawing/2014/main" id="{83E22411-1973-4A37-A9AE-AAC77F6D152C}"/>
+              </a:ext>
+            </a:extLst>
+          </p:cNvPr>
+          <p:cNvSpPr txBox="1"/>
+          <p:nvPr/>
+        </p:nvSpPr>
+        <p:spPr>
+          <a:xfrm>
+            <a:off x="2871612" y="6329222"/>
+            <a:ext cx="3092641" cy="369332"/>
+          </a:xfrm>
+          <a:prstGeom prst="rect">
+            <a:avLst/>
+          </a:prstGeom>
+          <a:noFill/>
+        </p:spPr>
+        <p:txBody>
+          <a:bodyPr wrap="none" rtlCol="0">
+            <a:spAutoFit/>
+          </a:bodyPr>
+          <a:lstStyle/>
+          <a:p>
+            <a:r>
+              <a:rPr lang="en-US" dirty="0"/>
+              <a:t>Image by </a:t>
+            </a:r>
+            <a:r>
+              <a:rPr lang="en-US" dirty="0" err="1"/>
+              <a:t>Mj</a:t>
+            </a:r>
+            <a:r>
+              <a:rPr lang="en-US" dirty="0"/>
+              <a:t>-bird CC-BY-SA 3.0</a:t>
+            </a:r>
+          </a:p>
+        </p:txBody>
+      </p:sp>
+      <p:pic>
+        <p:nvPicPr>
+          <p:cNvPr id="1030" name="Picture 6">
+            <a:extLst>
+              <a:ext uri="{FF2B5EF4-FFF2-40B4-BE49-F238E27FC236}">
+                <a16:creationId xmlns:a16="http://schemas.microsoft.com/office/drawing/2014/main" id="{56C15226-9B5D-472E-A92C-3886FD369561}"/>
+              </a:ext>
+            </a:extLst>
+          </p:cNvPr>
+          <p:cNvPicPr>
+            <a:picLocks noChangeAspect="1" noChangeArrowheads="1"/>
+          </p:cNvPicPr>
+          <p:nvPr/>
+        </p:nvPicPr>
+        <p:blipFill rotWithShape="1">
+          <a:blip r:embed="rId4">
+            <a:extLst>
+              <a:ext uri="{28A0092B-C50C-407E-A947-70E740481C1C}">
+                <a14:useLocalDpi xmlns:a14="http://schemas.microsoft.com/office/drawing/2010/main" val="0"/>
+              </a:ext>
+            </a:extLst>
+          </a:blip>
+          <a:srcRect l="12476" t="11863" r="5708" b="9460"/>
+          <a:stretch/>
+        </p:blipFill>
+        <p:spPr bwMode="auto">
+          <a:xfrm>
+            <a:off x="5726774" y="3881133"/>
+            <a:ext cx="3276600" cy="2099283"/>
+          </a:xfrm>
+          <a:prstGeom prst="rect">
+            <a:avLst/>
+          </a:prstGeom>
+          <a:noFill/>
+          <a:extLst>
+            <a:ext uri="{909E8E84-426E-40DD-AFC4-6F175D3DCCD1}">
+              <a14:hiddenFill xmlns:a14="http://schemas.microsoft.com/office/drawing/2010/main">
+                <a:solidFill>
+                  <a:srgbClr val="FFFFFF"/>
+                </a:solidFill>
+              </a14:hiddenFill>
+            </a:ext>
+          </a:extLst>
+        </p:spPr>
+      </p:pic>
+      <p:sp>
+        <p:nvSpPr>
+          <p:cNvPr id="11" name="TextBox 10">
+            <a:extLst>
+              <a:ext uri="{FF2B5EF4-FFF2-40B4-BE49-F238E27FC236}">
+                <a16:creationId xmlns:a16="http://schemas.microsoft.com/office/drawing/2014/main" id="{00C4BE4B-3CB0-4530-B1D8-C76DC3ABAD75}"/>
+              </a:ext>
+            </a:extLst>
+          </p:cNvPr>
+          <p:cNvSpPr txBox="1"/>
+          <p:nvPr/>
+        </p:nvSpPr>
+        <p:spPr>
+          <a:xfrm>
+            <a:off x="5827894" y="5979132"/>
+            <a:ext cx="3106556" cy="646331"/>
+          </a:xfrm>
+          <a:prstGeom prst="rect">
+            <a:avLst/>
+          </a:prstGeom>
+          <a:noFill/>
+        </p:spPr>
+        <p:txBody>
+          <a:bodyPr wrap="none" rtlCol="0">
+            <a:spAutoFit/>
+          </a:bodyPr>
+          <a:lstStyle/>
+          <a:p>
+            <a:pPr algn="ctr"/>
+            <a:r>
+              <a:rPr lang="en-US" dirty="0"/>
+              <a:t>Image by Johannes Maximilian </a:t>
+            </a:r>
+          </a:p>
+          <a:p>
+            <a:pPr algn="ctr"/>
+            <a:r>
+              <a:rPr lang="en-US" dirty="0"/>
+              <a:t>CC-BY-SA 4.0</a:t>
+            </a:r>
+          </a:p>
+        </p:txBody>
+      </p:sp>
+    </p:spTree>
+    <p:extLst>
+      <p:ext uri="{BB962C8B-B14F-4D97-AF65-F5344CB8AC3E}">
+        <p14:creationId xmlns:p14="http://schemas.microsoft.com/office/powerpoint/2010/main" val="3827164661"/>
+      </p:ext>
+    </p:extLst>
+  </p:cSld>
+  <p:clrMapOvr>
+    <a:masterClrMapping/>
+  </p:clrMapOvr>
+  <p:timing>
+    <p:tnLst>
+      <p:par>
+        <p:cTn id="1" dur="indefinite" restart="never" nodeType="tmRoot">
+          <p:childTnLst>
+            <p:seq concurrent="1" nextAc="seek">
+              <p:cTn id="2" dur="indefinite" nodeType="mainSeq">
+                <p:childTnLst>
+                  <p:par>
+                    <p:cTn id="3" fill="hold">
+                      <p:stCondLst>
+                        <p:cond delay="indefinite"/>
+                      </p:stCondLst>
+                      <p:childTnLst>
+                        <p:par>
+                          <p:cTn id="4" fill="hold">
+                            <p:stCondLst>
+                              <p:cond delay="0"/>
+                            </p:stCondLst>
+                            <p:childTnLst>
+                              <p:par>
+                                <p:cTn id="5" presetID="1" presetClass="entr" presetSubtype="0" fill="hold" grpId="0" nodeType="clickEffect">
+                                  <p:stCondLst>
+                                    <p:cond delay="0"/>
+                                  </p:stCondLst>
+                                  <p:childTnLst>
+                                    <p:set>
+                                      <p:cBhvr>
+                                        <p:cTn id="6" dur="1" fill="hold">
+                                          <p:stCondLst>
+                                            <p:cond delay="0"/>
+                                          </p:stCondLst>
+                                        </p:cTn>
+                                        <p:tgtEl>
+                                          <p:spTgt spid="3">
+                                            <p:txEl>
+                                              <p:pRg st="0" end="0"/>
+                                            </p:txEl>
+                                          </p:spTgt>
+                                        </p:tgtEl>
+                                        <p:attrNameLst>
+                                          <p:attrName>style.visibility</p:attrName>
+                                        </p:attrNameLst>
+                                      </p:cBhvr>
+                                      <p:to>
+                                        <p:strVal val="visible"/>
+                                      </p:to>
+                                    </p:set>
+                                  </p:childTnLst>
+                                </p:cTn>
+                              </p:par>
+                            </p:childTnLst>
+                          </p:cTn>
+                        </p:par>
+                      </p:childTnLst>
+                    </p:cTn>
+                  </p:par>
+                  <p:par>
+                    <p:cTn id="7" fill="hold">
+                      <p:stCondLst>
+                        <p:cond delay="indefinite"/>
+                      </p:stCondLst>
+                      <p:childTnLst>
+                        <p:par>
+                          <p:cTn id="8" fill="hold">
+                            <p:stCondLst>
+                              <p:cond delay="0"/>
+                            </p:stCondLst>
+                            <p:childTnLst>
+                              <p:par>
+                                <p:cTn id="9" presetID="1" presetClass="entr" presetSubtype="0" fill="hold" grpId="0" nodeType="clickEffect">
+                                  <p:stCondLst>
+                                    <p:cond delay="0"/>
+                                  </p:stCondLst>
+                                  <p:childTnLst>
+                                    <p:set>
+                                      <p:cBhvr>
+                                        <p:cTn id="10" dur="1" fill="hold">
+                                          <p:stCondLst>
+                                            <p:cond delay="0"/>
+                                          </p:stCondLst>
+                                        </p:cTn>
+                                        <p:tgtEl>
+                                          <p:spTgt spid="3">
+                                            <p:txEl>
+                                              <p:pRg st="1" end="1"/>
+                                            </p:txEl>
+                                          </p:spTgt>
+                                        </p:tgtEl>
+                                        <p:attrNameLst>
+                                          <p:attrName>style.visibility</p:attrName>
+                                        </p:attrNameLst>
+                                      </p:cBhvr>
+                                      <p:to>
+                                        <p:strVal val="visible"/>
+                                      </p:to>
+                                    </p:set>
+                                  </p:childTnLst>
+                                </p:cTn>
+                              </p:par>
+                            </p:childTnLst>
+                          </p:cTn>
+                        </p:par>
+                      </p:childTnLst>
+                    </p:cTn>
+                  </p:par>
+                  <p:par>
+                    <p:cTn id="11" fill="hold">
+                      <p:stCondLst>
+                        <p:cond delay="indefinite"/>
+                      </p:stCondLst>
+                      <p:childTnLst>
+                        <p:par>
+                          <p:cTn id="12" fill="hold">
+                            <p:stCondLst>
+                              <p:cond delay="0"/>
+                            </p:stCondLst>
+                            <p:childTnLst>
+                              <p:par>
+                                <p:cTn id="13" presetID="10" presetClass="entr" presetSubtype="0" fill="hold" nodeType="clickEffect">
+                                  <p:stCondLst>
+                                    <p:cond delay="0"/>
+                                  </p:stCondLst>
+                                  <p:childTnLst>
+                                    <p:set>
+                                      <p:cBhvr>
+                                        <p:cTn id="14" dur="1" fill="hold">
+                                          <p:stCondLst>
+                                            <p:cond delay="0"/>
+                                          </p:stCondLst>
+                                        </p:cTn>
+                                        <p:tgtEl>
+                                          <p:spTgt spid="1026"/>
+                                        </p:tgtEl>
+                                        <p:attrNameLst>
+                                          <p:attrName>style.visibility</p:attrName>
+                                        </p:attrNameLst>
+                                      </p:cBhvr>
+                                      <p:to>
+                                        <p:strVal val="visible"/>
+                                      </p:to>
+                                    </p:set>
+                                    <p:animEffect transition="in" filter="fade">
+                                      <p:cBhvr>
+                                        <p:cTn id="15" dur="500"/>
+                                        <p:tgtEl>
+                                          <p:spTgt spid="1026"/>
+                                        </p:tgtEl>
+                                      </p:cBhvr>
+                                    </p:animEffect>
+                                  </p:childTnLst>
+                                </p:cTn>
+                              </p:par>
+                              <p:par>
+                                <p:cTn id="16" presetID="10" presetClass="entr" presetSubtype="0" fill="hold" grpId="0" nodeType="withEffect">
+                                  <p:stCondLst>
+                                    <p:cond delay="0"/>
+                                  </p:stCondLst>
+                                  <p:childTnLst>
+                                    <p:set>
+                                      <p:cBhvr>
+                                        <p:cTn id="17" dur="1" fill="hold">
+                                          <p:stCondLst>
+                                            <p:cond delay="0"/>
+                                          </p:stCondLst>
+                                        </p:cTn>
+                                        <p:tgtEl>
+                                          <p:spTgt spid="5"/>
+                                        </p:tgtEl>
+                                        <p:attrNameLst>
+                                          <p:attrName>style.visibility</p:attrName>
+                                        </p:attrNameLst>
+                                      </p:cBhvr>
+                                      <p:to>
+                                        <p:strVal val="visible"/>
+                                      </p:to>
+                                    </p:set>
+                                    <p:animEffect transition="in" filter="fade">
+                                      <p:cBhvr>
+                                        <p:cTn id="18" dur="500"/>
+                                        <p:tgtEl>
+                                          <p:spTgt spid="5"/>
+                                        </p:tgtEl>
+                                      </p:cBhvr>
+                                    </p:animEffect>
+                                  </p:childTnLst>
+                                </p:cTn>
+                              </p:par>
+                            </p:childTnLst>
+                          </p:cTn>
+                        </p:par>
+                      </p:childTnLst>
+                    </p:cTn>
+                  </p:par>
+                  <p:par>
+                    <p:cTn id="19" fill="hold">
+                      <p:stCondLst>
+                        <p:cond delay="indefinite"/>
+                      </p:stCondLst>
+                      <p:childTnLst>
+                        <p:par>
+                          <p:cTn id="20" fill="hold">
+                            <p:stCondLst>
+                              <p:cond delay="0"/>
+                            </p:stCondLst>
+                            <p:childTnLst>
+                              <p:par>
+                                <p:cTn id="21" presetID="10" presetClass="entr" presetSubtype="0" fill="hold" nodeType="clickEffect">
+                                  <p:stCondLst>
+                                    <p:cond delay="0"/>
+                                  </p:stCondLst>
+                                  <p:childTnLst>
+                                    <p:set>
+                                      <p:cBhvr>
+                                        <p:cTn id="22" dur="1" fill="hold">
+                                          <p:stCondLst>
+                                            <p:cond delay="0"/>
+                                          </p:stCondLst>
+                                        </p:cTn>
+                                        <p:tgtEl>
+                                          <p:spTgt spid="1028"/>
+                                        </p:tgtEl>
+                                        <p:attrNameLst>
+                                          <p:attrName>style.visibility</p:attrName>
+                                        </p:attrNameLst>
+                                      </p:cBhvr>
+                                      <p:to>
+                                        <p:strVal val="visible"/>
+                                      </p:to>
+                                    </p:set>
+                                    <p:animEffect transition="in" filter="fade">
+                                      <p:cBhvr>
+                                        <p:cTn id="23" dur="500"/>
+                                        <p:tgtEl>
+                                          <p:spTgt spid="1028"/>
+                                        </p:tgtEl>
+                                      </p:cBhvr>
+                                    </p:animEffect>
+                                  </p:childTnLst>
+                                </p:cTn>
+                              </p:par>
+                              <p:par>
+                                <p:cTn id="24" presetID="10" presetClass="entr" presetSubtype="0" fill="hold" grpId="0" nodeType="withEffect">
+                                  <p:stCondLst>
+                                    <p:cond delay="0"/>
+                                  </p:stCondLst>
+                                  <p:childTnLst>
+                                    <p:set>
+                                      <p:cBhvr>
+                                        <p:cTn id="25" dur="1" fill="hold">
+                                          <p:stCondLst>
+                                            <p:cond delay="0"/>
+                                          </p:stCondLst>
+                                        </p:cTn>
+                                        <p:tgtEl>
+                                          <p:spTgt spid="8"/>
+                                        </p:tgtEl>
+                                        <p:attrNameLst>
+                                          <p:attrName>style.visibility</p:attrName>
+                                        </p:attrNameLst>
+                                      </p:cBhvr>
+                                      <p:to>
+                                        <p:strVal val="visible"/>
+                                      </p:to>
+                                    </p:set>
+                                    <p:animEffect transition="in" filter="fade">
+                                      <p:cBhvr>
+                                        <p:cTn id="26" dur="500"/>
+                                        <p:tgtEl>
+                                          <p:spTgt spid="8"/>
+                                        </p:tgtEl>
+                                      </p:cBhvr>
+                                    </p:animEffect>
+                                  </p:childTnLst>
+                                </p:cTn>
+                              </p:par>
+                            </p:childTnLst>
+                          </p:cTn>
+                        </p:par>
+                      </p:childTnLst>
+                    </p:cTn>
+                  </p:par>
+                  <p:par>
+                    <p:cTn id="27" fill="hold">
+                      <p:stCondLst>
+                        <p:cond delay="indefinite"/>
+                      </p:stCondLst>
+                      <p:childTnLst>
+                        <p:par>
+                          <p:cTn id="28" fill="hold">
+                            <p:stCondLst>
+                              <p:cond delay="0"/>
+                            </p:stCondLst>
+                            <p:childTnLst>
+                              <p:par>
+                                <p:cTn id="29" presetID="10" presetClass="entr" presetSubtype="0" fill="hold" nodeType="clickEffect">
+                                  <p:stCondLst>
+                                    <p:cond delay="0"/>
+                                  </p:stCondLst>
+                                  <p:childTnLst>
+                                    <p:set>
+                                      <p:cBhvr>
+                                        <p:cTn id="30" dur="1" fill="hold">
+                                          <p:stCondLst>
+                                            <p:cond delay="0"/>
+                                          </p:stCondLst>
+                                        </p:cTn>
+                                        <p:tgtEl>
+                                          <p:spTgt spid="1030"/>
+                                        </p:tgtEl>
+                                        <p:attrNameLst>
+                                          <p:attrName>style.visibility</p:attrName>
+                                        </p:attrNameLst>
+                                      </p:cBhvr>
+                                      <p:to>
+                                        <p:strVal val="visible"/>
+                                      </p:to>
+                                    </p:set>
+                                    <p:animEffect transition="in" filter="fade">
+                                      <p:cBhvr>
+                                        <p:cTn id="31" dur="500"/>
+                                        <p:tgtEl>
+                                          <p:spTgt spid="1030"/>
+                                        </p:tgtEl>
+                                      </p:cBhvr>
+                                    </p:animEffect>
+                                  </p:childTnLst>
+                                </p:cTn>
+                              </p:par>
+                              <p:par>
+                                <p:cTn id="32" presetID="10" presetClass="entr" presetSubtype="0" fill="hold" grpId="0" nodeType="withEffect">
+                                  <p:stCondLst>
+                                    <p:cond delay="0"/>
+                                  </p:stCondLst>
+                                  <p:childTnLst>
+                                    <p:set>
+                                      <p:cBhvr>
+                                        <p:cTn id="33" dur="1" fill="hold">
+                                          <p:stCondLst>
+                                            <p:cond delay="0"/>
+                                          </p:stCondLst>
+                                        </p:cTn>
+                                        <p:tgtEl>
+                                          <p:spTgt spid="11"/>
+                                        </p:tgtEl>
+                                        <p:attrNameLst>
+                                          <p:attrName>style.visibility</p:attrName>
+                                        </p:attrNameLst>
+                                      </p:cBhvr>
+                                      <p:to>
+                                        <p:strVal val="visible"/>
+                                      </p:to>
+                                    </p:set>
+                                    <p:animEffect transition="in" filter="fade">
+                                      <p:cBhvr>
+                                        <p:cTn id="34" dur="500"/>
+                                        <p:tgtEl>
+                                          <p:spTgt spid="11"/>
+                                        </p:tgtEl>
+                                      </p:cBhvr>
+                                    </p:animEffect>
+                                  </p:childTnLst>
+                                </p:cTn>
+                              </p:par>
+                            </p:childTnLst>
+                          </p:cTn>
+                        </p:par>
+                      </p:childTnLst>
+                    </p:cTn>
+                  </p:par>
+                </p:childTnLst>
+              </p:cTn>
+              <p:prevCondLst>
+                <p:cond evt="onPrev" delay="0">
+                  <p:tgtEl>
+                    <p:sldTgt/>
+                  </p:tgtEl>
+                </p:cond>
+              </p:prevCondLst>
+              <p:nextCondLst>
+                <p:cond evt="onNext" delay="0">
+                  <p:tgtEl>
+                    <p:sldTgt/>
+                  </p:tgtEl>
+                </p:cond>
+              </p:nextCondLst>
+            </p:seq>
+          </p:childTnLst>
+        </p:cTn>
+      </p:par>
+    </p:tnLst>
+    <p:bldLst>
+      <p:bldP spid="3" grpId="0" build="p"/>
+      <p:bldP spid="5" grpId="0"/>
+      <p:bldP spid="8" grpId="0"/>
+      <p:bldP spid="11" grpId="0"/>
+    </p:bldLst>
+  </p:timing>
+</p:sld>
+</file>
+
+<file path=ppt/slides/slide3.xml><?xml version="1.0" encoding="utf-8"?>
+<p:sld xmlns:a="http://schemas.openxmlformats.org/drawingml/2006/main" xmlns:r="http://schemas.openxmlformats.org/officeDocument/2006/relationships" xmlns:p="http://schemas.openxmlformats.org/presentationml/2006/main">
+  <p:cSld>
+    <p:spTree>
+      <p:nvGrpSpPr>
+        <p:cNvPr id="1" name=""/>
+        <p:cNvGrpSpPr/>
+        <p:nvPr/>
+      </p:nvGrpSpPr>
+      <p:grpSpPr>
+        <a:xfrm>
+          <a:off x="0" y="0"/>
+          <a:ext cx="0" cy="0"/>
+          <a:chOff x="0" y="0"/>
+          <a:chExt cx="0" cy="0"/>
+        </a:xfrm>
+      </p:grpSpPr>
+      <p:sp>
+        <p:nvSpPr>
+          <p:cNvPr id="2" name="Title 1"/>
+          <p:cNvSpPr>
+            <a:spLocks noGrp="1"/>
+          </p:cNvSpPr>
+          <p:nvPr>
+            <p:ph type="title"/>
+          </p:nvPr>
+        </p:nvSpPr>
+        <p:spPr/>
+        <p:txBody>
+          <a:bodyPr/>
+          <a:lstStyle/>
+          <a:p>
+            <a:r>
+              <a:rPr lang="en-US" dirty="0"/>
+              <a:t>Efficiency</a:t>
+            </a:r>
+          </a:p>
+        </p:txBody>
+      </p:sp>
+      <mc:AlternateContent xmlns:mc="http://schemas.openxmlformats.org/markup-compatibility/2006" xmlns:a14="http://schemas.microsoft.com/office/drawing/2010/main">
+        <mc:Choice Requires="a14">
           <p:sp>
             <p:nvSpPr>
               <p:cNvPr id="3" name="Content Placeholder 2"/>
@@ -4493,19 +4576,32 @@
             </p:nvSpPr>
             <p:spPr/>
             <p:txBody>
-              <a:bodyPr/>
+              <a:bodyPr>
+                <a:normAutofit lnSpcReduction="10000"/>
+              </a:bodyPr>
               <a:lstStyle/>
               <a:p>
                 <a:r>
                   <a:rPr lang="en-US" dirty="0"/>
-                  <a:t>So far, we have defined our system as a single particle, where work can be done to this particle causing the energy of that particle (kinetic and potential) to be changed.</a:t>
+                  <a:t>The efficiency of a device is the percentage of the </a:t>
+                </a:r>
+                <a:r>
+                  <a:rPr lang="en-US" b="1" dirty="0"/>
+                  <a:t>useful</a:t>
+                </a:r>
+                <a:r>
+                  <a:rPr lang="en-US" dirty="0"/>
+                  <a:t> energy, work, or power in that makes it from the input to the output.</a:t>
                 </a:r>
               </a:p>
               <a:p>
                 <a:r>
                   <a:rPr lang="en-US" dirty="0"/>
-                  <a:t>If we redefine our system to include multiple particles, can still apply the same formula we used before:</a:t>
+                  <a:t>It can be measured by taking the output energy, work, or power divided by the input energy, work, or power.</a:t>
                 </a:r>
+              </a:p>
+              <a:p>
+                <a:endParaRPr lang="en-US" dirty="0"/>
               </a:p>
               <a:p>
                 <a:pPr marL="0" indent="0">
@@ -4519,46 +4615,234 @@
                     <m:oMath xmlns:m="http://schemas.openxmlformats.org/officeDocument/2006/math">
                       <m:r>
                         <a:rPr lang="en-US" b="0" i="1" smtClean="0">
-                          <a:latin typeface="Cambria Math"/>
+                          <a:latin typeface="Cambria Math" panose="02040503050406030204" pitchFamily="18" charset="0"/>
+                          <a:ea typeface="Cambria Math" panose="02040503050406030204" pitchFamily="18" charset="0"/>
                         </a:rPr>
-                        <m:t>𝑊</m:t>
+                        <m:t>𝜂</m:t>
                       </m:r>
                       <m:r>
                         <a:rPr lang="en-US" b="0" i="1" smtClean="0">
                           <a:latin typeface="Cambria Math"/>
                         </a:rPr>
-                        <m:t>=∆</m:t>
+                        <m:t>=</m:t>
                       </m:r>
+                      <m:f>
+                        <m:fPr>
+                          <m:ctrlPr>
+                            <a:rPr lang="en-US" i="1">
+                              <a:latin typeface="Cambria Math" panose="02040503050406030204" pitchFamily="18" charset="0"/>
+                            </a:rPr>
+                          </m:ctrlPr>
+                        </m:fPr>
+                        <m:num>
+                          <m:sSub>
+                            <m:sSubPr>
+                              <m:ctrlPr>
+                                <a:rPr lang="en-US" i="1">
+                                  <a:latin typeface="Cambria Math" panose="02040503050406030204" pitchFamily="18" charset="0"/>
+                                </a:rPr>
+                              </m:ctrlPr>
+                            </m:sSubPr>
+                            <m:e>
+                              <m:r>
+                                <a:rPr lang="en-US" b="0" i="1" smtClean="0">
+                                  <a:latin typeface="Cambria Math" panose="02040503050406030204" pitchFamily="18" charset="0"/>
+                                </a:rPr>
+                                <m:t>𝐸</m:t>
+                              </m:r>
+                            </m:e>
+                            <m:sub>
+                              <m:r>
+                                <a:rPr lang="en-US" i="1">
+                                  <a:latin typeface="Cambria Math"/>
+                                </a:rPr>
+                                <m:t>𝑜𝑢𝑡</m:t>
+                              </m:r>
+                            </m:sub>
+                          </m:sSub>
+                        </m:num>
+                        <m:den>
+                          <m:sSub>
+                            <m:sSubPr>
+                              <m:ctrlPr>
+                                <a:rPr lang="en-US" i="1">
+                                  <a:latin typeface="Cambria Math" panose="02040503050406030204" pitchFamily="18" charset="0"/>
+                                </a:rPr>
+                              </m:ctrlPr>
+                            </m:sSubPr>
+                            <m:e>
+                              <m:r>
+                                <a:rPr lang="en-US" b="0" i="1" smtClean="0">
+                                  <a:latin typeface="Cambria Math" panose="02040503050406030204" pitchFamily="18" charset="0"/>
+                                </a:rPr>
+                                <m:t>𝐸</m:t>
+                              </m:r>
+                            </m:e>
+                            <m:sub>
+                              <m:r>
+                                <a:rPr lang="en-US" i="1">
+                                  <a:latin typeface="Cambria Math"/>
+                                </a:rPr>
+                                <m:t>𝑖𝑛</m:t>
+                              </m:r>
+                            </m:sub>
+                          </m:sSub>
+                        </m:den>
+                      </m:f>
+                      <m:r>
+                        <a:rPr lang="en-US" b="0" i="1" smtClean="0">
+                          <a:latin typeface="Cambria Math" panose="02040503050406030204" pitchFamily="18" charset="0"/>
+                        </a:rPr>
+                        <m:t>=</m:t>
+                      </m:r>
+                      <m:f>
+                        <m:fPr>
+                          <m:ctrlPr>
+                            <a:rPr lang="en-US" b="0" i="1" smtClean="0">
+                              <a:latin typeface="Cambria Math" panose="02040503050406030204" pitchFamily="18" charset="0"/>
+                            </a:rPr>
+                          </m:ctrlPr>
+                        </m:fPr>
+                        <m:num>
+                          <m:sSub>
+                            <m:sSubPr>
+                              <m:ctrlPr>
+                                <a:rPr lang="en-US" b="0" i="1" smtClean="0">
+                                  <a:latin typeface="Cambria Math" panose="02040503050406030204" pitchFamily="18" charset="0"/>
+                                </a:rPr>
+                              </m:ctrlPr>
+                            </m:sSubPr>
+                            <m:e>
+                              <m:r>
+                                <a:rPr lang="en-US" b="0" i="1" smtClean="0">
+                                  <a:latin typeface="Cambria Math"/>
+                                </a:rPr>
+                                <m:t>𝑊</m:t>
+                              </m:r>
+                            </m:e>
+                            <m:sub>
+                              <m:r>
+                                <a:rPr lang="en-US" b="0" i="1" smtClean="0">
+                                  <a:latin typeface="Cambria Math"/>
+                                </a:rPr>
+                                <m:t>𝑜𝑢𝑡</m:t>
+                              </m:r>
+                            </m:sub>
+                          </m:sSub>
+                        </m:num>
+                        <m:den>
+                          <m:sSub>
+                            <m:sSubPr>
+                              <m:ctrlPr>
+                                <a:rPr lang="en-US" i="1">
+                                  <a:latin typeface="Cambria Math" panose="02040503050406030204" pitchFamily="18" charset="0"/>
+                                </a:rPr>
+                              </m:ctrlPr>
+                            </m:sSubPr>
+                            <m:e>
+                              <m:r>
+                                <a:rPr lang="en-US" i="1">
+                                  <a:latin typeface="Cambria Math"/>
+                                </a:rPr>
+                                <m:t>𝑊</m:t>
+                              </m:r>
+                            </m:e>
+                            <m:sub>
+                              <m:r>
+                                <a:rPr lang="en-US" b="0" i="1" smtClean="0">
+                                  <a:latin typeface="Cambria Math"/>
+                                </a:rPr>
+                                <m:t>𝑖𝑛</m:t>
+                              </m:r>
+                            </m:sub>
+                          </m:sSub>
+                        </m:den>
+                      </m:f>
                       <m:r>
                         <a:rPr lang="en-US" b="0" i="1" smtClean="0">
                           <a:latin typeface="Cambria Math"/>
-                          <a:ea typeface="Cambria Math"/>
                         </a:rPr>
-                        <m:t>𝐾𝐸</m:t>
+                        <m:t>=</m:t>
                       </m:r>
-                      <m:r>
-                        <a:rPr lang="en-US" b="0" i="1" smtClean="0">
-                          <a:latin typeface="Cambria Math"/>
-                          <a:ea typeface="Cambria Math"/>
-                        </a:rPr>
-                        <m:t>+ ∆</m:t>
-                      </m:r>
-                      <m:r>
-                        <a:rPr lang="en-US" b="0" i="1" smtClean="0">
-                          <a:latin typeface="Cambria Math"/>
-                          <a:ea typeface="Cambria Math"/>
-                        </a:rPr>
-                        <m:t>𝑃𝐸</m:t>
-                      </m:r>
+                      <m:f>
+                        <m:fPr>
+                          <m:ctrlPr>
+                            <a:rPr lang="en-US" b="0" i="1" smtClean="0">
+                              <a:latin typeface="Cambria Math" panose="02040503050406030204" pitchFamily="18" charset="0"/>
+                            </a:rPr>
+                          </m:ctrlPr>
+                        </m:fPr>
+                        <m:num>
+                          <m:sSub>
+                            <m:sSubPr>
+                              <m:ctrlPr>
+                                <a:rPr lang="en-US" b="0" i="1" smtClean="0">
+                                  <a:latin typeface="Cambria Math" panose="02040503050406030204" pitchFamily="18" charset="0"/>
+                                </a:rPr>
+                              </m:ctrlPr>
+                            </m:sSubPr>
+                            <m:e>
+                              <m:r>
+                                <a:rPr lang="en-US" b="0" i="1" smtClean="0">
+                                  <a:latin typeface="Cambria Math" panose="02040503050406030204" pitchFamily="18" charset="0"/>
+                                </a:rPr>
+                                <m:t>𝑃</m:t>
+                              </m:r>
+                            </m:e>
+                            <m:sub>
+                              <m:r>
+                                <a:rPr lang="en-US" b="0" i="1" smtClean="0">
+                                  <a:latin typeface="Cambria Math"/>
+                                </a:rPr>
+                                <m:t>𝑜𝑢𝑡</m:t>
+                              </m:r>
+                            </m:sub>
+                          </m:sSub>
+                        </m:num>
+                        <m:den>
+                          <m:sSub>
+                            <m:sSubPr>
+                              <m:ctrlPr>
+                                <a:rPr lang="en-US" i="1">
+                                  <a:latin typeface="Cambria Math" panose="02040503050406030204" pitchFamily="18" charset="0"/>
+                                </a:rPr>
+                              </m:ctrlPr>
+                            </m:sSubPr>
+                            <m:e>
+                              <m:r>
+                                <a:rPr lang="en-US" b="0" i="1" smtClean="0">
+                                  <a:latin typeface="Cambria Math" panose="02040503050406030204" pitchFamily="18" charset="0"/>
+                                </a:rPr>
+                                <m:t>𝑃</m:t>
+                              </m:r>
+                            </m:e>
+                            <m:sub>
+                              <m:r>
+                                <a:rPr lang="en-US" b="0" i="1" smtClean="0">
+                                  <a:latin typeface="Cambria Math"/>
+                                  <a:ea typeface="Cambria Math"/>
+                                </a:rPr>
+                                <m:t>𝑖𝑛</m:t>
+                              </m:r>
+                            </m:sub>
+                          </m:sSub>
+                        </m:den>
+                      </m:f>
                     </m:oMath>
                   </m:oMathPara>
                 </a14:m>
                 <a:endParaRPr lang="en-US" dirty="0"/>
               </a:p>
+              <a:p>
+                <a:pPr marL="0" indent="0">
+                  <a:buNone/>
+                </a:pPr>
+                <a:endParaRPr lang="en-US" dirty="0"/>
+              </a:p>
             </p:txBody>
           </p:sp>
         </mc:Choice>
-        <mc:Fallback>
+        <mc:Fallback xmlns="">
           <p:sp>
             <p:nvSpPr>
               <p:cNvPr id="3" name="Content Placeholder 2"/>
@@ -4573,7 +4857,7 @@
               <a:blipFill>
                 <a:blip r:embed="rId2"/>
                 <a:stretch>
-                  <a:fillRect l="-1704" t="-1752" r="-519"/>
+                  <a:fillRect l="-1704" t="-2830" r="-667"/>
                 </a:stretch>
               </a:blipFill>
             </p:spPr>
@@ -4609,7 +4893,7 @@
           <a:p>
             <a:fld id="{929262FE-7F58-4A1E-8AF3-5A510A86DEBD}" type="slidenum">
               <a:rPr lang="en-US" smtClean="0"/>
-              <a:t>2</a:t>
+              <a:t>3</a:t>
             </a:fld>
             <a:endParaRPr lang="en-US"/>
           </a:p>
@@ -4618,7 +4902,639 @@
     </p:spTree>
     <p:extLst>
       <p:ext uri="{BB962C8B-B14F-4D97-AF65-F5344CB8AC3E}">
-        <p14:creationId xmlns:p14="http://schemas.microsoft.com/office/powerpoint/2010/main" val="1446900397"/>
+        <p14:creationId xmlns:p14="http://schemas.microsoft.com/office/powerpoint/2010/main" val="1604584844"/>
+      </p:ext>
+    </p:extLst>
+  </p:cSld>
+  <p:clrMapOvr>
+    <a:masterClrMapping/>
+  </p:clrMapOvr>
+  <p:timing>
+    <p:tnLst>
+      <p:par>
+        <p:cTn id="1" dur="indefinite" restart="never" nodeType="tmRoot">
+          <p:childTnLst>
+            <p:seq concurrent="1" nextAc="seek">
+              <p:cTn id="2" dur="indefinite" nodeType="mainSeq">
+                <p:childTnLst>
+                  <p:par>
+                    <p:cTn id="3" fill="hold">
+                      <p:stCondLst>
+                        <p:cond delay="indefinite"/>
+                      </p:stCondLst>
+                      <p:childTnLst>
+                        <p:par>
+                          <p:cTn id="4" fill="hold">
+                            <p:stCondLst>
+                              <p:cond delay="0"/>
+                            </p:stCondLst>
+                            <p:childTnLst>
+                              <p:par>
+                                <p:cTn id="5" presetID="1" presetClass="entr" presetSubtype="0" fill="hold" grpId="0" nodeType="clickEffect">
+                                  <p:stCondLst>
+                                    <p:cond delay="0"/>
+                                  </p:stCondLst>
+                                  <p:childTnLst>
+                                    <p:set>
+                                      <p:cBhvr>
+                                        <p:cTn id="6" dur="1" fill="hold">
+                                          <p:stCondLst>
+                                            <p:cond delay="0"/>
+                                          </p:stCondLst>
+                                        </p:cTn>
+                                        <p:tgtEl>
+                                          <p:spTgt spid="3">
+                                            <p:txEl>
+                                              <p:pRg st="0" end="0"/>
+                                            </p:txEl>
+                                          </p:spTgt>
+                                        </p:tgtEl>
+                                        <p:attrNameLst>
+                                          <p:attrName>style.visibility</p:attrName>
+                                        </p:attrNameLst>
+                                      </p:cBhvr>
+                                      <p:to>
+                                        <p:strVal val="visible"/>
+                                      </p:to>
+                                    </p:set>
+                                  </p:childTnLst>
+                                </p:cTn>
+                              </p:par>
+                            </p:childTnLst>
+                          </p:cTn>
+                        </p:par>
+                      </p:childTnLst>
+                    </p:cTn>
+                  </p:par>
+                  <p:par>
+                    <p:cTn id="7" fill="hold">
+                      <p:stCondLst>
+                        <p:cond delay="indefinite"/>
+                      </p:stCondLst>
+                      <p:childTnLst>
+                        <p:par>
+                          <p:cTn id="8" fill="hold">
+                            <p:stCondLst>
+                              <p:cond delay="0"/>
+                            </p:stCondLst>
+                            <p:childTnLst>
+                              <p:par>
+                                <p:cTn id="9" presetID="1" presetClass="entr" presetSubtype="0" fill="hold" grpId="0" nodeType="clickEffect">
+                                  <p:stCondLst>
+                                    <p:cond delay="0"/>
+                                  </p:stCondLst>
+                                  <p:childTnLst>
+                                    <p:set>
+                                      <p:cBhvr>
+                                        <p:cTn id="10" dur="1" fill="hold">
+                                          <p:stCondLst>
+                                            <p:cond delay="0"/>
+                                          </p:stCondLst>
+                                        </p:cTn>
+                                        <p:tgtEl>
+                                          <p:spTgt spid="3">
+                                            <p:txEl>
+                                              <p:pRg st="1" end="1"/>
+                                            </p:txEl>
+                                          </p:spTgt>
+                                        </p:tgtEl>
+                                        <p:attrNameLst>
+                                          <p:attrName>style.visibility</p:attrName>
+                                        </p:attrNameLst>
+                                      </p:cBhvr>
+                                      <p:to>
+                                        <p:strVal val="visible"/>
+                                      </p:to>
+                                    </p:set>
+                                  </p:childTnLst>
+                                </p:cTn>
+                              </p:par>
+                            </p:childTnLst>
+                          </p:cTn>
+                        </p:par>
+                      </p:childTnLst>
+                    </p:cTn>
+                  </p:par>
+                  <p:par>
+                    <p:cTn id="11" fill="hold">
+                      <p:stCondLst>
+                        <p:cond delay="indefinite"/>
+                      </p:stCondLst>
+                      <p:childTnLst>
+                        <p:par>
+                          <p:cTn id="12" fill="hold">
+                            <p:stCondLst>
+                              <p:cond delay="0"/>
+                            </p:stCondLst>
+                            <p:childTnLst>
+                              <p:par>
+                                <p:cTn id="13" presetID="1" presetClass="entr" presetSubtype="0" fill="hold" grpId="0" nodeType="clickEffect">
+                                  <p:stCondLst>
+                                    <p:cond delay="0"/>
+                                  </p:stCondLst>
+                                  <p:childTnLst>
+                                    <p:set>
+                                      <p:cBhvr>
+                                        <p:cTn id="14" dur="1" fill="hold">
+                                          <p:stCondLst>
+                                            <p:cond delay="0"/>
+                                          </p:stCondLst>
+                                        </p:cTn>
+                                        <p:tgtEl>
+                                          <p:spTgt spid="3">
+                                            <p:txEl>
+                                              <p:pRg st="3" end="3"/>
+                                            </p:txEl>
+                                          </p:spTgt>
+                                        </p:tgtEl>
+                                        <p:attrNameLst>
+                                          <p:attrName>style.visibility</p:attrName>
+                                        </p:attrNameLst>
+                                      </p:cBhvr>
+                                      <p:to>
+                                        <p:strVal val="visible"/>
+                                      </p:to>
+                                    </p:set>
+                                  </p:childTnLst>
+                                </p:cTn>
+                              </p:par>
+                            </p:childTnLst>
+                          </p:cTn>
+                        </p:par>
+                      </p:childTnLst>
+                    </p:cTn>
+                  </p:par>
+                </p:childTnLst>
+              </p:cTn>
+              <p:prevCondLst>
+                <p:cond evt="onPrev" delay="0">
+                  <p:tgtEl>
+                    <p:sldTgt/>
+                  </p:tgtEl>
+                </p:cond>
+              </p:prevCondLst>
+              <p:nextCondLst>
+                <p:cond evt="onNext" delay="0">
+                  <p:tgtEl>
+                    <p:sldTgt/>
+                  </p:tgtEl>
+                </p:cond>
+              </p:nextCondLst>
+            </p:seq>
+          </p:childTnLst>
+        </p:cTn>
+      </p:par>
+    </p:tnLst>
+    <p:bldLst>
+      <p:bldP spid="3" grpId="0" build="p"/>
+    </p:bldLst>
+  </p:timing>
+</p:sld>
+</file>
+
+<file path=ppt/slides/slide4.xml><?xml version="1.0" encoding="utf-8"?>
+<p:sld xmlns:a="http://schemas.openxmlformats.org/drawingml/2006/main" xmlns:r="http://schemas.openxmlformats.org/officeDocument/2006/relationships" xmlns:p="http://schemas.openxmlformats.org/presentationml/2006/main">
+  <p:cSld>
+    <p:spTree>
+      <p:nvGrpSpPr>
+        <p:cNvPr id="1" name=""/>
+        <p:cNvGrpSpPr/>
+        <p:nvPr/>
+      </p:nvGrpSpPr>
+      <p:grpSpPr>
+        <a:xfrm>
+          <a:off x="0" y="0"/>
+          <a:ext cx="0" cy="0"/>
+          <a:chOff x="0" y="0"/>
+          <a:chExt cx="0" cy="0"/>
+        </a:xfrm>
+      </p:grpSpPr>
+      <p:sp>
+        <p:nvSpPr>
+          <p:cNvPr id="2" name="Title 1">
+            <a:extLst>
+              <a:ext uri="{FF2B5EF4-FFF2-40B4-BE49-F238E27FC236}">
+                <a16:creationId xmlns:a16="http://schemas.microsoft.com/office/drawing/2014/main" id="{BBEABDA3-9829-469E-9B27-7793CF32304A}"/>
+              </a:ext>
+            </a:extLst>
+          </p:cNvPr>
+          <p:cNvSpPr>
+            <a:spLocks noGrp="1"/>
+          </p:cNvSpPr>
+          <p:nvPr>
+            <p:ph type="title"/>
+          </p:nvPr>
+        </p:nvSpPr>
+        <p:spPr/>
+        <p:txBody>
+          <a:bodyPr/>
+          <a:lstStyle/>
+          <a:p>
+            <a:r>
+              <a:rPr lang="en-US" dirty="0"/>
+              <a:t>Efficiency </a:t>
+            </a:r>
+          </a:p>
+        </p:txBody>
+      </p:sp>
+      <mc:AlternateContent xmlns:mc="http://schemas.openxmlformats.org/markup-compatibility/2006" xmlns:a14="http://schemas.microsoft.com/office/drawing/2010/main">
+        <mc:Choice Requires="a14">
+          <p:sp>
+            <p:nvSpPr>
+              <p:cNvPr id="3" name="Content Placeholder 2">
+                <a:extLst>
+                  <a:ext uri="{FF2B5EF4-FFF2-40B4-BE49-F238E27FC236}">
+                    <a16:creationId xmlns:a16="http://schemas.microsoft.com/office/drawing/2014/main" id="{B6314AB4-D711-41E6-8A85-F162A044ABD1}"/>
+                  </a:ext>
+                </a:extLst>
+              </p:cNvPr>
+              <p:cNvSpPr>
+                <a:spLocks noGrp="1"/>
+              </p:cNvSpPr>
+              <p:nvPr>
+                <p:ph idx="1"/>
+              </p:nvPr>
+            </p:nvSpPr>
+            <p:spPr/>
+            <p:txBody>
+              <a:bodyPr>
+                <a:normAutofit lnSpcReduction="10000"/>
+              </a:bodyPr>
+              <a:lstStyle/>
+              <a:p>
+                <a:r>
+                  <a:rPr lang="en-US" dirty="0"/>
+                  <a:t>By rearranging the previous equations, we can use the input along with a known efficiency to predict the output of a system.</a:t>
+                </a:r>
+              </a:p>
+              <a:p>
+                <a:pPr marL="0" indent="0">
+                  <a:buNone/>
+                </a:pPr>
+                <a14:m>
+                  <m:oMathPara xmlns:m="http://schemas.openxmlformats.org/officeDocument/2006/math">
+                    <m:oMathParaPr>
+                      <m:jc m:val="centerGroup"/>
+                    </m:oMathParaPr>
+                    <m:oMath xmlns:m="http://schemas.openxmlformats.org/officeDocument/2006/math">
+                      <m:r>
+                        <a:rPr lang="en-US" b="0" i="1" smtClean="0">
+                          <a:latin typeface="Cambria Math" panose="02040503050406030204" pitchFamily="18" charset="0"/>
+                          <a:ea typeface="Cambria Math" panose="02040503050406030204" pitchFamily="18" charset="0"/>
+                        </a:rPr>
+                        <m:t>(</m:t>
+                      </m:r>
+                      <m:r>
+                        <a:rPr lang="en-US" b="0" i="1" smtClean="0">
+                          <a:latin typeface="Cambria Math" panose="02040503050406030204" pitchFamily="18" charset="0"/>
+                          <a:ea typeface="Cambria Math" panose="02040503050406030204" pitchFamily="18" charset="0"/>
+                        </a:rPr>
+                        <m:t>𝜂</m:t>
+                      </m:r>
+                      <m:r>
+                        <a:rPr lang="en-US" b="0" i="1" smtClean="0">
+                          <a:latin typeface="Cambria Math" panose="02040503050406030204" pitchFamily="18" charset="0"/>
+                          <a:ea typeface="Cambria Math" panose="02040503050406030204" pitchFamily="18" charset="0"/>
+                        </a:rPr>
+                        <m:t>)(</m:t>
+                      </m:r>
+                      <m:sSub>
+                        <m:sSubPr>
+                          <m:ctrlPr>
+                            <a:rPr lang="en-US" i="1">
+                              <a:latin typeface="Cambria Math" panose="02040503050406030204" pitchFamily="18" charset="0"/>
+                            </a:rPr>
+                          </m:ctrlPr>
+                        </m:sSubPr>
+                        <m:e>
+                          <m:r>
+                            <a:rPr lang="en-US" b="0" i="1" smtClean="0">
+                              <a:latin typeface="Cambria Math" panose="02040503050406030204" pitchFamily="18" charset="0"/>
+                            </a:rPr>
+                            <m:t>𝑃</m:t>
+                          </m:r>
+                        </m:e>
+                        <m:sub>
+                          <m:r>
+                            <a:rPr lang="en-US" i="1">
+                              <a:latin typeface="Cambria Math"/>
+                            </a:rPr>
+                            <m:t>𝑖𝑛</m:t>
+                          </m:r>
+                        </m:sub>
+                      </m:sSub>
+                      <m:r>
+                        <a:rPr lang="en-US" b="0" i="1" smtClean="0">
+                          <a:latin typeface="Cambria Math" panose="02040503050406030204" pitchFamily="18" charset="0"/>
+                        </a:rPr>
+                        <m:t>)</m:t>
+                      </m:r>
+                      <m:r>
+                        <a:rPr lang="en-US" b="0" i="1" smtClean="0">
+                          <a:latin typeface="Cambria Math"/>
+                        </a:rPr>
+                        <m:t>=</m:t>
+                      </m:r>
+                      <m:sSub>
+                        <m:sSubPr>
+                          <m:ctrlPr>
+                            <a:rPr lang="en-US" i="1">
+                              <a:latin typeface="Cambria Math" panose="02040503050406030204" pitchFamily="18" charset="0"/>
+                            </a:rPr>
+                          </m:ctrlPr>
+                        </m:sSubPr>
+                        <m:e>
+                          <m:r>
+                            <a:rPr lang="en-US" b="0" i="1" smtClean="0">
+                              <a:latin typeface="Cambria Math" panose="02040503050406030204" pitchFamily="18" charset="0"/>
+                            </a:rPr>
+                            <m:t>𝑃</m:t>
+                          </m:r>
+                        </m:e>
+                        <m:sub>
+                          <m:r>
+                            <a:rPr lang="en-US" i="1">
+                              <a:latin typeface="Cambria Math"/>
+                            </a:rPr>
+                            <m:t>𝑜𝑢𝑡</m:t>
+                          </m:r>
+                        </m:sub>
+                      </m:sSub>
+                    </m:oMath>
+                  </m:oMathPara>
+                </a14:m>
+                <a:endParaRPr lang="en-US" dirty="0"/>
+              </a:p>
+              <a:p>
+                <a:r>
+                  <a:rPr lang="en-US" dirty="0"/>
+                  <a:t>In mechanical systems, kinematics will usually constrain the motion, meaning that losses will play out as a loss of force rather than a loss of distance/velocity.</a:t>
+                </a:r>
+              </a:p>
+              <a:p>
+                <a:pPr marL="0" indent="0">
+                  <a:buNone/>
+                </a:pPr>
+                <a14:m>
+                  <m:oMathPara xmlns:m="http://schemas.openxmlformats.org/officeDocument/2006/math">
+                    <m:oMathParaPr>
+                      <m:jc m:val="centerGroup"/>
+                    </m:oMathParaPr>
+                    <m:oMath xmlns:m="http://schemas.openxmlformats.org/officeDocument/2006/math">
+                      <m:d>
+                        <m:dPr>
+                          <m:ctrlPr>
+                            <a:rPr lang="en-US" i="1">
+                              <a:latin typeface="Cambria Math" panose="02040503050406030204" pitchFamily="18" charset="0"/>
+                              <a:ea typeface="Cambria Math" panose="02040503050406030204" pitchFamily="18" charset="0"/>
+                            </a:rPr>
+                          </m:ctrlPr>
+                        </m:dPr>
+                        <m:e>
+                          <m:r>
+                            <a:rPr lang="en-US" i="1">
+                              <a:latin typeface="Cambria Math" panose="02040503050406030204" pitchFamily="18" charset="0"/>
+                              <a:ea typeface="Cambria Math" panose="02040503050406030204" pitchFamily="18" charset="0"/>
+                            </a:rPr>
+                            <m:t>𝜂</m:t>
+                          </m:r>
+                        </m:e>
+                      </m:d>
+                      <m:d>
+                        <m:dPr>
+                          <m:ctrlPr>
+                            <a:rPr lang="en-US" i="1">
+                              <a:latin typeface="Cambria Math" panose="02040503050406030204" pitchFamily="18" charset="0"/>
+                              <a:ea typeface="Cambria Math" panose="02040503050406030204" pitchFamily="18" charset="0"/>
+                            </a:rPr>
+                          </m:ctrlPr>
+                        </m:dPr>
+                        <m:e>
+                          <m:sSub>
+                            <m:sSubPr>
+                              <m:ctrlPr>
+                                <a:rPr lang="en-US" i="1">
+                                  <a:latin typeface="Cambria Math" panose="02040503050406030204" pitchFamily="18" charset="0"/>
+                                </a:rPr>
+                              </m:ctrlPr>
+                            </m:sSubPr>
+                            <m:e>
+                              <m:r>
+                                <a:rPr lang="en-US" b="0" i="1" smtClean="0">
+                                  <a:latin typeface="Cambria Math" panose="02040503050406030204" pitchFamily="18" charset="0"/>
+                                </a:rPr>
+                                <m:t>𝐹</m:t>
+                              </m:r>
+                            </m:e>
+                            <m:sub>
+                              <m:r>
+                                <a:rPr lang="en-US" i="1">
+                                  <a:latin typeface="Cambria Math"/>
+                                </a:rPr>
+                                <m:t>𝑖𝑛</m:t>
+                              </m:r>
+                            </m:sub>
+                          </m:sSub>
+                        </m:e>
+                      </m:d>
+                      <m:d>
+                        <m:dPr>
+                          <m:ctrlPr>
+                            <a:rPr lang="en-US" i="1">
+                              <a:latin typeface="Cambria Math" panose="02040503050406030204" pitchFamily="18" charset="0"/>
+                              <a:ea typeface="Cambria Math" panose="02040503050406030204" pitchFamily="18" charset="0"/>
+                            </a:rPr>
+                          </m:ctrlPr>
+                        </m:dPr>
+                        <m:e>
+                          <m:sSub>
+                            <m:sSubPr>
+                              <m:ctrlPr>
+                                <a:rPr lang="en-US" i="1">
+                                  <a:latin typeface="Cambria Math" panose="02040503050406030204" pitchFamily="18" charset="0"/>
+                                </a:rPr>
+                              </m:ctrlPr>
+                            </m:sSubPr>
+                            <m:e>
+                              <m:r>
+                                <a:rPr lang="en-US" b="0" i="1" smtClean="0">
+                                  <a:latin typeface="Cambria Math" panose="02040503050406030204" pitchFamily="18" charset="0"/>
+                                </a:rPr>
+                                <m:t>𝑣</m:t>
+                              </m:r>
+                            </m:e>
+                            <m:sub>
+                              <m:r>
+                                <a:rPr lang="en-US" i="1">
+                                  <a:latin typeface="Cambria Math"/>
+                                </a:rPr>
+                                <m:t>𝑖𝑛</m:t>
+                              </m:r>
+                            </m:sub>
+                          </m:sSub>
+                        </m:e>
+                      </m:d>
+                      <m:r>
+                        <a:rPr lang="en-US" i="1">
+                          <a:latin typeface="Cambria Math"/>
+                        </a:rPr>
+                        <m:t>=</m:t>
+                      </m:r>
+                      <m:d>
+                        <m:dPr>
+                          <m:ctrlPr>
+                            <a:rPr lang="en-US" i="1">
+                              <a:latin typeface="Cambria Math" panose="02040503050406030204" pitchFamily="18" charset="0"/>
+                              <a:ea typeface="Cambria Math" panose="02040503050406030204" pitchFamily="18" charset="0"/>
+                            </a:rPr>
+                          </m:ctrlPr>
+                        </m:dPr>
+                        <m:e>
+                          <m:sSub>
+                            <m:sSubPr>
+                              <m:ctrlPr>
+                                <a:rPr lang="en-US" i="1">
+                                  <a:latin typeface="Cambria Math" panose="02040503050406030204" pitchFamily="18" charset="0"/>
+                                </a:rPr>
+                              </m:ctrlPr>
+                            </m:sSubPr>
+                            <m:e>
+                              <m:r>
+                                <a:rPr lang="en-US" i="1">
+                                  <a:latin typeface="Cambria Math" panose="02040503050406030204" pitchFamily="18" charset="0"/>
+                                </a:rPr>
+                                <m:t>𝐹</m:t>
+                              </m:r>
+                            </m:e>
+                            <m:sub>
+                              <m:r>
+                                <a:rPr lang="en-US" b="0" i="1" smtClean="0">
+                                  <a:latin typeface="Cambria Math" panose="02040503050406030204" pitchFamily="18" charset="0"/>
+                                </a:rPr>
+                                <m:t>𝑜𝑢𝑡</m:t>
+                              </m:r>
+                            </m:sub>
+                          </m:sSub>
+                        </m:e>
+                      </m:d>
+                      <m:d>
+                        <m:dPr>
+                          <m:ctrlPr>
+                            <a:rPr lang="en-US" i="1">
+                              <a:latin typeface="Cambria Math" panose="02040503050406030204" pitchFamily="18" charset="0"/>
+                              <a:ea typeface="Cambria Math" panose="02040503050406030204" pitchFamily="18" charset="0"/>
+                            </a:rPr>
+                          </m:ctrlPr>
+                        </m:dPr>
+                        <m:e>
+                          <m:sSub>
+                            <m:sSubPr>
+                              <m:ctrlPr>
+                                <a:rPr lang="en-US" i="1">
+                                  <a:latin typeface="Cambria Math" panose="02040503050406030204" pitchFamily="18" charset="0"/>
+                                </a:rPr>
+                              </m:ctrlPr>
+                            </m:sSubPr>
+                            <m:e>
+                              <m:r>
+                                <a:rPr lang="en-US" i="1">
+                                  <a:latin typeface="Cambria Math" panose="02040503050406030204" pitchFamily="18" charset="0"/>
+                                </a:rPr>
+                                <m:t>𝑣</m:t>
+                              </m:r>
+                            </m:e>
+                            <m:sub>
+                              <m:r>
+                                <a:rPr lang="en-US" b="0" i="1" smtClean="0">
+                                  <a:latin typeface="Cambria Math" panose="02040503050406030204" pitchFamily="18" charset="0"/>
+                                </a:rPr>
+                                <m:t>𝑜𝑢𝑡</m:t>
+                              </m:r>
+                            </m:sub>
+                          </m:sSub>
+                        </m:e>
+                      </m:d>
+                    </m:oMath>
+                  </m:oMathPara>
+                </a14:m>
+                <a:endParaRPr lang="en-US" dirty="0"/>
+              </a:p>
+            </p:txBody>
+          </p:sp>
+        </mc:Choice>
+        <mc:Fallback xmlns="">
+          <p:sp>
+            <p:nvSpPr>
+              <p:cNvPr id="3" name="Content Placeholder 2">
+                <a:extLst>
+                  <a:ext uri="{FF2B5EF4-FFF2-40B4-BE49-F238E27FC236}">
+                    <a16:creationId xmlns:a16="http://schemas.microsoft.com/office/drawing/2014/main" id="{B6314AB4-D711-41E6-8A85-F162A044ABD1}"/>
+                  </a:ext>
+                </a:extLst>
+              </p:cNvPr>
+              <p:cNvSpPr>
+                <a:spLocks noGrp="1" noRot="1" noChangeAspect="1" noMove="1" noResize="1" noEditPoints="1" noAdjustHandles="1" noChangeArrowheads="1" noChangeShapeType="1" noTextEdit="1"/>
+              </p:cNvSpPr>
+              <p:nvPr>
+                <p:ph idx="1"/>
+              </p:nvPr>
+            </p:nvSpPr>
+            <p:spPr>
+              <a:blipFill>
+                <a:blip r:embed="rId2"/>
+                <a:stretch>
+                  <a:fillRect l="-1704" t="-2830" r="-2148"/>
+                </a:stretch>
+              </a:blipFill>
+            </p:spPr>
+            <p:txBody>
+              <a:bodyPr/>
+              <a:lstStyle/>
+              <a:p>
+                <a:r>
+                  <a:rPr lang="en-US">
+                    <a:noFill/>
+                  </a:rPr>
+                  <a:t> </a:t>
+                </a:r>
+              </a:p>
+            </p:txBody>
+          </p:sp>
+        </mc:Fallback>
+      </mc:AlternateContent>
+      <p:sp>
+        <p:nvSpPr>
+          <p:cNvPr id="4" name="Slide Number Placeholder 3">
+            <a:extLst>
+              <a:ext uri="{FF2B5EF4-FFF2-40B4-BE49-F238E27FC236}">
+                <a16:creationId xmlns:a16="http://schemas.microsoft.com/office/drawing/2014/main" id="{D953422B-D61B-4619-A27E-D461094615FF}"/>
+              </a:ext>
+            </a:extLst>
+          </p:cNvPr>
+          <p:cNvSpPr>
+            <a:spLocks noGrp="1"/>
+          </p:cNvSpPr>
+          <p:nvPr>
+            <p:ph type="sldNum" sz="quarter" idx="12"/>
+          </p:nvPr>
+        </p:nvSpPr>
+        <p:spPr/>
+        <p:txBody>
+          <a:bodyPr/>
+          <a:lstStyle/>
+          <a:p>
+            <a:fld id="{929262FE-7F58-4A1E-8AF3-5A510A86DEBD}" type="slidenum">
+              <a:rPr lang="en-US" smtClean="0"/>
+              <a:t>4</a:t>
+            </a:fld>
+            <a:endParaRPr lang="en-US" dirty="0"/>
+          </a:p>
+        </p:txBody>
+      </p:sp>
+    </p:spTree>
+    <p:extLst>
+      <p:ext uri="{BB962C8B-B14F-4D97-AF65-F5344CB8AC3E}">
+        <p14:creationId xmlns:p14="http://schemas.microsoft.com/office/powerpoint/2010/main" val="225194778"/>
       </p:ext>
     </p:extLst>
   </p:cSld>
@@ -4780,6 +5696,55 @@
                       </p:childTnLst>
                     </p:cTn>
                   </p:par>
+                  <p:par>
+                    <p:cTn id="15" fill="hold">
+                      <p:stCondLst>
+                        <p:cond delay="indefinite"/>
+                      </p:stCondLst>
+                      <p:childTnLst>
+                        <p:par>
+                          <p:cTn id="16" fill="hold">
+                            <p:stCondLst>
+                              <p:cond delay="0"/>
+                            </p:stCondLst>
+                            <p:childTnLst>
+                              <p:par>
+                                <p:cTn id="17" presetID="1" presetClass="entr" presetSubtype="0" fill="hold" grpId="0" nodeType="clickEffect">
+                                  <p:stCondLst>
+                                    <p:cond delay="0"/>
+                                  </p:stCondLst>
+                                  <p:childTnLst>
+                                    <p:set>
+                                      <p:cBhvr>
+                                        <p:cTn id="18" dur="1" fill="hold">
+                                          <p:stCondLst>
+                                            <p:cond delay="0"/>
+                                          </p:stCondLst>
+                                        </p:cTn>
+                                        <p:tgtEl>
+                                          <p:spTgt spid="3">
+                                            <p:txEl>
+                                              <p:pRg st="3" end="3"/>
+                                            </p:txEl>
+                                          </p:spTgt>
+                                        </p:tgtEl>
+                                        <p:attrNameLst>
+                                          <p:attrName>style.visibility</p:attrName>
+                                        </p:attrNameLst>
+                                      </p:cBhvr>
+                                      <p:to>
+                                        <p:strVal val="visible"/>
+                                      </p:to>
+                                    </p:set>
+                                  </p:childTnLst>
+                                </p:cTn>
+                              </p:par>
+                            </p:childTnLst>
+                          </p:cTn>
+                        </p:par>
+                      </p:childTnLst>
+                    </p:cTn>
+                  </p:par>
                 </p:childTnLst>
               </p:cTn>
               <p:prevCondLst>
@@ -4808,7 +5773,7 @@
 </p:sld>
 </file>
 
-<file path=ppt/slides/slide3.xml><?xml version="1.0" encoding="utf-8"?>
+<file path=ppt/slides/slide5.xml><?xml version="1.0" encoding="utf-8"?>
 <p:sld xmlns:a="http://schemas.openxmlformats.org/drawingml/2006/main" xmlns:r="http://schemas.openxmlformats.org/officeDocument/2006/relationships" xmlns:p="http://schemas.openxmlformats.org/presentationml/2006/main">
   <p:cSld>
     <p:spTree>
@@ -4827,7 +5792,13 @@
       </p:grpSpPr>
       <p:sp>
         <p:nvSpPr>
-          <p:cNvPr id="2" name="Title 1"/>
+          <p:cNvPr id="2" name="Title 1">
+            <a:extLst>
+              <a:ext uri="{FF2B5EF4-FFF2-40B4-BE49-F238E27FC236}">
+                <a16:creationId xmlns:a16="http://schemas.microsoft.com/office/drawing/2014/main" id="{BF23EDE5-C6E8-4D51-B522-6BAC9ED0C15A}"/>
+              </a:ext>
+            </a:extLst>
+          </p:cNvPr>
           <p:cNvSpPr>
             <a:spLocks noGrp="1"/>
           </p:cNvSpPr>
@@ -4837,520 +5808,74 @@
         </p:nvSpPr>
         <p:spPr/>
         <p:txBody>
+          <a:bodyPr/>
+          <a:lstStyle/>
+          <a:p>
+            <a:r>
+              <a:rPr lang="en-US" dirty="0"/>
+              <a:t>Problems with Inefficiency</a:t>
+            </a:r>
+          </a:p>
+        </p:txBody>
+      </p:sp>
+      <p:sp>
+        <p:nvSpPr>
+          <p:cNvPr id="3" name="Content Placeholder 2">
+            <a:extLst>
+              <a:ext uri="{FF2B5EF4-FFF2-40B4-BE49-F238E27FC236}">
+                <a16:creationId xmlns:a16="http://schemas.microsoft.com/office/drawing/2014/main" id="{BBE7DE19-1D27-4AF3-8787-20E0DE292CA3}"/>
+              </a:ext>
+            </a:extLst>
+          </p:cNvPr>
+          <p:cNvSpPr>
+            <a:spLocks noGrp="1"/>
+          </p:cNvSpPr>
+          <p:nvPr>
+            <p:ph idx="1"/>
+          </p:nvPr>
+        </p:nvSpPr>
+        <p:spPr>
+          <a:xfrm>
+            <a:off x="457200" y="1600200"/>
+            <a:ext cx="4800600" cy="4525963"/>
+          </a:xfrm>
+        </p:spPr>
+        <p:txBody>
           <a:bodyPr>
-            <a:normAutofit fontScale="90000"/>
+            <a:normAutofit fontScale="92500" lnSpcReduction="10000"/>
           </a:bodyPr>
           <a:lstStyle/>
           <a:p>
             <a:r>
               <a:rPr lang="en-US" dirty="0"/>
-              <a:t>Work and Energy for Systems of Particles</a:t>
-            </a:r>
-          </a:p>
-        </p:txBody>
-      </p:sp>
-      <mc:AlternateContent xmlns:mc="http://schemas.openxmlformats.org/markup-compatibility/2006" xmlns:a14="http://schemas.microsoft.com/office/drawing/2010/main">
-        <mc:Choice Requires="a14">
-          <p:sp>
-            <p:nvSpPr>
-              <p:cNvPr id="3" name="Content Placeholder 2"/>
-              <p:cNvSpPr>
-                <a:spLocks noGrp="1"/>
-              </p:cNvSpPr>
-              <p:nvPr>
-                <p:ph idx="1"/>
-              </p:nvPr>
-            </p:nvSpPr>
-            <p:spPr/>
-            <p:txBody>
-              <a:bodyPr>
-                <a:normAutofit fontScale="77500" lnSpcReduction="20000"/>
-              </a:bodyPr>
-              <a:lstStyle/>
-              <a:p>
-                <a:r>
-                  <a:rPr lang="en-US" dirty="0"/>
-                  <a:t>To find the work done to the overall system, we simply sum up the work done to each particle in the system.</a:t>
-                </a:r>
-              </a:p>
-              <a:p>
-                <a:endParaRPr lang="en-US" dirty="0"/>
-              </a:p>
-              <a:p>
-                <a:pPr marL="0" indent="0">
-                  <a:buNone/>
-                </a:pPr>
-                <a14:m>
-                  <m:oMathPara xmlns:m="http://schemas.openxmlformats.org/officeDocument/2006/math">
-                    <m:oMathParaPr>
-                      <m:jc m:val="centerGroup"/>
-                    </m:oMathParaPr>
-                    <m:oMath xmlns:m="http://schemas.openxmlformats.org/officeDocument/2006/math">
-                      <m:sSub>
-                        <m:sSubPr>
-                          <m:ctrlPr>
-                            <a:rPr lang="en-US" i="1" smtClean="0">
-                              <a:latin typeface="Cambria Math" panose="02040503050406030204" pitchFamily="18" charset="0"/>
-                            </a:rPr>
-                          </m:ctrlPr>
-                        </m:sSubPr>
-                        <m:e>
-                          <m:r>
-                            <a:rPr lang="en-US" b="0" i="1" smtClean="0">
-                              <a:latin typeface="Cambria Math"/>
-                            </a:rPr>
-                            <m:t>𝑊</m:t>
-                          </m:r>
-                        </m:e>
-                        <m:sub>
-                          <m:r>
-                            <a:rPr lang="en-US" b="0" i="1" smtClean="0">
-                              <a:latin typeface="Cambria Math"/>
-                            </a:rPr>
-                            <m:t>𝑡𝑜𝑡𝑎𝑙</m:t>
-                          </m:r>
-                        </m:sub>
-                      </m:sSub>
-                      <m:r>
-                        <a:rPr lang="en-US" b="0" i="1" smtClean="0">
-                          <a:latin typeface="Cambria Math"/>
-                        </a:rPr>
-                        <m:t>=</m:t>
-                      </m:r>
-                      <m:sSub>
-                        <m:sSubPr>
-                          <m:ctrlPr>
-                            <a:rPr lang="en-US" b="0" i="1" smtClean="0">
-                              <a:latin typeface="Cambria Math" panose="02040503050406030204" pitchFamily="18" charset="0"/>
-                            </a:rPr>
-                          </m:ctrlPr>
-                        </m:sSubPr>
-                        <m:e>
-                          <m:r>
-                            <a:rPr lang="en-US" b="0" i="1" smtClean="0">
-                              <a:latin typeface="Cambria Math" panose="02040503050406030204" pitchFamily="18" charset="0"/>
-                            </a:rPr>
-                            <m:t>𝑊</m:t>
-                          </m:r>
-                        </m:e>
-                        <m:sub>
-                          <m:r>
-                            <a:rPr lang="en-US" b="0" i="1" smtClean="0">
-                              <a:latin typeface="Cambria Math" panose="02040503050406030204" pitchFamily="18" charset="0"/>
-                            </a:rPr>
-                            <m:t>1</m:t>
-                          </m:r>
-                        </m:sub>
-                      </m:sSub>
-                      <m:r>
-                        <a:rPr lang="en-US" b="0" i="1" smtClean="0">
-                          <a:latin typeface="Cambria Math" panose="02040503050406030204" pitchFamily="18" charset="0"/>
-                        </a:rPr>
-                        <m:t>+</m:t>
-                      </m:r>
-                      <m:sSub>
-                        <m:sSubPr>
-                          <m:ctrlPr>
-                            <a:rPr lang="en-US" i="1">
-                              <a:latin typeface="Cambria Math" panose="02040503050406030204" pitchFamily="18" charset="0"/>
-                            </a:rPr>
-                          </m:ctrlPr>
-                        </m:sSubPr>
-                        <m:e>
-                          <m:r>
-                            <a:rPr lang="en-US" i="1">
-                              <a:latin typeface="Cambria Math" panose="02040503050406030204" pitchFamily="18" charset="0"/>
-                            </a:rPr>
-                            <m:t>𝑊</m:t>
-                          </m:r>
-                        </m:e>
-                        <m:sub>
-                          <m:r>
-                            <a:rPr lang="en-US" b="0" i="1" smtClean="0">
-                              <a:latin typeface="Cambria Math" panose="02040503050406030204" pitchFamily="18" charset="0"/>
-                            </a:rPr>
-                            <m:t>2</m:t>
-                          </m:r>
-                        </m:sub>
-                      </m:sSub>
-                      <m:r>
-                        <a:rPr lang="en-US" b="0" i="1" smtClean="0">
-                          <a:latin typeface="Cambria Math" panose="02040503050406030204" pitchFamily="18" charset="0"/>
-                        </a:rPr>
-                        <m:t>+…</m:t>
-                      </m:r>
-                    </m:oMath>
-                  </m:oMathPara>
-                </a14:m>
-                <a:endParaRPr lang="en-US" dirty="0"/>
-              </a:p>
-              <a:p>
-                <a:pPr marL="0" indent="0">
-                  <a:buNone/>
-                </a:pPr>
-                <a:endParaRPr lang="en-US" dirty="0"/>
-              </a:p>
-              <a:p>
-                <a:r>
-                  <a:rPr lang="en-US" dirty="0"/>
-                  <a:t>To find the change in energy of the overall system we simply sum up the change in energies of each particle in the system.</a:t>
-                </a:r>
-              </a:p>
-              <a:p>
-                <a:endParaRPr lang="en-US" dirty="0"/>
-              </a:p>
-              <a:p>
-                <a:pPr marL="0" indent="0">
-                  <a:buNone/>
-                </a:pPr>
-                <a14:m>
-                  <m:oMathPara xmlns:m="http://schemas.openxmlformats.org/officeDocument/2006/math">
-                    <m:oMathParaPr>
-                      <m:jc m:val="centerGroup"/>
-                    </m:oMathParaPr>
-                    <m:oMath xmlns:m="http://schemas.openxmlformats.org/officeDocument/2006/math">
-                      <m:r>
-                        <m:rPr>
-                          <m:sty m:val="p"/>
-                        </m:rPr>
-                        <a:rPr lang="el-GR" i="1" smtClean="0">
-                          <a:latin typeface="Cambria Math" panose="02040503050406030204" pitchFamily="18" charset="0"/>
-                          <a:ea typeface="Cambria Math" panose="02040503050406030204" pitchFamily="18" charset="0"/>
-                        </a:rPr>
-                        <m:t>Δ</m:t>
-                      </m:r>
-                      <m:sSub>
-                        <m:sSubPr>
-                          <m:ctrlPr>
-                            <a:rPr lang="en-US" i="1">
-                              <a:latin typeface="Cambria Math" panose="02040503050406030204" pitchFamily="18" charset="0"/>
-                            </a:rPr>
-                          </m:ctrlPr>
-                        </m:sSubPr>
-                        <m:e>
-                          <m:r>
-                            <a:rPr lang="en-US" b="0" i="1" smtClean="0">
-                              <a:latin typeface="Cambria Math"/>
-                            </a:rPr>
-                            <m:t>𝐾𝐸</m:t>
-                          </m:r>
-                        </m:e>
-                        <m:sub>
-                          <m:r>
-                            <a:rPr lang="en-US" i="1">
-                              <a:latin typeface="Cambria Math"/>
-                            </a:rPr>
-                            <m:t>𝑡𝑜𝑡𝑎𝑙</m:t>
-                          </m:r>
-                        </m:sub>
-                      </m:sSub>
-                      <m:r>
-                        <a:rPr lang="en-US" i="1">
-                          <a:latin typeface="Cambria Math"/>
-                        </a:rPr>
-                        <m:t>=</m:t>
-                      </m:r>
-                      <m:r>
-                        <m:rPr>
-                          <m:sty m:val="p"/>
-                        </m:rPr>
-                        <a:rPr lang="el-GR" i="1">
-                          <a:latin typeface="Cambria Math" panose="02040503050406030204" pitchFamily="18" charset="0"/>
-                          <a:ea typeface="Cambria Math" panose="02040503050406030204" pitchFamily="18" charset="0"/>
-                        </a:rPr>
-                        <m:t>Δ</m:t>
-                      </m:r>
-                      <m:sSub>
-                        <m:sSubPr>
-                          <m:ctrlPr>
-                            <a:rPr lang="en-US" i="1">
-                              <a:latin typeface="Cambria Math" panose="02040503050406030204" pitchFamily="18" charset="0"/>
-                            </a:rPr>
-                          </m:ctrlPr>
-                        </m:sSubPr>
-                        <m:e>
-                          <m:r>
-                            <a:rPr lang="en-US" i="1">
-                              <a:latin typeface="Cambria Math"/>
-                            </a:rPr>
-                            <m:t>𝐾𝐸</m:t>
-                          </m:r>
-                        </m:e>
-                        <m:sub>
-                          <m:r>
-                            <a:rPr lang="en-US" b="0" i="1" smtClean="0">
-                              <a:latin typeface="Cambria Math" panose="02040503050406030204" pitchFamily="18" charset="0"/>
-                            </a:rPr>
-                            <m:t>1</m:t>
-                          </m:r>
-                        </m:sub>
-                      </m:sSub>
-                      <m:r>
-                        <a:rPr lang="en-US" i="1">
-                          <a:latin typeface="Cambria Math" panose="02040503050406030204" pitchFamily="18" charset="0"/>
-                        </a:rPr>
-                        <m:t>+</m:t>
-                      </m:r>
-                      <m:r>
-                        <m:rPr>
-                          <m:sty m:val="p"/>
-                        </m:rPr>
-                        <a:rPr lang="el-GR" i="1">
-                          <a:latin typeface="Cambria Math" panose="02040503050406030204" pitchFamily="18" charset="0"/>
-                          <a:ea typeface="Cambria Math" panose="02040503050406030204" pitchFamily="18" charset="0"/>
-                        </a:rPr>
-                        <m:t>Δ</m:t>
-                      </m:r>
-                      <m:sSub>
-                        <m:sSubPr>
-                          <m:ctrlPr>
-                            <a:rPr lang="en-US" i="1">
-                              <a:latin typeface="Cambria Math" panose="02040503050406030204" pitchFamily="18" charset="0"/>
-                            </a:rPr>
-                          </m:ctrlPr>
-                        </m:sSubPr>
-                        <m:e>
-                          <m:r>
-                            <a:rPr lang="en-US" i="1">
-                              <a:latin typeface="Cambria Math"/>
-                            </a:rPr>
-                            <m:t>𝐾𝐸</m:t>
-                          </m:r>
-                        </m:e>
-                        <m:sub>
-                          <m:r>
-                            <a:rPr lang="en-US" b="0" i="1" smtClean="0">
-                              <a:latin typeface="Cambria Math" panose="02040503050406030204" pitchFamily="18" charset="0"/>
-                            </a:rPr>
-                            <m:t>2</m:t>
-                          </m:r>
-                        </m:sub>
-                      </m:sSub>
-                      <m:r>
-                        <a:rPr lang="en-US" i="1">
-                          <a:latin typeface="Cambria Math" panose="02040503050406030204" pitchFamily="18" charset="0"/>
-                        </a:rPr>
-                        <m:t>+…</m:t>
-                      </m:r>
-                    </m:oMath>
-                  </m:oMathPara>
-                </a14:m>
-                <a:endParaRPr lang="en-US" dirty="0"/>
-              </a:p>
-              <a:p>
-                <a:pPr marL="0" indent="0">
-                  <a:buNone/>
-                </a:pPr>
-                <a:endParaRPr lang="en-US" dirty="0"/>
-              </a:p>
-              <a:p>
-                <a:pPr marL="0" indent="0">
-                  <a:buNone/>
-                </a:pPr>
-                <a14:m>
-                  <m:oMathPara xmlns:m="http://schemas.openxmlformats.org/officeDocument/2006/math">
-                    <m:oMathParaPr>
-                      <m:jc m:val="centerGroup"/>
-                    </m:oMathParaPr>
-                    <m:oMath xmlns:m="http://schemas.openxmlformats.org/officeDocument/2006/math">
-                      <m:r>
-                        <m:rPr>
-                          <m:sty m:val="p"/>
-                        </m:rPr>
-                        <a:rPr lang="el-GR" i="1">
-                          <a:latin typeface="Cambria Math" panose="02040503050406030204" pitchFamily="18" charset="0"/>
-                          <a:ea typeface="Cambria Math" panose="02040503050406030204" pitchFamily="18" charset="0"/>
-                        </a:rPr>
-                        <m:t>Δ</m:t>
-                      </m:r>
-                      <m:sSub>
-                        <m:sSubPr>
-                          <m:ctrlPr>
-                            <a:rPr lang="en-US" i="1">
-                              <a:latin typeface="Cambria Math" panose="02040503050406030204" pitchFamily="18" charset="0"/>
-                            </a:rPr>
-                          </m:ctrlPr>
-                        </m:sSubPr>
-                        <m:e>
-                          <m:r>
-                            <a:rPr lang="en-US" b="0" i="1" smtClean="0">
-                              <a:latin typeface="Cambria Math" panose="02040503050406030204" pitchFamily="18" charset="0"/>
-                            </a:rPr>
-                            <m:t>𝑃</m:t>
-                          </m:r>
-                          <m:r>
-                            <a:rPr lang="en-US" i="1">
-                              <a:latin typeface="Cambria Math"/>
-                            </a:rPr>
-                            <m:t>𝐸</m:t>
-                          </m:r>
-                        </m:e>
-                        <m:sub>
-                          <m:r>
-                            <a:rPr lang="en-US" i="1">
-                              <a:latin typeface="Cambria Math"/>
-                            </a:rPr>
-                            <m:t>𝑡𝑜𝑡𝑎𝑙</m:t>
-                          </m:r>
-                        </m:sub>
-                      </m:sSub>
-                      <m:r>
-                        <a:rPr lang="en-US" i="1">
-                          <a:latin typeface="Cambria Math"/>
-                        </a:rPr>
-                        <m:t>=</m:t>
-                      </m:r>
-                      <m:r>
-                        <m:rPr>
-                          <m:sty m:val="p"/>
-                        </m:rPr>
-                        <a:rPr lang="el-GR" i="1">
-                          <a:latin typeface="Cambria Math" panose="02040503050406030204" pitchFamily="18" charset="0"/>
-                          <a:ea typeface="Cambria Math" panose="02040503050406030204" pitchFamily="18" charset="0"/>
-                        </a:rPr>
-                        <m:t>Δ</m:t>
-                      </m:r>
-                      <m:sSub>
-                        <m:sSubPr>
-                          <m:ctrlPr>
-                            <a:rPr lang="en-US" i="1">
-                              <a:latin typeface="Cambria Math" panose="02040503050406030204" pitchFamily="18" charset="0"/>
-                            </a:rPr>
-                          </m:ctrlPr>
-                        </m:sSubPr>
-                        <m:e>
-                          <m:r>
-                            <a:rPr lang="en-US" b="0" i="1" smtClean="0">
-                              <a:latin typeface="Cambria Math" panose="02040503050406030204" pitchFamily="18" charset="0"/>
-                            </a:rPr>
-                            <m:t>𝑃</m:t>
-                          </m:r>
-                          <m:r>
-                            <a:rPr lang="en-US" i="1">
-                              <a:latin typeface="Cambria Math"/>
-                            </a:rPr>
-                            <m:t>𝐸</m:t>
-                          </m:r>
-                        </m:e>
-                        <m:sub>
-                          <m:r>
-                            <a:rPr lang="en-US" i="1">
-                              <a:latin typeface="Cambria Math" panose="02040503050406030204" pitchFamily="18" charset="0"/>
-                            </a:rPr>
-                            <m:t>1</m:t>
-                          </m:r>
-                        </m:sub>
-                      </m:sSub>
-                      <m:r>
-                        <a:rPr lang="en-US" i="1">
-                          <a:latin typeface="Cambria Math" panose="02040503050406030204" pitchFamily="18" charset="0"/>
-                        </a:rPr>
-                        <m:t>+</m:t>
-                      </m:r>
-                      <m:r>
-                        <m:rPr>
-                          <m:sty m:val="p"/>
-                        </m:rPr>
-                        <a:rPr lang="el-GR" i="1">
-                          <a:latin typeface="Cambria Math" panose="02040503050406030204" pitchFamily="18" charset="0"/>
-                          <a:ea typeface="Cambria Math" panose="02040503050406030204" pitchFamily="18" charset="0"/>
-                        </a:rPr>
-                        <m:t>Δ</m:t>
-                      </m:r>
-                      <m:sSub>
-                        <m:sSubPr>
-                          <m:ctrlPr>
-                            <a:rPr lang="en-US" i="1">
-                              <a:latin typeface="Cambria Math" panose="02040503050406030204" pitchFamily="18" charset="0"/>
-                            </a:rPr>
-                          </m:ctrlPr>
-                        </m:sSubPr>
-                        <m:e>
-                          <m:r>
-                            <a:rPr lang="en-US" b="0" i="1" smtClean="0">
-                              <a:latin typeface="Cambria Math" panose="02040503050406030204" pitchFamily="18" charset="0"/>
-                            </a:rPr>
-                            <m:t>𝑃</m:t>
-                          </m:r>
-                          <m:r>
-                            <a:rPr lang="en-US" i="1">
-                              <a:latin typeface="Cambria Math"/>
-                            </a:rPr>
-                            <m:t>𝐸</m:t>
-                          </m:r>
-                        </m:e>
-                        <m:sub>
-                          <m:r>
-                            <a:rPr lang="en-US" b="0" i="1" smtClean="0">
-                              <a:latin typeface="Cambria Math" panose="02040503050406030204" pitchFamily="18" charset="0"/>
-                            </a:rPr>
-                            <m:t>2</m:t>
-                          </m:r>
-                        </m:sub>
-                      </m:sSub>
-                      <m:r>
-                        <a:rPr lang="en-US" i="1">
-                          <a:latin typeface="Cambria Math" panose="02040503050406030204" pitchFamily="18" charset="0"/>
-                        </a:rPr>
-                        <m:t>+…</m:t>
-                      </m:r>
-                    </m:oMath>
-                  </m:oMathPara>
-                </a14:m>
-                <a:endParaRPr lang="en-US" dirty="0"/>
-              </a:p>
-              <a:p>
-                <a:pPr marL="0" indent="0">
-                  <a:buNone/>
-                </a:pPr>
-                <a:endParaRPr lang="en-US" dirty="0"/>
-              </a:p>
-              <a:p>
-                <a:pPr marL="0" indent="0">
-                  <a:buNone/>
-                </a:pPr>
-                <a:endParaRPr lang="en-US" dirty="0"/>
-              </a:p>
-            </p:txBody>
-          </p:sp>
-        </mc:Choice>
-        <mc:Fallback xmlns="">
-          <p:sp>
-            <p:nvSpPr>
-              <p:cNvPr id="3" name="Content Placeholder 2"/>
-              <p:cNvSpPr>
-                <a:spLocks noGrp="1" noRot="1" noChangeAspect="1" noMove="1" noResize="1" noEditPoints="1" noAdjustHandles="1" noChangeArrowheads="1" noChangeShapeType="1" noTextEdit="1"/>
-              </p:cNvSpPr>
-              <p:nvPr>
-                <p:ph idx="1"/>
-              </p:nvPr>
-            </p:nvSpPr>
-            <p:spPr>
-              <a:blipFill>
-                <a:blip r:embed="rId2"/>
-                <a:stretch>
-                  <a:fillRect l="-1037" t="-2561" r="-1037"/>
-                </a:stretch>
-              </a:blipFill>
-            </p:spPr>
-            <p:txBody>
-              <a:bodyPr/>
-              <a:lstStyle/>
-              <a:p>
-                <a:r>
-                  <a:rPr lang="en-US">
-                    <a:noFill/>
-                  </a:rPr>
-                  <a:t> </a:t>
-                </a:r>
-              </a:p>
-            </p:txBody>
-          </p:sp>
-        </mc:Fallback>
-      </mc:AlternateContent>
-      <p:sp>
-        <p:nvSpPr>
-          <p:cNvPr id="4" name="Slide Number Placeholder 3"/>
+              <a:t>Since energy cannot be destroyed, the “lost” energy doesn’t really go away, it is just converted to a non-useful form, such as </a:t>
+            </a:r>
+            <a:r>
+              <a:rPr lang="en-US" b="1" dirty="0"/>
+              <a:t>heat</a:t>
+            </a:r>
+            <a:r>
+              <a:rPr lang="en-US" dirty="0"/>
+              <a:t>.</a:t>
+            </a:r>
+          </a:p>
+          <a:p>
+            <a:r>
+              <a:rPr lang="en-US" dirty="0"/>
+              <a:t>In some systems, this built-up heat can further decrease the efficiency, compounding the problem.</a:t>
+            </a:r>
+          </a:p>
+        </p:txBody>
+      </p:sp>
+      <p:sp>
+        <p:nvSpPr>
+          <p:cNvPr id="4" name="Slide Number Placeholder 3">
+            <a:extLst>
+              <a:ext uri="{FF2B5EF4-FFF2-40B4-BE49-F238E27FC236}">
+                <a16:creationId xmlns:a16="http://schemas.microsoft.com/office/drawing/2014/main" id="{37B107B9-0061-421A-9F3E-0CD6588223E9}"/>
+              </a:ext>
+            </a:extLst>
+          </p:cNvPr>
           <p:cNvSpPr>
             <a:spLocks noGrp="1"/>
           </p:cNvSpPr>
@@ -5365,16 +5890,63 @@
           <a:p>
             <a:fld id="{929262FE-7F58-4A1E-8AF3-5A510A86DEBD}" type="slidenum">
               <a:rPr lang="en-US" smtClean="0"/>
-              <a:t>3</a:t>
+              <a:t>5</a:t>
             </a:fld>
-            <a:endParaRPr lang="en-US"/>
-          </a:p>
-        </p:txBody>
-      </p:sp>
+            <a:endParaRPr lang="en-US" dirty="0"/>
+          </a:p>
+        </p:txBody>
+      </p:sp>
+      <p:pic>
+        <p:nvPicPr>
+          <p:cNvPr id="2050" name="Picture 2" descr="Smoke 32 Free Stock Photo - Public Domain Pictures">
+            <a:extLst>
+              <a:ext uri="{FF2B5EF4-FFF2-40B4-BE49-F238E27FC236}">
+                <a16:creationId xmlns:a16="http://schemas.microsoft.com/office/drawing/2014/main" id="{D04BBD95-82B4-4940-9A0F-BE647886C29C}"/>
+              </a:ext>
+            </a:extLst>
+          </p:cNvPr>
+          <p:cNvPicPr>
+            <a:picLocks noChangeAspect="1" noChangeArrowheads="1"/>
+          </p:cNvPicPr>
+          <p:nvPr/>
+        </p:nvPicPr>
+        <p:blipFill>
+          <a:blip r:embed="rId2">
+            <a:extLst>
+              <a:ext uri="{28A0092B-C50C-407E-A947-70E740481C1C}">
+                <a14:useLocalDpi xmlns:a14="http://schemas.microsoft.com/office/drawing/2010/main" val="0"/>
+              </a:ext>
+            </a:extLst>
+          </a:blip>
+          <a:srcRect/>
+          <a:stretch>
+            <a:fillRect/>
+          </a:stretch>
+        </p:blipFill>
+        <p:spPr bwMode="auto">
+          <a:xfrm>
+            <a:off x="5562600" y="2660651"/>
+            <a:ext cx="3314700" cy="2209800"/>
+          </a:xfrm>
+          <a:prstGeom prst="rect">
+            <a:avLst/>
+          </a:prstGeom>
+          <a:noFill/>
+          <a:extLst>
+            <a:ext uri="{909E8E84-426E-40DD-AFC4-6F175D3DCCD1}">
+              <a14:hiddenFill xmlns:a14="http://schemas.microsoft.com/office/drawing/2010/main">
+                <a:solidFill>
+                  <a:srgbClr val="FFFFFF"/>
+                </a:solidFill>
+              </a14:hiddenFill>
+            </a:ext>
+          </a:extLst>
+        </p:spPr>
+      </p:pic>
     </p:spTree>
     <p:extLst>
       <p:ext uri="{BB962C8B-B14F-4D97-AF65-F5344CB8AC3E}">
-        <p14:creationId xmlns:p14="http://schemas.microsoft.com/office/powerpoint/2010/main" val="3356540134"/>
+        <p14:creationId xmlns:p14="http://schemas.microsoft.com/office/powerpoint/2010/main" val="4135866118"/>
       </p:ext>
     </p:extLst>
   </p:cSld>
@@ -5451,7 +6023,7 @@
                             </p:stCondLst>
                             <p:childTnLst>
                               <p:par>
-                                <p:cTn id="9" presetID="1" presetClass="entr" presetSubtype="0" fill="hold" grpId="0" nodeType="clickEffect">
+                                <p:cTn id="9" presetID="10" presetClass="entr" presetSubtype="0" fill="hold" nodeType="clickEffect">
                                   <p:stCondLst>
                                     <p:cond delay="0"/>
                                   </p:stCondLst>
@@ -5464,11 +6036,7 @@
                                           </p:stCondLst>
                                         </p:cTn>
                                         <p:tgtEl>
-                                          <p:spTgt spid="3">
-                                            <p:txEl>
-                                              <p:pRg st="2" end="2"/>
-                                            </p:txEl>
-                                          </p:spTgt>
+                                          <p:spTgt spid="2050"/>
                                         </p:tgtEl>
                                         <p:attrNameLst>
                                           <p:attrName>style.visibility</p:attrName>
@@ -5478,6 +6046,14 @@
                                         <p:strVal val="visible"/>
                                       </p:to>
                                     </p:set>
+                                    <p:animEffect transition="in" filter="fade">
+                                      <p:cBhvr>
+                                        <p:cTn id="11" dur="500"/>
+                                        <p:tgtEl>
+                                          <p:spTgt spid="2050"/>
+                                        </p:tgtEl>
+                                      </p:cBhvr>
+                                    </p:animEffect>
                                   </p:childTnLst>
                                 </p:cTn>
                               </p:par>
@@ -5488,365 +6064,26 @@
                     </p:cTn>
                   </p:par>
                   <p:par>
-                    <p:cTn id="11" fill="hold">
+                    <p:cTn id="12" fill="hold">
                       <p:stCondLst>
                         <p:cond delay="indefinite"/>
                       </p:stCondLst>
                       <p:childTnLst>
                         <p:par>
-                          <p:cTn id="12" fill="hold">
+                          <p:cTn id="13" fill="hold">
                             <p:stCondLst>
                               <p:cond delay="0"/>
                             </p:stCondLst>
                             <p:childTnLst>
                               <p:par>
-                                <p:cTn id="13" presetID="1" presetClass="entr" presetSubtype="0" fill="hold" grpId="0" nodeType="clickEffect">
+                                <p:cTn id="14" presetID="1" presetClass="entr" presetSubtype="0" fill="hold" grpId="0" nodeType="clickEffect">
                                   <p:stCondLst>
                                     <p:cond delay="0"/>
                                   </p:stCondLst>
                                   <p:childTnLst>
                                     <p:set>
                                       <p:cBhvr>
-                                        <p:cTn id="14" dur="1" fill="hold">
-                                          <p:stCondLst>
-                                            <p:cond delay="0"/>
-                                          </p:stCondLst>
-                                        </p:cTn>
-                                        <p:tgtEl>
-                                          <p:spTgt spid="3">
-                                            <p:txEl>
-                                              <p:pRg st="4" end="4"/>
-                                            </p:txEl>
-                                          </p:spTgt>
-                                        </p:tgtEl>
-                                        <p:attrNameLst>
-                                          <p:attrName>style.visibility</p:attrName>
-                                        </p:attrNameLst>
-                                      </p:cBhvr>
-                                      <p:to>
-                                        <p:strVal val="visible"/>
-                                      </p:to>
-                                    </p:set>
-                                  </p:childTnLst>
-                                </p:cTn>
-                              </p:par>
-                            </p:childTnLst>
-                          </p:cTn>
-                        </p:par>
-                      </p:childTnLst>
-                    </p:cTn>
-                  </p:par>
-                  <p:par>
-                    <p:cTn id="15" fill="hold">
-                      <p:stCondLst>
-                        <p:cond delay="indefinite"/>
-                      </p:stCondLst>
-                      <p:childTnLst>
-                        <p:par>
-                          <p:cTn id="16" fill="hold">
-                            <p:stCondLst>
-                              <p:cond delay="0"/>
-                            </p:stCondLst>
-                            <p:childTnLst>
-                              <p:par>
-                                <p:cTn id="17" presetID="1" presetClass="entr" presetSubtype="0" fill="hold" grpId="0" nodeType="clickEffect">
-                                  <p:stCondLst>
-                                    <p:cond delay="0"/>
-                                  </p:stCondLst>
-                                  <p:childTnLst>
-                                    <p:set>
-                                      <p:cBhvr>
-                                        <p:cTn id="18" dur="1" fill="hold">
-                                          <p:stCondLst>
-                                            <p:cond delay="0"/>
-                                          </p:stCondLst>
-                                        </p:cTn>
-                                        <p:tgtEl>
-                                          <p:spTgt spid="3">
-                                            <p:txEl>
-                                              <p:pRg st="6" end="6"/>
-                                            </p:txEl>
-                                          </p:spTgt>
-                                        </p:tgtEl>
-                                        <p:attrNameLst>
-                                          <p:attrName>style.visibility</p:attrName>
-                                        </p:attrNameLst>
-                                      </p:cBhvr>
-                                      <p:to>
-                                        <p:strVal val="visible"/>
-                                      </p:to>
-                                    </p:set>
-                                  </p:childTnLst>
-                                </p:cTn>
-                              </p:par>
-                            </p:childTnLst>
-                          </p:cTn>
-                        </p:par>
-                      </p:childTnLst>
-                    </p:cTn>
-                  </p:par>
-                  <p:par>
-                    <p:cTn id="19" fill="hold">
-                      <p:stCondLst>
-                        <p:cond delay="indefinite"/>
-                      </p:stCondLst>
-                      <p:childTnLst>
-                        <p:par>
-                          <p:cTn id="20" fill="hold">
-                            <p:stCondLst>
-                              <p:cond delay="0"/>
-                            </p:stCondLst>
-                            <p:childTnLst>
-                              <p:par>
-                                <p:cTn id="21" presetID="1" presetClass="entr" presetSubtype="0" fill="hold" grpId="0" nodeType="clickEffect">
-                                  <p:stCondLst>
-                                    <p:cond delay="0"/>
-                                  </p:stCondLst>
-                                  <p:childTnLst>
-                                    <p:set>
-                                      <p:cBhvr>
-                                        <p:cTn id="22" dur="1" fill="hold">
-                                          <p:stCondLst>
-                                            <p:cond delay="0"/>
-                                          </p:stCondLst>
-                                        </p:cTn>
-                                        <p:tgtEl>
-                                          <p:spTgt spid="3">
-                                            <p:txEl>
-                                              <p:pRg st="8" end="8"/>
-                                            </p:txEl>
-                                          </p:spTgt>
-                                        </p:tgtEl>
-                                        <p:attrNameLst>
-                                          <p:attrName>style.visibility</p:attrName>
-                                        </p:attrNameLst>
-                                      </p:cBhvr>
-                                      <p:to>
-                                        <p:strVal val="visible"/>
-                                      </p:to>
-                                    </p:set>
-                                  </p:childTnLst>
-                                </p:cTn>
-                              </p:par>
-                            </p:childTnLst>
-                          </p:cTn>
-                        </p:par>
-                      </p:childTnLst>
-                    </p:cTn>
-                  </p:par>
-                </p:childTnLst>
-              </p:cTn>
-              <p:prevCondLst>
-                <p:cond evt="onPrev" delay="0">
-                  <p:tgtEl>
-                    <p:sldTgt/>
-                  </p:tgtEl>
-                </p:cond>
-              </p:prevCondLst>
-              <p:nextCondLst>
-                <p:cond evt="onNext" delay="0">
-                  <p:tgtEl>
-                    <p:sldTgt/>
-                  </p:tgtEl>
-                </p:cond>
-              </p:nextCondLst>
-            </p:seq>
-          </p:childTnLst>
-        </p:cTn>
-      </p:par>
-    </p:tnLst>
-    <p:bldLst>
-      <p:bldP spid="3" grpId="0" build="p"/>
-    </p:bldLst>
-  </p:timing>
-</p:sld>
-</file>
-
-<file path=ppt/slides/slide4.xml><?xml version="1.0" encoding="utf-8"?>
-<p:sld xmlns:a="http://schemas.openxmlformats.org/drawingml/2006/main" xmlns:r="http://schemas.openxmlformats.org/officeDocument/2006/relationships" xmlns:p="http://schemas.openxmlformats.org/presentationml/2006/main">
-  <p:cSld>
-    <p:spTree>
-      <p:nvGrpSpPr>
-        <p:cNvPr id="1" name=""/>
-        <p:cNvGrpSpPr/>
-        <p:nvPr/>
-      </p:nvGrpSpPr>
-      <p:grpSpPr>
-        <a:xfrm>
-          <a:off x="0" y="0"/>
-          <a:ext cx="0" cy="0"/>
-          <a:chOff x="0" y="0"/>
-          <a:chExt cx="0" cy="0"/>
-        </a:xfrm>
-      </p:grpSpPr>
-      <p:sp>
-        <p:nvSpPr>
-          <p:cNvPr id="2" name="Title 1">
-            <a:extLst>
-              <a:ext uri="{FF2B5EF4-FFF2-40B4-BE49-F238E27FC236}">
-                <a16:creationId xmlns:a16="http://schemas.microsoft.com/office/drawing/2014/main" id="{0DC8CFF1-7082-4B59-9FA5-54D2B6E0143B}"/>
-              </a:ext>
-            </a:extLst>
-          </p:cNvPr>
-          <p:cNvSpPr>
-            <a:spLocks noGrp="1"/>
-          </p:cNvSpPr>
-          <p:nvPr>
-            <p:ph type="title"/>
-          </p:nvPr>
-        </p:nvSpPr>
-        <p:spPr/>
-        <p:txBody>
-          <a:bodyPr/>
-          <a:lstStyle/>
-          <a:p>
-            <a:r>
-              <a:rPr lang="en-US" dirty="0"/>
-              <a:t>Internal vs. External Forces</a:t>
-            </a:r>
-          </a:p>
-        </p:txBody>
-      </p:sp>
-      <p:sp>
-        <p:nvSpPr>
-          <p:cNvPr id="3" name="Content Placeholder 2">
-            <a:extLst>
-              <a:ext uri="{FF2B5EF4-FFF2-40B4-BE49-F238E27FC236}">
-                <a16:creationId xmlns:a16="http://schemas.microsoft.com/office/drawing/2014/main" id="{578CA587-E740-47BD-AEB5-EA370397D666}"/>
-              </a:ext>
-            </a:extLst>
-          </p:cNvPr>
-          <p:cNvSpPr>
-            <a:spLocks noGrp="1"/>
-          </p:cNvSpPr>
-          <p:nvPr>
-            <p:ph idx="1"/>
-          </p:nvPr>
-        </p:nvSpPr>
-        <p:spPr/>
-        <p:txBody>
-          <a:bodyPr>
-            <a:normAutofit fontScale="92500"/>
-          </a:bodyPr>
-          <a:lstStyle/>
-          <a:p>
-            <a:r>
-              <a:rPr lang="en-US" dirty="0"/>
-              <a:t>Analyzing a system of particles (rather than analyzing each particle separately) can become advantageous, because we can </a:t>
-            </a:r>
-            <a:r>
-              <a:rPr lang="en-US" b="1" dirty="0"/>
-              <a:t>ignore the work done by internal forces</a:t>
-            </a:r>
-            <a:r>
-              <a:rPr lang="en-US" dirty="0"/>
-              <a:t> in our system</a:t>
-            </a:r>
-          </a:p>
-          <a:p>
-            <a:r>
-              <a:rPr lang="en-US" dirty="0"/>
-              <a:t>The reason we can ignore the work done by internal forces is because </a:t>
-            </a:r>
-            <a:r>
-              <a:rPr lang="en-US" b="1" dirty="0"/>
-              <a:t>these work terms will always cancel each other out</a:t>
-            </a:r>
-            <a:r>
-              <a:rPr lang="en-US" dirty="0"/>
-              <a:t>, because Newton’s Third Law ensures they will always be equal and opposite.</a:t>
-            </a:r>
-          </a:p>
-        </p:txBody>
-      </p:sp>
-    </p:spTree>
-    <p:extLst>
-      <p:ext uri="{BB962C8B-B14F-4D97-AF65-F5344CB8AC3E}">
-        <p14:creationId xmlns:p14="http://schemas.microsoft.com/office/powerpoint/2010/main" val="202986514"/>
-      </p:ext>
-    </p:extLst>
-  </p:cSld>
-  <p:clrMapOvr>
-    <a:masterClrMapping/>
-  </p:clrMapOvr>
-  <p:timing>
-    <p:tnLst>
-      <p:par>
-        <p:cTn id="1" dur="indefinite" restart="never" nodeType="tmRoot">
-          <p:childTnLst>
-            <p:seq concurrent="1" nextAc="seek">
-              <p:cTn id="2" dur="indefinite" nodeType="mainSeq">
-                <p:childTnLst>
-                  <p:par>
-                    <p:cTn id="3" fill="hold">
-                      <p:stCondLst>
-                        <p:cond delay="indefinite"/>
-                      </p:stCondLst>
-                      <p:childTnLst>
-                        <p:par>
-                          <p:cTn id="4" fill="hold">
-                            <p:stCondLst>
-                              <p:cond delay="0"/>
-                            </p:stCondLst>
-                            <p:childTnLst>
-                              <p:par>
-                                <p:cTn id="5" presetID="1" presetClass="entr" presetSubtype="0" fill="hold" grpId="0" nodeType="clickEffect">
-                                  <p:stCondLst>
-                                    <p:cond delay="0"/>
-                                  </p:stCondLst>
-                                  <p:childTnLst>
-                                    <p:set>
-                                      <p:cBhvr>
-                                        <p:cTn id="6" dur="1" fill="hold">
-                                          <p:stCondLst>
-                                            <p:cond delay="0"/>
-                                          </p:stCondLst>
-                                        </p:cTn>
-                                        <p:tgtEl>
-                                          <p:spTgt spid="3">
-                                            <p:txEl>
-                                              <p:pRg st="0" end="0"/>
-                                            </p:txEl>
-                                          </p:spTgt>
-                                        </p:tgtEl>
-                                        <p:attrNameLst>
-                                          <p:attrName>style.visibility</p:attrName>
-                                        </p:attrNameLst>
-                                      </p:cBhvr>
-                                      <p:to>
-                                        <p:strVal val="visible"/>
-                                      </p:to>
-                                    </p:set>
-                                  </p:childTnLst>
-                                </p:cTn>
-                              </p:par>
-                            </p:childTnLst>
-                          </p:cTn>
-                        </p:par>
-                      </p:childTnLst>
-                    </p:cTn>
-                  </p:par>
-                  <p:par>
-                    <p:cTn id="7" fill="hold">
-                      <p:stCondLst>
-                        <p:cond delay="indefinite"/>
-                      </p:stCondLst>
-                      <p:childTnLst>
-                        <p:par>
-                          <p:cTn id="8" fill="hold">
-                            <p:stCondLst>
-                              <p:cond delay="0"/>
-                            </p:stCondLst>
-                            <p:childTnLst>
-                              <p:par>
-                                <p:cTn id="9" presetID="1" presetClass="entr" presetSubtype="0" fill="hold" grpId="0" nodeType="clickEffect">
-                                  <p:stCondLst>
-                                    <p:cond delay="0"/>
-                                  </p:stCondLst>
-                                  <p:childTnLst>
-                                    <p:set>
-                                      <p:cBhvr>
-                                        <p:cTn id="10" dur="1" fill="hold">
+                                        <p:cTn id="15" dur="1" fill="hold">
                                           <p:stCondLst>
                                             <p:cond delay="0"/>
                                           </p:stCondLst>
@@ -5897,1708 +6134,7 @@
       </p:par>
     </p:tnLst>
     <p:bldLst>
-      <p:bldP spid="3" grpId="0" build="p"/>
-    </p:bldLst>
-  </p:timing>
-</p:sld>
-</file>
-
-<file path=ppt/slides/slide5.xml><?xml version="1.0" encoding="utf-8"?>
-<p:sld xmlns:a="http://schemas.openxmlformats.org/drawingml/2006/main" xmlns:r="http://schemas.openxmlformats.org/officeDocument/2006/relationships" xmlns:p="http://schemas.openxmlformats.org/presentationml/2006/main">
-  <p:cSld>
-    <p:spTree>
-      <p:nvGrpSpPr>
-        <p:cNvPr id="1" name=""/>
-        <p:cNvGrpSpPr/>
-        <p:nvPr/>
-      </p:nvGrpSpPr>
-      <p:grpSpPr>
-        <a:xfrm>
-          <a:off x="0" y="0"/>
-          <a:ext cx="0" cy="0"/>
-          <a:chOff x="0" y="0"/>
-          <a:chExt cx="0" cy="0"/>
-        </a:xfrm>
-      </p:grpSpPr>
-      <p:sp>
-        <p:nvSpPr>
-          <p:cNvPr id="2" name="Title 1">
-            <a:extLst>
-              <a:ext uri="{FF2B5EF4-FFF2-40B4-BE49-F238E27FC236}">
-                <a16:creationId xmlns:a16="http://schemas.microsoft.com/office/drawing/2014/main" id="{DD90B342-593A-47A2-A207-E7C59D24C593}"/>
-              </a:ext>
-            </a:extLst>
-          </p:cNvPr>
-          <p:cNvSpPr>
-            <a:spLocks noGrp="1"/>
-          </p:cNvSpPr>
-          <p:nvPr>
-            <p:ph type="title"/>
-          </p:nvPr>
-        </p:nvSpPr>
-        <p:spPr/>
-        <p:txBody>
-          <a:bodyPr/>
-          <a:lstStyle/>
-          <a:p>
-            <a:r>
-              <a:rPr lang="en-US" dirty="0"/>
-              <a:t>Internal vs. External Forces</a:t>
-            </a:r>
-          </a:p>
-        </p:txBody>
-      </p:sp>
-      <p:sp>
-        <p:nvSpPr>
-          <p:cNvPr id="3" name="Content Placeholder 2">
-            <a:extLst>
-              <a:ext uri="{FF2B5EF4-FFF2-40B4-BE49-F238E27FC236}">
-                <a16:creationId xmlns:a16="http://schemas.microsoft.com/office/drawing/2014/main" id="{AF29360F-3262-4E5C-B124-86090AAAB9D5}"/>
-              </a:ext>
-            </a:extLst>
-          </p:cNvPr>
-          <p:cNvSpPr>
-            <a:spLocks noGrp="1"/>
-          </p:cNvSpPr>
-          <p:nvPr>
-            <p:ph idx="1"/>
-          </p:nvPr>
-        </p:nvSpPr>
-        <p:spPr>
-          <a:xfrm>
-            <a:off x="457199" y="1600201"/>
-            <a:ext cx="8305791" cy="1651586"/>
-          </a:xfrm>
-        </p:spPr>
-        <p:txBody>
-          <a:bodyPr>
-            <a:normAutofit fontScale="85000" lnSpcReduction="20000"/>
-          </a:bodyPr>
-          <a:lstStyle/>
-          <a:p>
-            <a:r>
-              <a:rPr lang="en-US" dirty="0"/>
-              <a:t>An internal force is any force exerted between two bodies within the system.</a:t>
-            </a:r>
-          </a:p>
-          <a:p>
-            <a:r>
-              <a:rPr lang="en-US" dirty="0"/>
-              <a:t>An external force is any force exerted by something outside the system on one of the bodies on the system.</a:t>
-            </a:r>
-          </a:p>
-        </p:txBody>
-      </p:sp>
-      <p:sp>
-        <p:nvSpPr>
-          <p:cNvPr id="5" name="Rectangle 4">
-            <a:extLst>
-              <a:ext uri="{FF2B5EF4-FFF2-40B4-BE49-F238E27FC236}">
-                <a16:creationId xmlns:a16="http://schemas.microsoft.com/office/drawing/2014/main" id="{BC8100C4-DB6A-48FC-B98D-C54ACD48ED0D}"/>
-              </a:ext>
-            </a:extLst>
-          </p:cNvPr>
-          <p:cNvSpPr/>
-          <p:nvPr/>
-        </p:nvSpPr>
-        <p:spPr>
-          <a:xfrm>
-            <a:off x="457200" y="3352800"/>
-            <a:ext cx="1828800" cy="1219200"/>
-          </a:xfrm>
-          <a:prstGeom prst="rect">
-            <a:avLst/>
-          </a:prstGeom>
-        </p:spPr>
-        <p:style>
-          <a:lnRef idx="1">
-            <a:schemeClr val="dk1"/>
-          </a:lnRef>
-          <a:fillRef idx="2">
-            <a:schemeClr val="dk1"/>
-          </a:fillRef>
-          <a:effectRef idx="1">
-            <a:schemeClr val="dk1"/>
-          </a:effectRef>
-          <a:fontRef idx="minor">
-            <a:schemeClr val="dk1"/>
-          </a:fontRef>
-        </p:style>
-        <p:txBody>
-          <a:bodyPr rtlCol="0" anchor="ctr"/>
-          <a:lstStyle/>
-          <a:p>
-            <a:pPr algn="ctr"/>
-            <a:r>
-              <a:rPr lang="en-US" dirty="0"/>
-              <a:t>A</a:t>
-            </a:r>
-          </a:p>
-          <a:p>
-            <a:pPr algn="ctr"/>
-            <a:r>
-              <a:rPr lang="en-US" dirty="0"/>
-              <a:t>10 lbs</a:t>
-            </a:r>
-          </a:p>
-        </p:txBody>
-      </p:sp>
-      <p:sp>
-        <p:nvSpPr>
-          <p:cNvPr id="6" name="Rectangle 5">
-            <a:extLst>
-              <a:ext uri="{FF2B5EF4-FFF2-40B4-BE49-F238E27FC236}">
-                <a16:creationId xmlns:a16="http://schemas.microsoft.com/office/drawing/2014/main" id="{4A221A7B-E83A-4FAC-993E-520AFA1E8465}"/>
-              </a:ext>
-            </a:extLst>
-          </p:cNvPr>
-          <p:cNvSpPr/>
-          <p:nvPr/>
-        </p:nvSpPr>
-        <p:spPr>
-          <a:xfrm>
-            <a:off x="4343400" y="5334000"/>
-            <a:ext cx="914400" cy="1066800"/>
-          </a:xfrm>
-          <a:prstGeom prst="rect">
-            <a:avLst/>
-          </a:prstGeom>
-        </p:spPr>
-        <p:style>
-          <a:lnRef idx="1">
-            <a:schemeClr val="dk1"/>
-          </a:lnRef>
-          <a:fillRef idx="2">
-            <a:schemeClr val="dk1"/>
-          </a:fillRef>
-          <a:effectRef idx="1">
-            <a:schemeClr val="dk1"/>
-          </a:effectRef>
-          <a:fontRef idx="minor">
-            <a:schemeClr val="dk1"/>
-          </a:fontRef>
-        </p:style>
-        <p:txBody>
-          <a:bodyPr rtlCol="0" anchor="ctr"/>
-          <a:lstStyle/>
-          <a:p>
-            <a:pPr algn="ctr"/>
-            <a:r>
-              <a:rPr lang="en-US" dirty="0"/>
-              <a:t>B</a:t>
-            </a:r>
-          </a:p>
-          <a:p>
-            <a:pPr algn="ctr"/>
-            <a:r>
-              <a:rPr lang="en-US" dirty="0"/>
-              <a:t>5 lbs</a:t>
-            </a:r>
-          </a:p>
-        </p:txBody>
-      </p:sp>
-      <p:sp>
-        <p:nvSpPr>
-          <p:cNvPr id="7" name="Oval 6">
-            <a:extLst>
-              <a:ext uri="{FF2B5EF4-FFF2-40B4-BE49-F238E27FC236}">
-                <a16:creationId xmlns:a16="http://schemas.microsoft.com/office/drawing/2014/main" id="{4CD01DAB-4ECB-4EA8-A5B0-2A83EE5ED770}"/>
-              </a:ext>
-            </a:extLst>
-          </p:cNvPr>
-          <p:cNvSpPr/>
-          <p:nvPr/>
-        </p:nvSpPr>
-        <p:spPr>
-          <a:xfrm>
-            <a:off x="4191000" y="3962400"/>
-            <a:ext cx="609600" cy="609600"/>
-          </a:xfrm>
-          <a:prstGeom prst="ellipse">
-            <a:avLst/>
-          </a:prstGeom>
-        </p:spPr>
-        <p:style>
-          <a:lnRef idx="1">
-            <a:schemeClr val="dk1"/>
-          </a:lnRef>
-          <a:fillRef idx="2">
-            <a:schemeClr val="dk1"/>
-          </a:fillRef>
-          <a:effectRef idx="1">
-            <a:schemeClr val="dk1"/>
-          </a:effectRef>
-          <a:fontRef idx="minor">
-            <a:schemeClr val="dk1"/>
-          </a:fontRef>
-        </p:style>
-        <p:txBody>
-          <a:bodyPr rtlCol="0" anchor="ctr"/>
-          <a:lstStyle/>
-          <a:p>
-            <a:pPr algn="ctr"/>
-            <a:endParaRPr lang="en-US"/>
-          </a:p>
-        </p:txBody>
-      </p:sp>
-      <p:cxnSp>
-        <p:nvCxnSpPr>
-          <p:cNvPr id="8" name="Straight Connector 7">
-            <a:extLst>
-              <a:ext uri="{FF2B5EF4-FFF2-40B4-BE49-F238E27FC236}">
-                <a16:creationId xmlns:a16="http://schemas.microsoft.com/office/drawing/2014/main" id="{3F4013BF-2F1E-4CD9-86A6-A8B7011FFB67}"/>
-              </a:ext>
-            </a:extLst>
-          </p:cNvPr>
-          <p:cNvCxnSpPr>
-            <a:stCxn id="7" idx="0"/>
-            <a:endCxn id="5" idx="3"/>
-          </p:cNvCxnSpPr>
-          <p:nvPr/>
-        </p:nvCxnSpPr>
-        <p:spPr>
-          <a:xfrm flipH="1">
-            <a:off x="2286000" y="3962400"/>
-            <a:ext cx="2209800" cy="0"/>
-          </a:xfrm>
-          <a:prstGeom prst="line">
-            <a:avLst/>
-          </a:prstGeom>
-        </p:spPr>
-        <p:style>
-          <a:lnRef idx="2">
-            <a:schemeClr val="dk1"/>
-          </a:lnRef>
-          <a:fillRef idx="0">
-            <a:schemeClr val="dk1"/>
-          </a:fillRef>
-          <a:effectRef idx="1">
-            <a:schemeClr val="dk1"/>
-          </a:effectRef>
-          <a:fontRef idx="minor">
-            <a:schemeClr val="tx1"/>
-          </a:fontRef>
-        </p:style>
-      </p:cxnSp>
-      <p:cxnSp>
-        <p:nvCxnSpPr>
-          <p:cNvPr id="9" name="Straight Connector 8">
-            <a:extLst>
-              <a:ext uri="{FF2B5EF4-FFF2-40B4-BE49-F238E27FC236}">
-                <a16:creationId xmlns:a16="http://schemas.microsoft.com/office/drawing/2014/main" id="{7B68CCCE-D9B8-4CF4-99AA-0530DF41A50A}"/>
-              </a:ext>
-            </a:extLst>
-          </p:cNvPr>
-          <p:cNvCxnSpPr>
-            <a:stCxn id="7" idx="6"/>
-            <a:endCxn id="6" idx="0"/>
-          </p:cNvCxnSpPr>
-          <p:nvPr/>
-        </p:nvCxnSpPr>
-        <p:spPr>
-          <a:xfrm>
-            <a:off x="4800600" y="4267200"/>
-            <a:ext cx="0" cy="1066800"/>
-          </a:xfrm>
-          <a:prstGeom prst="line">
-            <a:avLst/>
-          </a:prstGeom>
-        </p:spPr>
-        <p:style>
-          <a:lnRef idx="2">
-            <a:schemeClr val="dk1"/>
-          </a:lnRef>
-          <a:fillRef idx="0">
-            <a:schemeClr val="dk1"/>
-          </a:fillRef>
-          <a:effectRef idx="1">
-            <a:schemeClr val="dk1"/>
-          </a:effectRef>
-          <a:fontRef idx="minor">
-            <a:schemeClr val="tx1"/>
-          </a:fontRef>
-        </p:style>
-      </p:cxnSp>
-      <p:sp>
-        <p:nvSpPr>
-          <p:cNvPr id="10" name="Rounded Rectangle 23">
-            <a:extLst>
-              <a:ext uri="{FF2B5EF4-FFF2-40B4-BE49-F238E27FC236}">
-                <a16:creationId xmlns:a16="http://schemas.microsoft.com/office/drawing/2014/main" id="{584292DA-40A2-4842-8E07-FFAA56FEF63C}"/>
-              </a:ext>
-            </a:extLst>
-          </p:cNvPr>
-          <p:cNvSpPr/>
-          <p:nvPr/>
-        </p:nvSpPr>
-        <p:spPr>
-          <a:xfrm rot="2700000">
-            <a:off x="4014106" y="3986728"/>
-            <a:ext cx="266700" cy="1295400"/>
-          </a:xfrm>
-          <a:prstGeom prst="roundRect">
-            <a:avLst>
-              <a:gd name="adj" fmla="val 50000"/>
-            </a:avLst>
-          </a:prstGeom>
-        </p:spPr>
-        <p:style>
-          <a:lnRef idx="1">
-            <a:schemeClr val="dk1"/>
-          </a:lnRef>
-          <a:fillRef idx="2">
-            <a:schemeClr val="dk1"/>
-          </a:fillRef>
-          <a:effectRef idx="1">
-            <a:schemeClr val="dk1"/>
-          </a:effectRef>
-          <a:fontRef idx="minor">
-            <a:schemeClr val="dk1"/>
-          </a:fontRef>
-        </p:style>
-        <p:txBody>
-          <a:bodyPr rtlCol="0" anchor="ctr"/>
-          <a:lstStyle/>
-          <a:p>
-            <a:pPr algn="ctr"/>
-            <a:endParaRPr lang="en-US"/>
-          </a:p>
-        </p:txBody>
-      </p:sp>
-      <p:sp>
-        <p:nvSpPr>
-          <p:cNvPr id="11" name="Oval 10">
-            <a:extLst>
-              <a:ext uri="{FF2B5EF4-FFF2-40B4-BE49-F238E27FC236}">
-                <a16:creationId xmlns:a16="http://schemas.microsoft.com/office/drawing/2014/main" id="{CA90FC9A-BB05-462C-BBA6-CAE09A1100D3}"/>
-              </a:ext>
-            </a:extLst>
-          </p:cNvPr>
-          <p:cNvSpPr/>
-          <p:nvPr/>
-        </p:nvSpPr>
-        <p:spPr>
-          <a:xfrm>
-            <a:off x="4457700" y="4229100"/>
-            <a:ext cx="76200" cy="76200"/>
-          </a:xfrm>
-          <a:prstGeom prst="ellipse">
-            <a:avLst/>
-          </a:prstGeom>
-        </p:spPr>
-        <p:style>
-          <a:lnRef idx="2">
-            <a:schemeClr val="dk1">
-              <a:shade val="50000"/>
-            </a:schemeClr>
-          </a:lnRef>
-          <a:fillRef idx="1">
-            <a:schemeClr val="dk1"/>
-          </a:fillRef>
-          <a:effectRef idx="0">
-            <a:schemeClr val="dk1"/>
-          </a:effectRef>
-          <a:fontRef idx="minor">
-            <a:schemeClr val="lt1"/>
-          </a:fontRef>
-        </p:style>
-        <p:txBody>
-          <a:bodyPr rtlCol="0" anchor="ctr"/>
-          <a:lstStyle/>
-          <a:p>
-            <a:pPr algn="ctr"/>
-            <a:endParaRPr lang="en-US"/>
-          </a:p>
-        </p:txBody>
-      </p:sp>
-      <p:sp>
-        <p:nvSpPr>
-          <p:cNvPr id="12" name="Snip and Round Single Corner Rectangle 9">
-            <a:extLst>
-              <a:ext uri="{FF2B5EF4-FFF2-40B4-BE49-F238E27FC236}">
-                <a16:creationId xmlns:a16="http://schemas.microsoft.com/office/drawing/2014/main" id="{9F254779-9C1A-430F-8D9C-88029EB08A55}"/>
-              </a:ext>
-            </a:extLst>
-          </p:cNvPr>
-          <p:cNvSpPr/>
-          <p:nvPr/>
-        </p:nvSpPr>
-        <p:spPr>
-          <a:xfrm>
-            <a:off x="0" y="4572000"/>
-            <a:ext cx="4191000" cy="2286000"/>
-          </a:xfrm>
-          <a:prstGeom prst="snipRoundRect">
-            <a:avLst>
-              <a:gd name="adj1" fmla="val 0"/>
-              <a:gd name="adj2" fmla="val 28667"/>
-            </a:avLst>
-          </a:prstGeom>
-          <a:solidFill>
-            <a:schemeClr val="bg2">
-              <a:lumMod val="75000"/>
-            </a:schemeClr>
-          </a:solidFill>
-          <a:ln>
-            <a:solidFill>
-              <a:schemeClr val="bg2">
-                <a:lumMod val="25000"/>
-              </a:schemeClr>
-            </a:solidFill>
-          </a:ln>
-        </p:spPr>
-        <p:style>
-          <a:lnRef idx="2">
-            <a:schemeClr val="accent6">
-              <a:shade val="50000"/>
-            </a:schemeClr>
-          </a:lnRef>
-          <a:fillRef idx="1">
-            <a:schemeClr val="accent6"/>
-          </a:fillRef>
-          <a:effectRef idx="0">
-            <a:schemeClr val="accent6"/>
-          </a:effectRef>
-          <a:fontRef idx="minor">
-            <a:schemeClr val="lt1"/>
-          </a:fontRef>
-        </p:style>
-        <p:txBody>
-          <a:bodyPr rtlCol="0" anchor="ctr"/>
-          <a:lstStyle/>
-          <a:p>
-            <a:pPr algn="ctr"/>
-            <a:endParaRPr lang="en-US"/>
-          </a:p>
-        </p:txBody>
-      </p:sp>
-      <p:cxnSp>
-        <p:nvCxnSpPr>
-          <p:cNvPr id="13" name="Straight Arrow Connector 12">
-            <a:extLst>
-              <a:ext uri="{FF2B5EF4-FFF2-40B4-BE49-F238E27FC236}">
-                <a16:creationId xmlns:a16="http://schemas.microsoft.com/office/drawing/2014/main" id="{649B6E05-FE14-4266-A344-7C558C057995}"/>
-              </a:ext>
-            </a:extLst>
-          </p:cNvPr>
-          <p:cNvCxnSpPr>
-            <a:cxnSpLocks/>
-          </p:cNvCxnSpPr>
-          <p:nvPr/>
-        </p:nvCxnSpPr>
-        <p:spPr>
-          <a:xfrm>
-            <a:off x="2286000" y="3962400"/>
-            <a:ext cx="762000" cy="0"/>
-          </a:xfrm>
-          <a:prstGeom prst="straightConnector1">
-            <a:avLst/>
-          </a:prstGeom>
-          <a:ln>
-            <a:solidFill>
-              <a:srgbClr val="FF0000"/>
-            </a:solidFill>
-            <a:tailEnd type="triangle"/>
-          </a:ln>
-        </p:spPr>
-        <p:style>
-          <a:lnRef idx="3">
-            <a:schemeClr val="accent2"/>
-          </a:lnRef>
-          <a:fillRef idx="0">
-            <a:schemeClr val="accent2"/>
-          </a:fillRef>
-          <a:effectRef idx="2">
-            <a:schemeClr val="accent2"/>
-          </a:effectRef>
-          <a:fontRef idx="minor">
-            <a:schemeClr val="tx1"/>
-          </a:fontRef>
-        </p:style>
-      </p:cxnSp>
-      <p:cxnSp>
-        <p:nvCxnSpPr>
-          <p:cNvPr id="14" name="Straight Arrow Connector 13">
-            <a:extLst>
-              <a:ext uri="{FF2B5EF4-FFF2-40B4-BE49-F238E27FC236}">
-                <a16:creationId xmlns:a16="http://schemas.microsoft.com/office/drawing/2014/main" id="{6981716E-883D-4527-B239-8B542447AE7A}"/>
-              </a:ext>
-            </a:extLst>
-          </p:cNvPr>
-          <p:cNvCxnSpPr>
-            <a:cxnSpLocks/>
-          </p:cNvCxnSpPr>
-          <p:nvPr/>
-        </p:nvCxnSpPr>
-        <p:spPr>
-          <a:xfrm flipH="1">
-            <a:off x="914400" y="4653280"/>
-            <a:ext cx="838200" cy="0"/>
-          </a:xfrm>
-          <a:prstGeom prst="straightConnector1">
-            <a:avLst/>
-          </a:prstGeom>
-          <a:ln>
-            <a:solidFill>
-              <a:srgbClr val="FF0000"/>
-            </a:solidFill>
-            <a:tailEnd type="triangle"/>
-          </a:ln>
-        </p:spPr>
-        <p:style>
-          <a:lnRef idx="3">
-            <a:schemeClr val="accent2"/>
-          </a:lnRef>
-          <a:fillRef idx="0">
-            <a:schemeClr val="accent2"/>
-          </a:fillRef>
-          <a:effectRef idx="2">
-            <a:schemeClr val="accent2"/>
-          </a:effectRef>
-          <a:fontRef idx="minor">
-            <a:schemeClr val="tx1"/>
-          </a:fontRef>
-        </p:style>
-      </p:cxnSp>
-      <p:cxnSp>
-        <p:nvCxnSpPr>
-          <p:cNvPr id="15" name="Straight Arrow Connector 14">
-            <a:extLst>
-              <a:ext uri="{FF2B5EF4-FFF2-40B4-BE49-F238E27FC236}">
-                <a16:creationId xmlns:a16="http://schemas.microsoft.com/office/drawing/2014/main" id="{E318255F-E829-4CA3-BBA1-271A5EBDFFA4}"/>
-              </a:ext>
-            </a:extLst>
-          </p:cNvPr>
-          <p:cNvCxnSpPr>
-            <a:cxnSpLocks/>
-          </p:cNvCxnSpPr>
-          <p:nvPr/>
-        </p:nvCxnSpPr>
-        <p:spPr>
-          <a:xfrm flipV="1">
-            <a:off x="4810760" y="4724400"/>
-            <a:ext cx="0" cy="609600"/>
-          </a:xfrm>
-          <a:prstGeom prst="straightConnector1">
-            <a:avLst/>
-          </a:prstGeom>
-          <a:ln>
-            <a:solidFill>
-              <a:srgbClr val="FF0000"/>
-            </a:solidFill>
-            <a:tailEnd type="triangle"/>
-          </a:ln>
-        </p:spPr>
-        <p:style>
-          <a:lnRef idx="3">
-            <a:schemeClr val="accent2"/>
-          </a:lnRef>
-          <a:fillRef idx="0">
-            <a:schemeClr val="accent2"/>
-          </a:fillRef>
-          <a:effectRef idx="2">
-            <a:schemeClr val="accent2"/>
-          </a:effectRef>
-          <a:fontRef idx="minor">
-            <a:schemeClr val="tx1"/>
-          </a:fontRef>
-        </p:style>
-      </p:cxnSp>
-      <p:sp>
-        <p:nvSpPr>
-          <p:cNvPr id="16" name="TextBox 15">
-            <a:extLst>
-              <a:ext uri="{FF2B5EF4-FFF2-40B4-BE49-F238E27FC236}">
-                <a16:creationId xmlns:a16="http://schemas.microsoft.com/office/drawing/2014/main" id="{76B3B790-8BE9-4C05-94D3-E46316FFBF05}"/>
-              </a:ext>
-            </a:extLst>
-          </p:cNvPr>
-          <p:cNvSpPr txBox="1"/>
-          <p:nvPr/>
-        </p:nvSpPr>
-        <p:spPr>
-          <a:xfrm>
-            <a:off x="2495271" y="3493254"/>
-            <a:ext cx="296876" cy="369332"/>
-          </a:xfrm>
-          <a:prstGeom prst="rect">
-            <a:avLst/>
-          </a:prstGeom>
-          <a:noFill/>
-        </p:spPr>
-        <p:txBody>
-          <a:bodyPr wrap="none" rtlCol="0">
-            <a:spAutoFit/>
-          </a:bodyPr>
-          <a:lstStyle/>
-          <a:p>
-            <a:r>
-              <a:rPr lang="en-US" b="1" dirty="0">
-                <a:solidFill>
-                  <a:srgbClr val="FF0000"/>
-                </a:solidFill>
-              </a:rPr>
-              <a:t>T</a:t>
-            </a:r>
-          </a:p>
-        </p:txBody>
-      </p:sp>
-      <p:sp>
-        <p:nvSpPr>
-          <p:cNvPr id="17" name="TextBox 16">
-            <a:extLst>
-              <a:ext uri="{FF2B5EF4-FFF2-40B4-BE49-F238E27FC236}">
-                <a16:creationId xmlns:a16="http://schemas.microsoft.com/office/drawing/2014/main" id="{C47F72C8-5DF5-454C-A249-93C581D204C7}"/>
-              </a:ext>
-            </a:extLst>
-          </p:cNvPr>
-          <p:cNvSpPr txBox="1"/>
-          <p:nvPr/>
-        </p:nvSpPr>
-        <p:spPr>
-          <a:xfrm>
-            <a:off x="4909766" y="4817382"/>
-            <a:ext cx="296876" cy="369332"/>
-          </a:xfrm>
-          <a:prstGeom prst="rect">
-            <a:avLst/>
-          </a:prstGeom>
-          <a:noFill/>
-        </p:spPr>
-        <p:txBody>
-          <a:bodyPr wrap="none" rtlCol="0">
-            <a:spAutoFit/>
-          </a:bodyPr>
-          <a:lstStyle/>
-          <a:p>
-            <a:r>
-              <a:rPr lang="en-US" b="1" dirty="0">
-                <a:solidFill>
-                  <a:srgbClr val="FF0000"/>
-                </a:solidFill>
-              </a:rPr>
-              <a:t>T</a:t>
-            </a:r>
-          </a:p>
-        </p:txBody>
-      </p:sp>
-      <p:sp>
-        <p:nvSpPr>
-          <p:cNvPr id="18" name="TextBox 17">
-            <a:extLst>
-              <a:ext uri="{FF2B5EF4-FFF2-40B4-BE49-F238E27FC236}">
-                <a16:creationId xmlns:a16="http://schemas.microsoft.com/office/drawing/2014/main" id="{811ECBF9-C2D5-423D-978F-041A61ECD6EF}"/>
-              </a:ext>
-            </a:extLst>
-          </p:cNvPr>
-          <p:cNvSpPr txBox="1"/>
-          <p:nvPr/>
-        </p:nvSpPr>
-        <p:spPr>
-          <a:xfrm>
-            <a:off x="1202323" y="4692526"/>
-            <a:ext cx="338554" cy="369332"/>
-          </a:xfrm>
-          <a:prstGeom prst="rect">
-            <a:avLst/>
-          </a:prstGeom>
-          <a:noFill/>
-        </p:spPr>
-        <p:txBody>
-          <a:bodyPr wrap="none" rtlCol="0">
-            <a:spAutoFit/>
-          </a:bodyPr>
-          <a:lstStyle/>
-          <a:p>
-            <a:r>
-              <a:rPr lang="en-US" b="1" dirty="0">
-                <a:solidFill>
-                  <a:srgbClr val="FF0000"/>
-                </a:solidFill>
-              </a:rPr>
-              <a:t>F</a:t>
-            </a:r>
-            <a:r>
-              <a:rPr lang="en-US" b="1" baseline="-25000" dirty="0">
-                <a:solidFill>
-                  <a:srgbClr val="FF0000"/>
-                </a:solidFill>
-              </a:rPr>
-              <a:t>f</a:t>
-            </a:r>
-          </a:p>
-        </p:txBody>
-      </p:sp>
-      <p:sp>
-        <p:nvSpPr>
-          <p:cNvPr id="19" name="Slide Number Placeholder 3">
-            <a:extLst>
-              <a:ext uri="{FF2B5EF4-FFF2-40B4-BE49-F238E27FC236}">
-                <a16:creationId xmlns:a16="http://schemas.microsoft.com/office/drawing/2014/main" id="{EC6024AA-FACC-4D3A-9048-E5674AF60A5B}"/>
-              </a:ext>
-            </a:extLst>
-          </p:cNvPr>
-          <p:cNvSpPr txBox="1">
-            <a:spLocks/>
-          </p:cNvSpPr>
-          <p:nvPr/>
-        </p:nvSpPr>
-        <p:spPr>
-          <a:xfrm>
-            <a:off x="6553200" y="6356350"/>
-            <a:ext cx="2133600" cy="365125"/>
-          </a:xfrm>
-          <a:prstGeom prst="rect">
-            <a:avLst/>
-          </a:prstGeom>
-        </p:spPr>
-        <p:txBody>
-          <a:bodyPr vert="horz" lIns="91440" tIns="45720" rIns="91440" bIns="45720" rtlCol="0" anchor="ctr"/>
-          <a:lstStyle>
-            <a:defPPr>
-              <a:defRPr lang="en-US"/>
-            </a:defPPr>
-            <a:lvl1pPr marL="0" algn="r" defTabSz="914400" rtl="0" eaLnBrk="1" latinLnBrk="0" hangingPunct="1">
-              <a:defRPr sz="1200" kern="1200">
-                <a:solidFill>
-                  <a:schemeClr val="accent1">
-                    <a:lumMod val="50000"/>
-                  </a:schemeClr>
-                </a:solidFill>
-                <a:latin typeface="+mn-lt"/>
-                <a:ea typeface="+mn-ea"/>
-                <a:cs typeface="+mn-cs"/>
-              </a:defRPr>
-            </a:lvl1pPr>
-            <a:lvl2pPr marL="457200" algn="l" defTabSz="914400" rtl="0" eaLnBrk="1" latinLnBrk="0" hangingPunct="1">
-              <a:defRPr sz="1800" kern="1200">
-                <a:solidFill>
-                  <a:schemeClr val="tx1"/>
-                </a:solidFill>
-                <a:latin typeface="+mn-lt"/>
-                <a:ea typeface="+mn-ea"/>
-                <a:cs typeface="+mn-cs"/>
-              </a:defRPr>
-            </a:lvl2pPr>
-            <a:lvl3pPr marL="914400" algn="l" defTabSz="914400" rtl="0" eaLnBrk="1" latinLnBrk="0" hangingPunct="1">
-              <a:defRPr sz="1800" kern="1200">
-                <a:solidFill>
-                  <a:schemeClr val="tx1"/>
-                </a:solidFill>
-                <a:latin typeface="+mn-lt"/>
-                <a:ea typeface="+mn-ea"/>
-                <a:cs typeface="+mn-cs"/>
-              </a:defRPr>
-            </a:lvl3pPr>
-            <a:lvl4pPr marL="1371600" algn="l" defTabSz="914400" rtl="0" eaLnBrk="1" latinLnBrk="0" hangingPunct="1">
-              <a:defRPr sz="1800" kern="1200">
-                <a:solidFill>
-                  <a:schemeClr val="tx1"/>
-                </a:solidFill>
-                <a:latin typeface="+mn-lt"/>
-                <a:ea typeface="+mn-ea"/>
-                <a:cs typeface="+mn-cs"/>
-              </a:defRPr>
-            </a:lvl4pPr>
-            <a:lvl5pPr marL="1828800" algn="l" defTabSz="914400" rtl="0" eaLnBrk="1" latinLnBrk="0" hangingPunct="1">
-              <a:defRPr sz="1800" kern="1200">
-                <a:solidFill>
-                  <a:schemeClr val="tx1"/>
-                </a:solidFill>
-                <a:latin typeface="+mn-lt"/>
-                <a:ea typeface="+mn-ea"/>
-                <a:cs typeface="+mn-cs"/>
-              </a:defRPr>
-            </a:lvl5pPr>
-            <a:lvl6pPr marL="2286000" algn="l" defTabSz="914400" rtl="0" eaLnBrk="1" latinLnBrk="0" hangingPunct="1">
-              <a:defRPr sz="1800" kern="1200">
-                <a:solidFill>
-                  <a:schemeClr val="tx1"/>
-                </a:solidFill>
-                <a:latin typeface="+mn-lt"/>
-                <a:ea typeface="+mn-ea"/>
-                <a:cs typeface="+mn-cs"/>
-              </a:defRPr>
-            </a:lvl6pPr>
-            <a:lvl7pPr marL="2743200" algn="l" defTabSz="914400" rtl="0" eaLnBrk="1" latinLnBrk="0" hangingPunct="1">
-              <a:defRPr sz="1800" kern="1200">
-                <a:solidFill>
-                  <a:schemeClr val="tx1"/>
-                </a:solidFill>
-                <a:latin typeface="+mn-lt"/>
-                <a:ea typeface="+mn-ea"/>
-                <a:cs typeface="+mn-cs"/>
-              </a:defRPr>
-            </a:lvl7pPr>
-            <a:lvl8pPr marL="3200400" algn="l" defTabSz="914400" rtl="0" eaLnBrk="1" latinLnBrk="0" hangingPunct="1">
-              <a:defRPr sz="1800" kern="1200">
-                <a:solidFill>
-                  <a:schemeClr val="tx1"/>
-                </a:solidFill>
-                <a:latin typeface="+mn-lt"/>
-                <a:ea typeface="+mn-ea"/>
-                <a:cs typeface="+mn-cs"/>
-              </a:defRPr>
-            </a:lvl8pPr>
-            <a:lvl9pPr marL="3657600" algn="l" defTabSz="914400" rtl="0" eaLnBrk="1" latinLnBrk="0" hangingPunct="1">
-              <a:defRPr sz="1800" kern="1200">
-                <a:solidFill>
-                  <a:schemeClr val="tx1"/>
-                </a:solidFill>
-                <a:latin typeface="+mn-lt"/>
-                <a:ea typeface="+mn-ea"/>
-                <a:cs typeface="+mn-cs"/>
-              </a:defRPr>
-            </a:lvl9pPr>
-          </a:lstStyle>
-          <a:p>
-            <a:fld id="{929262FE-7F58-4A1E-8AF3-5A510A86DEBD}" type="slidenum">
-              <a:rPr lang="en-US" smtClean="0"/>
-              <a:pPr/>
-              <a:t>5</a:t>
-            </a:fld>
-            <a:endParaRPr lang="en-US"/>
-          </a:p>
-        </p:txBody>
-      </p:sp>
-      <p:sp>
-        <p:nvSpPr>
-          <p:cNvPr id="20" name="Content Placeholder 2">
-            <a:extLst>
-              <a:ext uri="{FF2B5EF4-FFF2-40B4-BE49-F238E27FC236}">
-                <a16:creationId xmlns:a16="http://schemas.microsoft.com/office/drawing/2014/main" id="{FFD91B88-B25F-41C8-9F88-77C8BE7179D8}"/>
-              </a:ext>
-            </a:extLst>
-          </p:cNvPr>
-          <p:cNvSpPr txBox="1">
-            <a:spLocks/>
-          </p:cNvSpPr>
-          <p:nvPr/>
-        </p:nvSpPr>
-        <p:spPr>
-          <a:xfrm>
-            <a:off x="5638800" y="3291032"/>
-            <a:ext cx="3276600" cy="3109768"/>
-          </a:xfrm>
-          <a:prstGeom prst="rect">
-            <a:avLst/>
-          </a:prstGeom>
-        </p:spPr>
-        <p:txBody>
-          <a:bodyPr vert="horz" lIns="91440" tIns="45720" rIns="91440" bIns="45720" rtlCol="0">
-            <a:normAutofit fontScale="92500" lnSpcReduction="10000"/>
-          </a:bodyPr>
-          <a:lstStyle>
-            <a:lvl1pPr marL="342900" indent="-342900" algn="l" defTabSz="914400" rtl="0" eaLnBrk="1" latinLnBrk="0" hangingPunct="1">
-              <a:spcBef>
-                <a:spcPct val="20000"/>
-              </a:spcBef>
-              <a:buFont typeface="Arial" panose="020B0604020202020204" pitchFamily="34" charset="0"/>
-              <a:buChar char="•"/>
-              <a:defRPr sz="3200" kern="1200">
-                <a:solidFill>
-                  <a:schemeClr val="accent1">
-                    <a:lumMod val="50000"/>
-                  </a:schemeClr>
-                </a:solidFill>
-                <a:latin typeface="+mn-lt"/>
-                <a:ea typeface="+mn-ea"/>
-                <a:cs typeface="+mn-cs"/>
-              </a:defRPr>
-            </a:lvl1pPr>
-            <a:lvl2pPr marL="742950" indent="-285750" algn="l" defTabSz="914400" rtl="0" eaLnBrk="1" latinLnBrk="0" hangingPunct="1">
-              <a:spcBef>
-                <a:spcPct val="20000"/>
-              </a:spcBef>
-              <a:buFont typeface="Arial" panose="020B0604020202020204" pitchFamily="34" charset="0"/>
-              <a:buChar char="–"/>
-              <a:defRPr sz="2800" kern="1200">
-                <a:solidFill>
-                  <a:schemeClr val="accent1">
-                    <a:lumMod val="50000"/>
-                  </a:schemeClr>
-                </a:solidFill>
-                <a:latin typeface="+mn-lt"/>
-                <a:ea typeface="+mn-ea"/>
-                <a:cs typeface="+mn-cs"/>
-              </a:defRPr>
-            </a:lvl2pPr>
-            <a:lvl3pPr marL="1143000" indent="-228600" algn="l" defTabSz="914400" rtl="0" eaLnBrk="1" latinLnBrk="0" hangingPunct="1">
-              <a:spcBef>
-                <a:spcPct val="20000"/>
-              </a:spcBef>
-              <a:buFont typeface="Arial" panose="020B0604020202020204" pitchFamily="34" charset="0"/>
-              <a:buChar char="•"/>
-              <a:defRPr sz="2400" kern="1200">
-                <a:solidFill>
-                  <a:schemeClr val="accent1">
-                    <a:lumMod val="50000"/>
-                  </a:schemeClr>
-                </a:solidFill>
-                <a:latin typeface="+mn-lt"/>
-                <a:ea typeface="+mn-ea"/>
-                <a:cs typeface="+mn-cs"/>
-              </a:defRPr>
-            </a:lvl3pPr>
-            <a:lvl4pPr marL="1600200" indent="-228600" algn="l" defTabSz="914400" rtl="0" eaLnBrk="1" latinLnBrk="0" hangingPunct="1">
-              <a:spcBef>
-                <a:spcPct val="20000"/>
-              </a:spcBef>
-              <a:buFont typeface="Arial" panose="020B0604020202020204" pitchFamily="34" charset="0"/>
-              <a:buChar char="–"/>
-              <a:defRPr sz="2000" kern="1200">
-                <a:solidFill>
-                  <a:schemeClr val="accent1">
-                    <a:lumMod val="50000"/>
-                  </a:schemeClr>
-                </a:solidFill>
-                <a:latin typeface="+mn-lt"/>
-                <a:ea typeface="+mn-ea"/>
-                <a:cs typeface="+mn-cs"/>
-              </a:defRPr>
-            </a:lvl4pPr>
-            <a:lvl5pPr marL="2057400" indent="-228600" algn="l" defTabSz="914400" rtl="0" eaLnBrk="1" latinLnBrk="0" hangingPunct="1">
-              <a:spcBef>
-                <a:spcPct val="20000"/>
-              </a:spcBef>
-              <a:buFont typeface="Arial" panose="020B0604020202020204" pitchFamily="34" charset="0"/>
-              <a:buChar char="»"/>
-              <a:defRPr sz="2000" kern="1200">
-                <a:solidFill>
-                  <a:schemeClr val="accent1">
-                    <a:lumMod val="50000"/>
-                  </a:schemeClr>
-                </a:solidFill>
-                <a:latin typeface="+mn-lt"/>
-                <a:ea typeface="+mn-ea"/>
-                <a:cs typeface="+mn-cs"/>
-              </a:defRPr>
-            </a:lvl5pPr>
-            <a:lvl6pPr marL="2514600" indent="-228600" algn="l" defTabSz="914400" rtl="0" eaLnBrk="1" latinLnBrk="0" hangingPunct="1">
-              <a:spcBef>
-                <a:spcPct val="20000"/>
-              </a:spcBef>
-              <a:buFont typeface="Arial" panose="020B0604020202020204" pitchFamily="34" charset="0"/>
-              <a:buChar char="•"/>
-              <a:defRPr sz="2000" kern="1200">
-                <a:solidFill>
-                  <a:schemeClr val="tx1"/>
-                </a:solidFill>
-                <a:latin typeface="+mn-lt"/>
-                <a:ea typeface="+mn-ea"/>
-                <a:cs typeface="+mn-cs"/>
-              </a:defRPr>
-            </a:lvl6pPr>
-            <a:lvl7pPr marL="2971800" indent="-228600" algn="l" defTabSz="914400" rtl="0" eaLnBrk="1" latinLnBrk="0" hangingPunct="1">
-              <a:spcBef>
-                <a:spcPct val="20000"/>
-              </a:spcBef>
-              <a:buFont typeface="Arial" panose="020B0604020202020204" pitchFamily="34" charset="0"/>
-              <a:buChar char="•"/>
-              <a:defRPr sz="2000" kern="1200">
-                <a:solidFill>
-                  <a:schemeClr val="tx1"/>
-                </a:solidFill>
-                <a:latin typeface="+mn-lt"/>
-                <a:ea typeface="+mn-ea"/>
-                <a:cs typeface="+mn-cs"/>
-              </a:defRPr>
-            </a:lvl7pPr>
-            <a:lvl8pPr marL="3429000" indent="-228600" algn="l" defTabSz="914400" rtl="0" eaLnBrk="1" latinLnBrk="0" hangingPunct="1">
-              <a:spcBef>
-                <a:spcPct val="20000"/>
-              </a:spcBef>
-              <a:buFont typeface="Arial" panose="020B0604020202020204" pitchFamily="34" charset="0"/>
-              <a:buChar char="•"/>
-              <a:defRPr sz="2000" kern="1200">
-                <a:solidFill>
-                  <a:schemeClr val="tx1"/>
-                </a:solidFill>
-                <a:latin typeface="+mn-lt"/>
-                <a:ea typeface="+mn-ea"/>
-                <a:cs typeface="+mn-cs"/>
-              </a:defRPr>
-            </a:lvl8pPr>
-            <a:lvl9pPr marL="3886200" indent="-228600" algn="l" defTabSz="914400" rtl="0" eaLnBrk="1" latinLnBrk="0" hangingPunct="1">
-              <a:spcBef>
-                <a:spcPct val="20000"/>
-              </a:spcBef>
-              <a:buFont typeface="Arial" panose="020B0604020202020204" pitchFamily="34" charset="0"/>
-              <a:buChar char="•"/>
-              <a:defRPr sz="2000" kern="1200">
-                <a:solidFill>
-                  <a:schemeClr val="tx1"/>
-                </a:solidFill>
-                <a:latin typeface="+mn-lt"/>
-                <a:ea typeface="+mn-ea"/>
-                <a:cs typeface="+mn-cs"/>
-              </a:defRPr>
-            </a:lvl9pPr>
-          </a:lstStyle>
-          <a:p>
-            <a:r>
-              <a:rPr lang="en-US" dirty="0">
-                <a:solidFill>
-                  <a:schemeClr val="tx1"/>
-                </a:solidFill>
-              </a:rPr>
-              <a:t>The tension forces in this system are internal forces</a:t>
-            </a:r>
-          </a:p>
-          <a:p>
-            <a:r>
-              <a:rPr lang="en-US" dirty="0">
-                <a:solidFill>
-                  <a:schemeClr val="tx1"/>
-                </a:solidFill>
-              </a:rPr>
-              <a:t>The friction force is an external force </a:t>
-            </a:r>
-          </a:p>
-        </p:txBody>
-      </p:sp>
-    </p:spTree>
-    <p:extLst>
-      <p:ext uri="{BB962C8B-B14F-4D97-AF65-F5344CB8AC3E}">
-        <p14:creationId xmlns:p14="http://schemas.microsoft.com/office/powerpoint/2010/main" val="2133938578"/>
-      </p:ext>
-    </p:extLst>
-  </p:cSld>
-  <p:clrMapOvr>
-    <a:masterClrMapping/>
-  </p:clrMapOvr>
-  <p:timing>
-    <p:tnLst>
-      <p:par>
-        <p:cTn id="1" dur="indefinite" restart="never" nodeType="tmRoot">
-          <p:childTnLst>
-            <p:seq concurrent="1" nextAc="seek">
-              <p:cTn id="2" dur="indefinite" nodeType="mainSeq">
-                <p:childTnLst>
-                  <p:par>
-                    <p:cTn id="3" fill="hold">
-                      <p:stCondLst>
-                        <p:cond delay="indefinite"/>
-                      </p:stCondLst>
-                      <p:childTnLst>
-                        <p:par>
-                          <p:cTn id="4" fill="hold">
-                            <p:stCondLst>
-                              <p:cond delay="0"/>
-                            </p:stCondLst>
-                            <p:childTnLst>
-                              <p:par>
-                                <p:cTn id="5" presetID="1" presetClass="entr" presetSubtype="0" fill="hold" grpId="0" nodeType="clickEffect">
-                                  <p:stCondLst>
-                                    <p:cond delay="0"/>
-                                  </p:stCondLst>
-                                  <p:childTnLst>
-                                    <p:set>
-                                      <p:cBhvr>
-                                        <p:cTn id="6" dur="1" fill="hold">
-                                          <p:stCondLst>
-                                            <p:cond delay="0"/>
-                                          </p:stCondLst>
-                                        </p:cTn>
-                                        <p:tgtEl>
-                                          <p:spTgt spid="3">
-                                            <p:txEl>
-                                              <p:pRg st="0" end="0"/>
-                                            </p:txEl>
-                                          </p:spTgt>
-                                        </p:tgtEl>
-                                        <p:attrNameLst>
-                                          <p:attrName>style.visibility</p:attrName>
-                                        </p:attrNameLst>
-                                      </p:cBhvr>
-                                      <p:to>
-                                        <p:strVal val="visible"/>
-                                      </p:to>
-                                    </p:set>
-                                  </p:childTnLst>
-                                </p:cTn>
-                              </p:par>
-                            </p:childTnLst>
-                          </p:cTn>
-                        </p:par>
-                      </p:childTnLst>
-                    </p:cTn>
-                  </p:par>
-                  <p:par>
-                    <p:cTn id="7" fill="hold">
-                      <p:stCondLst>
-                        <p:cond delay="indefinite"/>
-                      </p:stCondLst>
-                      <p:childTnLst>
-                        <p:par>
-                          <p:cTn id="8" fill="hold">
-                            <p:stCondLst>
-                              <p:cond delay="0"/>
-                            </p:stCondLst>
-                            <p:childTnLst>
-                              <p:par>
-                                <p:cTn id="9" presetID="1" presetClass="entr" presetSubtype="0" fill="hold" grpId="0" nodeType="clickEffect">
-                                  <p:stCondLst>
-                                    <p:cond delay="0"/>
-                                  </p:stCondLst>
-                                  <p:childTnLst>
-                                    <p:set>
-                                      <p:cBhvr>
-                                        <p:cTn id="10" dur="1" fill="hold">
-                                          <p:stCondLst>
-                                            <p:cond delay="0"/>
-                                          </p:stCondLst>
-                                        </p:cTn>
-                                        <p:tgtEl>
-                                          <p:spTgt spid="3">
-                                            <p:txEl>
-                                              <p:pRg st="1" end="1"/>
-                                            </p:txEl>
-                                          </p:spTgt>
-                                        </p:tgtEl>
-                                        <p:attrNameLst>
-                                          <p:attrName>style.visibility</p:attrName>
-                                        </p:attrNameLst>
-                                      </p:cBhvr>
-                                      <p:to>
-                                        <p:strVal val="visible"/>
-                                      </p:to>
-                                    </p:set>
-                                  </p:childTnLst>
-                                </p:cTn>
-                              </p:par>
-                            </p:childTnLst>
-                          </p:cTn>
-                        </p:par>
-                      </p:childTnLst>
-                    </p:cTn>
-                  </p:par>
-                  <p:par>
-                    <p:cTn id="11" fill="hold">
-                      <p:stCondLst>
-                        <p:cond delay="indefinite"/>
-                      </p:stCondLst>
-                      <p:childTnLst>
-                        <p:par>
-                          <p:cTn id="12" fill="hold">
-                            <p:stCondLst>
-                              <p:cond delay="0"/>
-                            </p:stCondLst>
-                            <p:childTnLst>
-                              <p:par>
-                                <p:cTn id="13" presetID="1" presetClass="entr" presetSubtype="0" fill="hold" grpId="0" nodeType="clickEffect">
-                                  <p:stCondLst>
-                                    <p:cond delay="0"/>
-                                  </p:stCondLst>
-                                  <p:childTnLst>
-                                    <p:set>
-                                      <p:cBhvr>
-                                        <p:cTn id="14" dur="1" fill="hold">
-                                          <p:stCondLst>
-                                            <p:cond delay="0"/>
-                                          </p:stCondLst>
-                                        </p:cTn>
-                                        <p:tgtEl>
-                                          <p:spTgt spid="5"/>
-                                        </p:tgtEl>
-                                        <p:attrNameLst>
-                                          <p:attrName>style.visibility</p:attrName>
-                                        </p:attrNameLst>
-                                      </p:cBhvr>
-                                      <p:to>
-                                        <p:strVal val="visible"/>
-                                      </p:to>
-                                    </p:set>
-                                  </p:childTnLst>
-                                </p:cTn>
-                              </p:par>
-                              <p:par>
-                                <p:cTn id="15" presetID="1" presetClass="entr" presetSubtype="0" fill="hold" grpId="0" nodeType="withEffect">
-                                  <p:stCondLst>
-                                    <p:cond delay="0"/>
-                                  </p:stCondLst>
-                                  <p:childTnLst>
-                                    <p:set>
-                                      <p:cBhvr>
-                                        <p:cTn id="16" dur="1" fill="hold">
-                                          <p:stCondLst>
-                                            <p:cond delay="0"/>
-                                          </p:stCondLst>
-                                        </p:cTn>
-                                        <p:tgtEl>
-                                          <p:spTgt spid="6"/>
-                                        </p:tgtEl>
-                                        <p:attrNameLst>
-                                          <p:attrName>style.visibility</p:attrName>
-                                        </p:attrNameLst>
-                                      </p:cBhvr>
-                                      <p:to>
-                                        <p:strVal val="visible"/>
-                                      </p:to>
-                                    </p:set>
-                                  </p:childTnLst>
-                                </p:cTn>
-                              </p:par>
-                              <p:par>
-                                <p:cTn id="17" presetID="1" presetClass="entr" presetSubtype="0" fill="hold" grpId="0" nodeType="withEffect">
-                                  <p:stCondLst>
-                                    <p:cond delay="0"/>
-                                  </p:stCondLst>
-                                  <p:childTnLst>
-                                    <p:set>
-                                      <p:cBhvr>
-                                        <p:cTn id="18" dur="1" fill="hold">
-                                          <p:stCondLst>
-                                            <p:cond delay="0"/>
-                                          </p:stCondLst>
-                                        </p:cTn>
-                                        <p:tgtEl>
-                                          <p:spTgt spid="7"/>
-                                        </p:tgtEl>
-                                        <p:attrNameLst>
-                                          <p:attrName>style.visibility</p:attrName>
-                                        </p:attrNameLst>
-                                      </p:cBhvr>
-                                      <p:to>
-                                        <p:strVal val="visible"/>
-                                      </p:to>
-                                    </p:set>
-                                  </p:childTnLst>
-                                </p:cTn>
-                              </p:par>
-                              <p:par>
-                                <p:cTn id="19" presetID="1" presetClass="entr" presetSubtype="0" fill="hold" nodeType="withEffect">
-                                  <p:stCondLst>
-                                    <p:cond delay="0"/>
-                                  </p:stCondLst>
-                                  <p:childTnLst>
-                                    <p:set>
-                                      <p:cBhvr>
-                                        <p:cTn id="20" dur="1" fill="hold">
-                                          <p:stCondLst>
-                                            <p:cond delay="0"/>
-                                          </p:stCondLst>
-                                        </p:cTn>
-                                        <p:tgtEl>
-                                          <p:spTgt spid="8"/>
-                                        </p:tgtEl>
-                                        <p:attrNameLst>
-                                          <p:attrName>style.visibility</p:attrName>
-                                        </p:attrNameLst>
-                                      </p:cBhvr>
-                                      <p:to>
-                                        <p:strVal val="visible"/>
-                                      </p:to>
-                                    </p:set>
-                                  </p:childTnLst>
-                                </p:cTn>
-                              </p:par>
-                              <p:par>
-                                <p:cTn id="21" presetID="1" presetClass="entr" presetSubtype="0" fill="hold" nodeType="withEffect">
-                                  <p:stCondLst>
-                                    <p:cond delay="0"/>
-                                  </p:stCondLst>
-                                  <p:childTnLst>
-                                    <p:set>
-                                      <p:cBhvr>
-                                        <p:cTn id="22" dur="1" fill="hold">
-                                          <p:stCondLst>
-                                            <p:cond delay="0"/>
-                                          </p:stCondLst>
-                                        </p:cTn>
-                                        <p:tgtEl>
-                                          <p:spTgt spid="9"/>
-                                        </p:tgtEl>
-                                        <p:attrNameLst>
-                                          <p:attrName>style.visibility</p:attrName>
-                                        </p:attrNameLst>
-                                      </p:cBhvr>
-                                      <p:to>
-                                        <p:strVal val="visible"/>
-                                      </p:to>
-                                    </p:set>
-                                  </p:childTnLst>
-                                </p:cTn>
-                              </p:par>
-                              <p:par>
-                                <p:cTn id="23" presetID="1" presetClass="entr" presetSubtype="0" fill="hold" grpId="0" nodeType="withEffect">
-                                  <p:stCondLst>
-                                    <p:cond delay="0"/>
-                                  </p:stCondLst>
-                                  <p:childTnLst>
-                                    <p:set>
-                                      <p:cBhvr>
-                                        <p:cTn id="24" dur="1" fill="hold">
-                                          <p:stCondLst>
-                                            <p:cond delay="0"/>
-                                          </p:stCondLst>
-                                        </p:cTn>
-                                        <p:tgtEl>
-                                          <p:spTgt spid="10"/>
-                                        </p:tgtEl>
-                                        <p:attrNameLst>
-                                          <p:attrName>style.visibility</p:attrName>
-                                        </p:attrNameLst>
-                                      </p:cBhvr>
-                                      <p:to>
-                                        <p:strVal val="visible"/>
-                                      </p:to>
-                                    </p:set>
-                                  </p:childTnLst>
-                                </p:cTn>
-                              </p:par>
-                              <p:par>
-                                <p:cTn id="25" presetID="1" presetClass="entr" presetSubtype="0" fill="hold" grpId="0" nodeType="withEffect">
-                                  <p:stCondLst>
-                                    <p:cond delay="0"/>
-                                  </p:stCondLst>
-                                  <p:childTnLst>
-                                    <p:set>
-                                      <p:cBhvr>
-                                        <p:cTn id="26" dur="1" fill="hold">
-                                          <p:stCondLst>
-                                            <p:cond delay="0"/>
-                                          </p:stCondLst>
-                                        </p:cTn>
-                                        <p:tgtEl>
-                                          <p:spTgt spid="11"/>
-                                        </p:tgtEl>
-                                        <p:attrNameLst>
-                                          <p:attrName>style.visibility</p:attrName>
-                                        </p:attrNameLst>
-                                      </p:cBhvr>
-                                      <p:to>
-                                        <p:strVal val="visible"/>
-                                      </p:to>
-                                    </p:set>
-                                  </p:childTnLst>
-                                </p:cTn>
-                              </p:par>
-                              <p:par>
-                                <p:cTn id="27" presetID="1" presetClass="entr" presetSubtype="0" fill="hold" grpId="0" nodeType="withEffect">
-                                  <p:stCondLst>
-                                    <p:cond delay="0"/>
-                                  </p:stCondLst>
-                                  <p:childTnLst>
-                                    <p:set>
-                                      <p:cBhvr>
-                                        <p:cTn id="28" dur="1" fill="hold">
-                                          <p:stCondLst>
-                                            <p:cond delay="0"/>
-                                          </p:stCondLst>
-                                        </p:cTn>
-                                        <p:tgtEl>
-                                          <p:spTgt spid="12"/>
-                                        </p:tgtEl>
-                                        <p:attrNameLst>
-                                          <p:attrName>style.visibility</p:attrName>
-                                        </p:attrNameLst>
-                                      </p:cBhvr>
-                                      <p:to>
-                                        <p:strVal val="visible"/>
-                                      </p:to>
-                                    </p:set>
-                                  </p:childTnLst>
-                                </p:cTn>
-                              </p:par>
-                              <p:par>
-                                <p:cTn id="29" presetID="1" presetClass="entr" presetSubtype="0" fill="hold" nodeType="withEffect">
-                                  <p:stCondLst>
-                                    <p:cond delay="0"/>
-                                  </p:stCondLst>
-                                  <p:childTnLst>
-                                    <p:set>
-                                      <p:cBhvr>
-                                        <p:cTn id="30" dur="1" fill="hold">
-                                          <p:stCondLst>
-                                            <p:cond delay="0"/>
-                                          </p:stCondLst>
-                                        </p:cTn>
-                                        <p:tgtEl>
-                                          <p:spTgt spid="13"/>
-                                        </p:tgtEl>
-                                        <p:attrNameLst>
-                                          <p:attrName>style.visibility</p:attrName>
-                                        </p:attrNameLst>
-                                      </p:cBhvr>
-                                      <p:to>
-                                        <p:strVal val="visible"/>
-                                      </p:to>
-                                    </p:set>
-                                  </p:childTnLst>
-                                </p:cTn>
-                              </p:par>
-                              <p:par>
-                                <p:cTn id="31" presetID="1" presetClass="entr" presetSubtype="0" fill="hold" nodeType="withEffect">
-                                  <p:stCondLst>
-                                    <p:cond delay="0"/>
-                                  </p:stCondLst>
-                                  <p:childTnLst>
-                                    <p:set>
-                                      <p:cBhvr>
-                                        <p:cTn id="32" dur="1" fill="hold">
-                                          <p:stCondLst>
-                                            <p:cond delay="0"/>
-                                          </p:stCondLst>
-                                        </p:cTn>
-                                        <p:tgtEl>
-                                          <p:spTgt spid="14"/>
-                                        </p:tgtEl>
-                                        <p:attrNameLst>
-                                          <p:attrName>style.visibility</p:attrName>
-                                        </p:attrNameLst>
-                                      </p:cBhvr>
-                                      <p:to>
-                                        <p:strVal val="visible"/>
-                                      </p:to>
-                                    </p:set>
-                                  </p:childTnLst>
-                                </p:cTn>
-                              </p:par>
-                              <p:par>
-                                <p:cTn id="33" presetID="1" presetClass="entr" presetSubtype="0" fill="hold" nodeType="withEffect">
-                                  <p:stCondLst>
-                                    <p:cond delay="0"/>
-                                  </p:stCondLst>
-                                  <p:childTnLst>
-                                    <p:set>
-                                      <p:cBhvr>
-                                        <p:cTn id="34" dur="1" fill="hold">
-                                          <p:stCondLst>
-                                            <p:cond delay="0"/>
-                                          </p:stCondLst>
-                                        </p:cTn>
-                                        <p:tgtEl>
-                                          <p:spTgt spid="15"/>
-                                        </p:tgtEl>
-                                        <p:attrNameLst>
-                                          <p:attrName>style.visibility</p:attrName>
-                                        </p:attrNameLst>
-                                      </p:cBhvr>
-                                      <p:to>
-                                        <p:strVal val="visible"/>
-                                      </p:to>
-                                    </p:set>
-                                  </p:childTnLst>
-                                </p:cTn>
-                              </p:par>
-                              <p:par>
-                                <p:cTn id="35" presetID="1" presetClass="entr" presetSubtype="0" fill="hold" grpId="0" nodeType="withEffect">
-                                  <p:stCondLst>
-                                    <p:cond delay="0"/>
-                                  </p:stCondLst>
-                                  <p:childTnLst>
-                                    <p:set>
-                                      <p:cBhvr>
-                                        <p:cTn id="36" dur="1" fill="hold">
-                                          <p:stCondLst>
-                                            <p:cond delay="0"/>
-                                          </p:stCondLst>
-                                        </p:cTn>
-                                        <p:tgtEl>
-                                          <p:spTgt spid="16"/>
-                                        </p:tgtEl>
-                                        <p:attrNameLst>
-                                          <p:attrName>style.visibility</p:attrName>
-                                        </p:attrNameLst>
-                                      </p:cBhvr>
-                                      <p:to>
-                                        <p:strVal val="visible"/>
-                                      </p:to>
-                                    </p:set>
-                                  </p:childTnLst>
-                                </p:cTn>
-                              </p:par>
-                              <p:par>
-                                <p:cTn id="37" presetID="1" presetClass="entr" presetSubtype="0" fill="hold" grpId="0" nodeType="withEffect">
-                                  <p:stCondLst>
-                                    <p:cond delay="0"/>
-                                  </p:stCondLst>
-                                  <p:childTnLst>
-                                    <p:set>
-                                      <p:cBhvr>
-                                        <p:cTn id="38" dur="1" fill="hold">
-                                          <p:stCondLst>
-                                            <p:cond delay="0"/>
-                                          </p:stCondLst>
-                                        </p:cTn>
-                                        <p:tgtEl>
-                                          <p:spTgt spid="17"/>
-                                        </p:tgtEl>
-                                        <p:attrNameLst>
-                                          <p:attrName>style.visibility</p:attrName>
-                                        </p:attrNameLst>
-                                      </p:cBhvr>
-                                      <p:to>
-                                        <p:strVal val="visible"/>
-                                      </p:to>
-                                    </p:set>
-                                  </p:childTnLst>
-                                </p:cTn>
-                              </p:par>
-                              <p:par>
-                                <p:cTn id="39" presetID="1" presetClass="entr" presetSubtype="0" fill="hold" grpId="0" nodeType="withEffect">
-                                  <p:stCondLst>
-                                    <p:cond delay="0"/>
-                                  </p:stCondLst>
-                                  <p:childTnLst>
-                                    <p:set>
-                                      <p:cBhvr>
-                                        <p:cTn id="40" dur="1" fill="hold">
-                                          <p:stCondLst>
-                                            <p:cond delay="0"/>
-                                          </p:stCondLst>
-                                        </p:cTn>
-                                        <p:tgtEl>
-                                          <p:spTgt spid="18"/>
-                                        </p:tgtEl>
-                                        <p:attrNameLst>
-                                          <p:attrName>style.visibility</p:attrName>
-                                        </p:attrNameLst>
-                                      </p:cBhvr>
-                                      <p:to>
-                                        <p:strVal val="visible"/>
-                                      </p:to>
-                                    </p:set>
-                                  </p:childTnLst>
-                                </p:cTn>
-                              </p:par>
-                            </p:childTnLst>
-                          </p:cTn>
-                        </p:par>
-                      </p:childTnLst>
-                    </p:cTn>
-                  </p:par>
-                  <p:par>
-                    <p:cTn id="41" fill="hold">
-                      <p:stCondLst>
-                        <p:cond delay="indefinite"/>
-                      </p:stCondLst>
-                      <p:childTnLst>
-                        <p:par>
-                          <p:cTn id="42" fill="hold">
-                            <p:stCondLst>
-                              <p:cond delay="0"/>
-                            </p:stCondLst>
-                            <p:childTnLst>
-                              <p:par>
-                                <p:cTn id="43" presetID="1" presetClass="entr" presetSubtype="0" fill="hold" nodeType="clickEffect">
-                                  <p:stCondLst>
-                                    <p:cond delay="0"/>
-                                  </p:stCondLst>
-                                  <p:childTnLst>
-                                    <p:set>
-                                      <p:cBhvr>
-                                        <p:cTn id="44" dur="1" fill="hold">
-                                          <p:stCondLst>
-                                            <p:cond delay="0"/>
-                                          </p:stCondLst>
-                                        </p:cTn>
-                                        <p:tgtEl>
-                                          <p:spTgt spid="20">
-                                            <p:txEl>
-                                              <p:pRg st="0" end="0"/>
-                                            </p:txEl>
-                                          </p:spTgt>
-                                        </p:tgtEl>
-                                        <p:attrNameLst>
-                                          <p:attrName>style.visibility</p:attrName>
-                                        </p:attrNameLst>
-                                      </p:cBhvr>
-                                      <p:to>
-                                        <p:strVal val="visible"/>
-                                      </p:to>
-                                    </p:set>
-                                  </p:childTnLst>
-                                </p:cTn>
-                              </p:par>
-                            </p:childTnLst>
-                          </p:cTn>
-                        </p:par>
-                      </p:childTnLst>
-                    </p:cTn>
-                  </p:par>
-                  <p:par>
-                    <p:cTn id="45" fill="hold">
-                      <p:stCondLst>
-                        <p:cond delay="indefinite"/>
-                      </p:stCondLst>
-                      <p:childTnLst>
-                        <p:par>
-                          <p:cTn id="46" fill="hold">
-                            <p:stCondLst>
-                              <p:cond delay="0"/>
-                            </p:stCondLst>
-                            <p:childTnLst>
-                              <p:par>
-                                <p:cTn id="47" presetID="1" presetClass="entr" presetSubtype="0" fill="hold" nodeType="clickEffect">
-                                  <p:stCondLst>
-                                    <p:cond delay="0"/>
-                                  </p:stCondLst>
-                                  <p:childTnLst>
-                                    <p:set>
-                                      <p:cBhvr>
-                                        <p:cTn id="48" dur="1" fill="hold">
-                                          <p:stCondLst>
-                                            <p:cond delay="0"/>
-                                          </p:stCondLst>
-                                        </p:cTn>
-                                        <p:tgtEl>
-                                          <p:spTgt spid="20">
-                                            <p:txEl>
-                                              <p:pRg st="1" end="1"/>
-                                            </p:txEl>
-                                          </p:spTgt>
-                                        </p:tgtEl>
-                                        <p:attrNameLst>
-                                          <p:attrName>style.visibility</p:attrName>
-                                        </p:attrNameLst>
-                                      </p:cBhvr>
-                                      <p:to>
-                                        <p:strVal val="visible"/>
-                                      </p:to>
-                                    </p:set>
-                                  </p:childTnLst>
-                                </p:cTn>
-                              </p:par>
-                            </p:childTnLst>
-                          </p:cTn>
-                        </p:par>
-                      </p:childTnLst>
-                    </p:cTn>
-                  </p:par>
-                </p:childTnLst>
-              </p:cTn>
-              <p:prevCondLst>
-                <p:cond evt="onPrev" delay="0">
-                  <p:tgtEl>
-                    <p:sldTgt/>
-                  </p:tgtEl>
-                </p:cond>
-              </p:prevCondLst>
-              <p:nextCondLst>
-                <p:cond evt="onNext" delay="0">
-                  <p:tgtEl>
-                    <p:sldTgt/>
-                  </p:tgtEl>
-                </p:cond>
-              </p:nextCondLst>
-            </p:seq>
-          </p:childTnLst>
-        </p:cTn>
-      </p:par>
-    </p:tnLst>
-    <p:bldLst>
-      <p:bldP spid="3" grpId="0" build="p"/>
-      <p:bldP spid="5" grpId="0" animBg="1"/>
-      <p:bldP spid="6" grpId="0" animBg="1"/>
-      <p:bldP spid="7" grpId="0" animBg="1"/>
-      <p:bldP spid="10" grpId="0" animBg="1"/>
-      <p:bldP spid="11" grpId="0" animBg="1"/>
-      <p:bldP spid="12" grpId="0" animBg="1"/>
-      <p:bldP spid="16" grpId="0"/>
-      <p:bldP spid="17" grpId="0"/>
-      <p:bldP spid="18" grpId="0"/>
+      <p:bldP spid="3" grpId="0" uiExpand="1" build="p"/>
     </p:bldLst>
   </p:timing>
 </p:sld>
@@ -7628,83 +6164,7 @@
             <a:spLocks noGrp="1"/>
           </p:cNvSpPr>
           <p:nvPr>
-            <p:ph type="title"/>
-          </p:nvPr>
-        </p:nvSpPr>
-        <p:spPr/>
-        <p:txBody>
-          <a:bodyPr>
-            <a:normAutofit fontScale="90000"/>
-          </a:bodyPr>
-          <a:lstStyle/>
-          <a:p>
-            <a:r>
-              <a:rPr lang="en-US" dirty="0"/>
-              <a:t>Work and Energy for Systems of Particles</a:t>
-            </a:r>
-          </a:p>
-        </p:txBody>
-      </p:sp>
-      <p:sp>
-        <p:nvSpPr>
-          <p:cNvPr id="3" name="Content Placeholder 2"/>
-          <p:cNvSpPr>
-            <a:spLocks noGrp="1"/>
-          </p:cNvSpPr>
-          <p:nvPr>
-            <p:ph idx="1"/>
-          </p:nvPr>
-        </p:nvSpPr>
-        <p:spPr/>
-        <p:txBody>
-          <a:bodyPr>
-            <a:normAutofit fontScale="85000" lnSpcReduction="10000"/>
-          </a:bodyPr>
-          <a:lstStyle/>
-          <a:p>
-            <a:r>
-              <a:rPr lang="en-US" dirty="0"/>
-              <a:t>One potential pitfall with the work and energy method is that we will only have a single equation to work with.</a:t>
-            </a:r>
-          </a:p>
-          <a:p>
-            <a:r>
-              <a:rPr lang="en-US" dirty="0"/>
-              <a:t>In order to determine the overall relationship between the position (gravitational potential energy) and velocity (kinetic energy) we will often need to use </a:t>
-            </a:r>
-            <a:r>
-              <a:rPr lang="en-US" b="1" dirty="0"/>
-              <a:t>constraint relationships established in kinematics</a:t>
-            </a:r>
-            <a:r>
-              <a:rPr lang="en-US" dirty="0"/>
-              <a:t> that we discussed with </a:t>
-            </a:r>
-            <a:r>
-              <a:rPr lang="en-US" b="1" dirty="0"/>
-              <a:t>dependent motion</a:t>
-            </a:r>
-            <a:r>
-              <a:rPr lang="en-US" dirty="0"/>
-              <a:t>.</a:t>
-            </a:r>
-          </a:p>
-          <a:p>
-            <a:r>
-              <a:rPr lang="en-US" dirty="0"/>
-              <a:t>Using these constrain equations, along with the conservation of energy equation itself, we can often solve for the forces applied, positions, and velocities of the particles in our system.</a:t>
-            </a:r>
-          </a:p>
-        </p:txBody>
-      </p:sp>
-      <p:sp>
-        <p:nvSpPr>
-          <p:cNvPr id="4" name="Slide Number Placeholder 3"/>
-          <p:cNvSpPr>
-            <a:spLocks noGrp="1"/>
-          </p:cNvSpPr>
-          <p:nvPr>
-            <p:ph type="sldNum" sz="quarter" idx="12"/>
+            <p:ph type="ctrTitle"/>
           </p:nvPr>
         </p:nvSpPr>
         <p:spPr/>
@@ -7712,204 +6172,45 @@
           <a:bodyPr/>
           <a:lstStyle/>
           <a:p>
-            <a:fld id="{929262FE-7F58-4A1E-8AF3-5A510A86DEBD}" type="slidenum">
-              <a:rPr lang="en-US" smtClean="0"/>
-              <a:t>6</a:t>
-            </a:fld>
-            <a:endParaRPr lang="en-US"/>
+            <a:r>
+              <a:rPr lang="en-US" dirty="0"/>
+              <a:t>Thanks for Watching</a:t>
+            </a:r>
+          </a:p>
+        </p:txBody>
+      </p:sp>
+      <p:sp>
+        <p:nvSpPr>
+          <p:cNvPr id="3" name="Subtitle 2"/>
+          <p:cNvSpPr>
+            <a:spLocks noGrp="1"/>
+          </p:cNvSpPr>
+          <p:nvPr>
+            <p:ph type="subTitle" idx="1"/>
+          </p:nvPr>
+        </p:nvSpPr>
+        <p:spPr/>
+        <p:txBody>
+          <a:bodyPr/>
+          <a:lstStyle/>
+          <a:p>
+            <a:r>
+              <a:rPr lang="en-US" dirty="0"/>
+              <a:t>See other engineering mechanics videos and access the full tool at…</a:t>
+            </a:r>
           </a:p>
         </p:txBody>
       </p:sp>
     </p:spTree>
     <p:extLst>
       <p:ext uri="{BB962C8B-B14F-4D97-AF65-F5344CB8AC3E}">
-        <p14:creationId xmlns:p14="http://schemas.microsoft.com/office/powerpoint/2010/main" val="3666582372"/>
+        <p14:creationId xmlns:p14="http://schemas.microsoft.com/office/powerpoint/2010/main" val="3129637585"/>
       </p:ext>
     </p:extLst>
   </p:cSld>
   <p:clrMapOvr>
     <a:masterClrMapping/>
   </p:clrMapOvr>
-  <p:timing>
-    <p:tnLst>
-      <p:par>
-        <p:cTn id="1" dur="indefinite" restart="never" nodeType="tmRoot">
-          <p:childTnLst>
-            <p:seq concurrent="1" nextAc="seek">
-              <p:cTn id="2" dur="indefinite" nodeType="mainSeq">
-                <p:childTnLst>
-                  <p:par>
-                    <p:cTn id="3" fill="hold">
-                      <p:stCondLst>
-                        <p:cond delay="indefinite"/>
-                      </p:stCondLst>
-                      <p:childTnLst>
-                        <p:par>
-                          <p:cTn id="4" fill="hold">
-                            <p:stCondLst>
-                              <p:cond delay="0"/>
-                            </p:stCondLst>
-                            <p:childTnLst>
-                              <p:par>
-                                <p:cTn id="5" presetID="1" presetClass="entr" presetSubtype="0" fill="hold" grpId="0" nodeType="clickEffect">
-                                  <p:stCondLst>
-                                    <p:cond delay="0"/>
-                                  </p:stCondLst>
-                                  <p:childTnLst>
-                                    <p:set>
-                                      <p:cBhvr>
-                                        <p:cTn id="6" dur="1" fill="hold">
-                                          <p:stCondLst>
-                                            <p:cond delay="0"/>
-                                          </p:stCondLst>
-                                        </p:cTn>
-                                        <p:tgtEl>
-                                          <p:spTgt spid="3">
-                                            <p:txEl>
-                                              <p:pRg st="0" end="0"/>
-                                            </p:txEl>
-                                          </p:spTgt>
-                                        </p:tgtEl>
-                                        <p:attrNameLst>
-                                          <p:attrName>style.visibility</p:attrName>
-                                        </p:attrNameLst>
-                                      </p:cBhvr>
-                                      <p:to>
-                                        <p:strVal val="visible"/>
-                                      </p:to>
-                                    </p:set>
-                                  </p:childTnLst>
-                                </p:cTn>
-                              </p:par>
-                            </p:childTnLst>
-                          </p:cTn>
-                        </p:par>
-                      </p:childTnLst>
-                    </p:cTn>
-                  </p:par>
-                  <p:par>
-                    <p:cTn id="7" fill="hold">
-                      <p:stCondLst>
-                        <p:cond delay="indefinite"/>
-                      </p:stCondLst>
-                      <p:childTnLst>
-                        <p:par>
-                          <p:cTn id="8" fill="hold">
-                            <p:stCondLst>
-                              <p:cond delay="0"/>
-                            </p:stCondLst>
-                            <p:childTnLst>
-                              <p:par>
-                                <p:cTn id="9" presetID="1" presetClass="entr" presetSubtype="0" fill="hold" grpId="0" nodeType="clickEffect">
-                                  <p:stCondLst>
-                                    <p:cond delay="0"/>
-                                  </p:stCondLst>
-                                  <p:childTnLst>
-                                    <p:set>
-                                      <p:cBhvr>
-                                        <p:cTn id="10" dur="1" fill="hold">
-                                          <p:stCondLst>
-                                            <p:cond delay="0"/>
-                                          </p:stCondLst>
-                                        </p:cTn>
-                                        <p:tgtEl>
-                                          <p:spTgt spid="3">
-                                            <p:txEl>
-                                              <p:pRg st="1" end="1"/>
-                                            </p:txEl>
-                                          </p:spTgt>
-                                        </p:tgtEl>
-                                        <p:attrNameLst>
-                                          <p:attrName>style.visibility</p:attrName>
-                                        </p:attrNameLst>
-                                      </p:cBhvr>
-                                      <p:to>
-                                        <p:strVal val="visible"/>
-                                      </p:to>
-                                    </p:set>
-                                  </p:childTnLst>
-                                </p:cTn>
-                              </p:par>
-                            </p:childTnLst>
-                          </p:cTn>
-                        </p:par>
-                      </p:childTnLst>
-                    </p:cTn>
-                  </p:par>
-                  <p:par>
-                    <p:cTn id="11" fill="hold">
-                      <p:stCondLst>
-                        <p:cond delay="indefinite"/>
-                      </p:stCondLst>
-                      <p:childTnLst>
-                        <p:par>
-                          <p:cTn id="12" fill="hold">
-                            <p:stCondLst>
-                              <p:cond delay="0"/>
-                            </p:stCondLst>
-                            <p:childTnLst>
-                              <p:par>
-                                <p:cTn id="13" presetID="1" presetClass="entr" presetSubtype="0" fill="hold" grpId="0" nodeType="clickEffect">
-                                  <p:stCondLst>
-                                    <p:cond delay="0"/>
-                                  </p:stCondLst>
-                                  <p:childTnLst>
-                                    <p:set>
-                                      <p:cBhvr>
-                                        <p:cTn id="14" dur="1" fill="hold">
-                                          <p:stCondLst>
-                                            <p:cond delay="0"/>
-                                          </p:stCondLst>
-                                        </p:cTn>
-                                        <p:tgtEl>
-                                          <p:spTgt spid="3">
-                                            <p:txEl>
-                                              <p:pRg st="2" end="2"/>
-                                            </p:txEl>
-                                          </p:spTgt>
-                                        </p:tgtEl>
-                                        <p:attrNameLst>
-                                          <p:attrName>style.visibility</p:attrName>
-                                        </p:attrNameLst>
-                                      </p:cBhvr>
-                                      <p:to>
-                                        <p:strVal val="visible"/>
-                                      </p:to>
-                                    </p:set>
-                                  </p:childTnLst>
-                                </p:cTn>
-                              </p:par>
-                            </p:childTnLst>
-                          </p:cTn>
-                        </p:par>
-                      </p:childTnLst>
-                    </p:cTn>
-                  </p:par>
-                </p:childTnLst>
-              </p:cTn>
-              <p:prevCondLst>
-                <p:cond evt="onPrev" delay="0">
-                  <p:tgtEl>
-                    <p:sldTgt/>
-                  </p:tgtEl>
-                </p:cond>
-              </p:prevCondLst>
-              <p:nextCondLst>
-                <p:cond evt="onNext" delay="0">
-                  <p:tgtEl>
-                    <p:sldTgt/>
-                  </p:tgtEl>
-                </p:cond>
-              </p:nextCondLst>
-            </p:seq>
-          </p:childTnLst>
-        </p:cTn>
-      </p:par>
-    </p:tnLst>
-    <p:bldLst>
-      <p:bldP spid="3" grpId="0" build="p"/>
-    </p:bldLst>
-  </p:timing>
 </p:sld>
 </file>
 
@@ -7935,7 +6236,7 @@
           <p:cNvPr id="2" name="Title 1">
             <a:extLst>
               <a:ext uri="{FF2B5EF4-FFF2-40B4-BE49-F238E27FC236}">
-                <a16:creationId xmlns:a16="http://schemas.microsoft.com/office/drawing/2014/main" id="{61A07C29-9A58-4871-BDC5-A36C637901C2}"/>
+                <a16:creationId xmlns:a16="http://schemas.microsoft.com/office/drawing/2014/main" id="{A3698420-6908-4367-BB0E-B9A4F981C0E9}"/>
               </a:ext>
             </a:extLst>
           </p:cNvPr>
@@ -7949,713 +6250,188 @@
         <p:spPr/>
         <p:txBody>
           <a:bodyPr>
-            <a:normAutofit fontScale="90000"/>
+            <a:normAutofit/>
           </a:bodyPr>
           <a:lstStyle/>
           <a:p>
             <a:r>
               <a:rPr lang="en-US" dirty="0"/>
-              <a:t>Solving a Work and Energy Problem</a:t>
-            </a:r>
-            <a:br>
-              <a:rPr lang="en-US" dirty="0"/>
-            </a:br>
-            <a:r>
-              <a:rPr lang="en-US" dirty="0"/>
-              <a:t>(The Process)</a:t>
-            </a:r>
-          </a:p>
-        </p:txBody>
-      </p:sp>
-      <mc:AlternateContent xmlns:mc="http://schemas.openxmlformats.org/markup-compatibility/2006" xmlns:a14="http://schemas.microsoft.com/office/drawing/2010/main">
-        <mc:Choice Requires="a14">
-          <p:sp>
-            <p:nvSpPr>
-              <p:cNvPr id="3" name="Content Placeholder 2">
-                <a:extLst>
-                  <a:ext uri="{FF2B5EF4-FFF2-40B4-BE49-F238E27FC236}">
-                    <a16:creationId xmlns:a16="http://schemas.microsoft.com/office/drawing/2014/main" id="{A0280897-CDB5-4D78-9300-B055EC7031D9}"/>
-                  </a:ext>
-                </a:extLst>
-              </p:cNvPr>
-              <p:cNvSpPr>
-                <a:spLocks noGrp="1"/>
-              </p:cNvSpPr>
-              <p:nvPr>
-                <p:ph idx="1"/>
-              </p:nvPr>
-            </p:nvSpPr>
-            <p:spPr>
-              <a:xfrm>
-                <a:off x="457200" y="1600200"/>
-                <a:ext cx="8229600" cy="4648200"/>
-              </a:xfrm>
-            </p:spPr>
-            <p:txBody>
-              <a:bodyPr>
-                <a:normAutofit fontScale="70000" lnSpcReduction="20000"/>
-              </a:bodyPr>
-              <a:lstStyle/>
-              <a:p>
-                <a:r>
-                  <a:rPr lang="en-US" dirty="0"/>
-                  <a:t>Solving a work and energy involves three steps, carefully accounting for the factors at play between some initial state and some final state.</a:t>
-                </a:r>
-              </a:p>
-              <a:p>
-                <a:pPr marL="514350" indent="-514350">
-                  <a:buFont typeface="+mj-lt"/>
-                  <a:buAutoNum type="arabicPeriod"/>
-                </a:pPr>
-                <a:r>
-                  <a:rPr lang="en-US" dirty="0"/>
-                  <a:t>Set up one diagram showing the initial state and set up some other diagram for the final state.</a:t>
-                </a:r>
-              </a:p>
-              <a:p>
-                <a:pPr marL="914400" lvl="1" indent="-514350"/>
-                <a:r>
-                  <a:rPr lang="en-US" dirty="0"/>
-                  <a:t>Identify any </a:t>
-                </a:r>
-                <a:r>
-                  <a:rPr lang="en-US" dirty="0">
-                    <a:solidFill>
-                      <a:srgbClr val="FF0000"/>
-                    </a:solidFill>
-                  </a:rPr>
-                  <a:t>external</a:t>
-                </a:r>
-                <a:r>
-                  <a:rPr lang="en-US" dirty="0"/>
-                  <a:t> </a:t>
-                </a:r>
-                <a:r>
-                  <a:rPr lang="en-US" dirty="0">
-                    <a:solidFill>
-                      <a:srgbClr val="FF0000"/>
-                    </a:solidFill>
-                  </a:rPr>
-                  <a:t>forces</a:t>
-                </a:r>
-                <a:r>
-                  <a:rPr lang="en-US" dirty="0"/>
-                  <a:t> that will do work between the two states</a:t>
-                </a:r>
-              </a:p>
-              <a:p>
-                <a:pPr marL="914400" lvl="1" indent="-514350"/>
-                <a:r>
-                  <a:rPr lang="en-US" dirty="0"/>
-                  <a:t>Identify the known or unknown </a:t>
-                </a:r>
-                <a:r>
-                  <a:rPr lang="en-US" dirty="0">
-                    <a:solidFill>
-                      <a:schemeClr val="accent1"/>
-                    </a:solidFill>
-                  </a:rPr>
-                  <a:t>velocities</a:t>
-                </a:r>
-                <a:r>
-                  <a:rPr lang="en-US" dirty="0"/>
-                  <a:t> in each state</a:t>
-                </a:r>
-              </a:p>
-              <a:p>
-                <a:pPr marL="914400" lvl="1" indent="-514350"/>
-                <a:r>
-                  <a:rPr lang="en-US" dirty="0"/>
-                  <a:t>Identify the changes in </a:t>
-                </a:r>
-                <a:r>
-                  <a:rPr lang="en-US" dirty="0">
-                    <a:solidFill>
-                      <a:schemeClr val="accent1"/>
-                    </a:solidFill>
-                  </a:rPr>
-                  <a:t>height</a:t>
-                </a:r>
-                <a:r>
-                  <a:rPr lang="en-US" dirty="0"/>
-                  <a:t> if applicable</a:t>
-                </a:r>
-              </a:p>
-              <a:p>
-                <a:pPr marL="914400" lvl="1" indent="-514350"/>
-                <a:r>
-                  <a:rPr lang="en-US" dirty="0"/>
-                  <a:t>Identify the </a:t>
-                </a:r>
-                <a:r>
-                  <a:rPr lang="en-US" dirty="0">
-                    <a:solidFill>
-                      <a:schemeClr val="accent1"/>
-                    </a:solidFill>
-                  </a:rPr>
-                  <a:t>‘x’</a:t>
-                </a:r>
-                <a:r>
-                  <a:rPr lang="en-US" dirty="0"/>
-                  <a:t> values for the initial and final values if applicable</a:t>
-                </a:r>
-              </a:p>
-              <a:p>
-                <a:pPr marL="514350" indent="-514350">
-                  <a:buFont typeface="+mj-lt"/>
-                  <a:buAutoNum type="arabicPeriod"/>
-                </a:pPr>
-                <a:r>
-                  <a:rPr lang="en-US" dirty="0"/>
-                  <a:t>Use the diagram to put together the single conservation of energy equation, with included known and unknown values.</a:t>
-                </a:r>
-              </a:p>
-              <a:p>
-                <a:pPr marL="914400" lvl="1" indent="-514350"/>
-                <a14:m>
-                  <m:oMath xmlns:m="http://schemas.openxmlformats.org/officeDocument/2006/math">
-                    <m:r>
-                      <m:rPr>
-                        <m:sty m:val="p"/>
-                      </m:rPr>
-                      <a:rPr lang="en-US">
-                        <a:latin typeface="Cambria Math"/>
-                      </a:rPr>
-                      <m:t>W</m:t>
-                    </m:r>
-                    <m:r>
-                      <a:rPr lang="en-US">
-                        <a:latin typeface="Cambria Math"/>
-                      </a:rPr>
-                      <m:t>=∆</m:t>
-                    </m:r>
-                    <m:r>
-                      <m:rPr>
-                        <m:sty m:val="p"/>
-                      </m:rPr>
-                      <a:rPr lang="en-US">
-                        <a:latin typeface="Cambria Math"/>
-                        <a:ea typeface="Cambria Math"/>
-                      </a:rPr>
-                      <m:t>KE</m:t>
-                    </m:r>
-                    <m:r>
-                      <a:rPr lang="en-US">
-                        <a:latin typeface="Cambria Math"/>
-                        <a:ea typeface="Cambria Math"/>
-                      </a:rPr>
-                      <m:t>+∆</m:t>
-                    </m:r>
-                    <m:r>
-                      <m:rPr>
-                        <m:sty m:val="p"/>
-                      </m:rPr>
-                      <a:rPr lang="en-US">
-                        <a:latin typeface="Cambria Math"/>
-                        <a:ea typeface="Cambria Math"/>
-                      </a:rPr>
-                      <m:t>PE</m:t>
-                    </m:r>
-                  </m:oMath>
-                </a14:m>
-                <a:endParaRPr lang="en-US" dirty="0"/>
-              </a:p>
-              <a:p>
-                <a:pPr marL="914400" lvl="1" indent="-514350"/>
-                <a:r>
-                  <a:rPr lang="en-US" dirty="0"/>
-                  <a:t>If you have more than one unknown you will need to come up with additional equations relating the unknowns you have.</a:t>
-                </a:r>
-              </a:p>
-              <a:p>
-                <a:pPr marL="514350" indent="-514350">
-                  <a:buFont typeface="+mj-lt"/>
-                  <a:buAutoNum type="arabicPeriod"/>
-                </a:pPr>
-                <a:r>
-                  <a:rPr lang="en-US" dirty="0"/>
-                  <a:t>Solve the equations for the unknown quantity</a:t>
-                </a:r>
-              </a:p>
-              <a:p>
-                <a:pPr marL="514350" indent="-514350">
-                  <a:buFont typeface="+mj-lt"/>
-                  <a:buAutoNum type="arabicPeriod"/>
-                </a:pPr>
-                <a:endParaRPr lang="en-US" dirty="0"/>
-              </a:p>
-            </p:txBody>
-          </p:sp>
-        </mc:Choice>
-        <mc:Fallback xmlns="">
-          <p:sp>
-            <p:nvSpPr>
-              <p:cNvPr id="3" name="Content Placeholder 2">
-                <a:extLst>
-                  <a:ext uri="{FF2B5EF4-FFF2-40B4-BE49-F238E27FC236}">
-                    <a16:creationId xmlns:a16="http://schemas.microsoft.com/office/drawing/2014/main" id="{A0280897-CDB5-4D78-9300-B055EC7031D9}"/>
-                  </a:ext>
-                </a:extLst>
-              </p:cNvPr>
-              <p:cNvSpPr>
-                <a:spLocks noGrp="1" noRot="1" noChangeAspect="1" noMove="1" noResize="1" noEditPoints="1" noAdjustHandles="1" noChangeArrowheads="1" noChangeShapeType="1" noTextEdit="1"/>
-              </p:cNvSpPr>
-              <p:nvPr>
-                <p:ph idx="1"/>
-              </p:nvPr>
-            </p:nvSpPr>
-            <p:spPr>
-              <a:xfrm>
-                <a:off x="457200" y="1600200"/>
-                <a:ext cx="8229600" cy="4648200"/>
-              </a:xfrm>
-              <a:blipFill>
-                <a:blip r:embed="rId2"/>
-                <a:stretch>
-                  <a:fillRect l="-963" t="-2231" r="-1333" b="-1181"/>
-                </a:stretch>
-              </a:blipFill>
-            </p:spPr>
-            <p:txBody>
-              <a:bodyPr/>
-              <a:lstStyle/>
-              <a:p>
-                <a:r>
-                  <a:rPr lang="en-US">
-                    <a:noFill/>
-                  </a:rPr>
-                  <a:t> </a:t>
-                </a:r>
-              </a:p>
-            </p:txBody>
-          </p:sp>
-        </mc:Fallback>
-      </mc:AlternateContent>
+              <a:t>Efficiency Worked Example</a:t>
+            </a:r>
+          </a:p>
+        </p:txBody>
+      </p:sp>
+      <p:sp>
+        <p:nvSpPr>
+          <p:cNvPr id="3" name="Content Placeholder 2">
+            <a:extLst>
+              <a:ext uri="{FF2B5EF4-FFF2-40B4-BE49-F238E27FC236}">
+                <a16:creationId xmlns:a16="http://schemas.microsoft.com/office/drawing/2014/main" id="{8D703C96-B50D-40F0-86DB-E5943225547E}"/>
+              </a:ext>
+            </a:extLst>
+          </p:cNvPr>
+          <p:cNvSpPr>
+            <a:spLocks noGrp="1"/>
+          </p:cNvSpPr>
+          <p:nvPr>
+            <p:ph idx="1"/>
+          </p:nvPr>
+        </p:nvSpPr>
+        <p:spPr>
+          <a:xfrm>
+            <a:off x="457200" y="1600201"/>
+            <a:ext cx="8229600" cy="2209800"/>
+          </a:xfrm>
+        </p:spPr>
+        <p:txBody>
+          <a:bodyPr>
+            <a:normAutofit fontScale="85000" lnSpcReduction="10000"/>
+          </a:bodyPr>
+          <a:lstStyle/>
+          <a:p>
+            <a:r>
+              <a:rPr lang="en-US" b="0" i="0" dirty="0">
+                <a:solidFill>
+                  <a:srgbClr val="000000"/>
+                </a:solidFill>
+                <a:effectLst/>
+                <a:latin typeface="Arial" panose="020B0604020202020204" pitchFamily="34" charset="0"/>
+              </a:rPr>
+              <a:t>In a hydraulic system, a 6kN force is exerted over a 50 cm stroke length at the input piston. A 950N force is measured at the output over the 300cm stroke length. Based on these measurements, what is the efficiency of the hydraulic system?</a:t>
+            </a:r>
+            <a:endParaRPr lang="en-US" dirty="0"/>
+          </a:p>
+        </p:txBody>
+      </p:sp>
+      <p:sp>
+        <p:nvSpPr>
+          <p:cNvPr id="4" name="Slide Number Placeholder 3">
+            <a:extLst>
+              <a:ext uri="{FF2B5EF4-FFF2-40B4-BE49-F238E27FC236}">
+                <a16:creationId xmlns:a16="http://schemas.microsoft.com/office/drawing/2014/main" id="{E2478EB3-1740-47E4-B30F-A365C7CD3C95}"/>
+              </a:ext>
+            </a:extLst>
+          </p:cNvPr>
+          <p:cNvSpPr>
+            <a:spLocks noGrp="1"/>
+          </p:cNvSpPr>
+          <p:nvPr>
+            <p:ph type="sldNum" sz="quarter" idx="12"/>
+          </p:nvPr>
+        </p:nvSpPr>
+        <p:spPr/>
+        <p:txBody>
+          <a:bodyPr/>
+          <a:lstStyle/>
+          <a:p>
+            <a:fld id="{929262FE-7F58-4A1E-8AF3-5A510A86DEBD}" type="slidenum">
+              <a:rPr lang="en-US" smtClean="0"/>
+              <a:t>7</a:t>
+            </a:fld>
+            <a:endParaRPr lang="en-US" dirty="0"/>
+          </a:p>
+        </p:txBody>
+      </p:sp>
+      <p:pic>
+        <p:nvPicPr>
+          <p:cNvPr id="1026" name="Picture 2" descr="Problem 1 Diagram">
+            <a:extLst>
+              <a:ext uri="{FF2B5EF4-FFF2-40B4-BE49-F238E27FC236}">
+                <a16:creationId xmlns:a16="http://schemas.microsoft.com/office/drawing/2014/main" id="{8E78D3B8-52E9-4CAF-B5AF-021D6A72CC59}"/>
+              </a:ext>
+            </a:extLst>
+          </p:cNvPr>
+          <p:cNvPicPr>
+            <a:picLocks noChangeAspect="1" noChangeArrowheads="1"/>
+          </p:cNvPicPr>
+          <p:nvPr/>
+        </p:nvPicPr>
+        <p:blipFill>
+          <a:blip r:embed="rId2">
+            <a:extLst>
+              <a:ext uri="{28A0092B-C50C-407E-A947-70E740481C1C}">
+                <a14:useLocalDpi xmlns:a14="http://schemas.microsoft.com/office/drawing/2010/main" val="0"/>
+              </a:ext>
+            </a:extLst>
+          </a:blip>
+          <a:srcRect/>
+          <a:stretch>
+            <a:fillRect/>
+          </a:stretch>
+        </p:blipFill>
+        <p:spPr bwMode="auto">
+          <a:xfrm>
+            <a:off x="2190750" y="3679825"/>
+            <a:ext cx="4762500" cy="2657475"/>
+          </a:xfrm>
+          <a:prstGeom prst="rect">
+            <a:avLst/>
+          </a:prstGeom>
+          <a:noFill/>
+          <a:extLst>
+            <a:ext uri="{909E8E84-426E-40DD-AFC4-6F175D3DCCD1}">
+              <a14:hiddenFill xmlns:a14="http://schemas.microsoft.com/office/drawing/2010/main">
+                <a:solidFill>
+                  <a:srgbClr val="FFFFFF"/>
+                </a:solidFill>
+              </a14:hiddenFill>
+            </a:ext>
+          </a:extLst>
+        </p:spPr>
+      </p:pic>
+      <p:sp>
+        <p:nvSpPr>
+          <p:cNvPr id="7" name="TextBox 6">
+            <a:extLst>
+              <a:ext uri="{FF2B5EF4-FFF2-40B4-BE49-F238E27FC236}">
+                <a16:creationId xmlns:a16="http://schemas.microsoft.com/office/drawing/2014/main" id="{11D49F3A-5061-47B3-B57A-7B52AD9105A0}"/>
+              </a:ext>
+            </a:extLst>
+          </p:cNvPr>
+          <p:cNvSpPr txBox="1"/>
+          <p:nvPr/>
+        </p:nvSpPr>
+        <p:spPr>
+          <a:xfrm>
+            <a:off x="2200275" y="6336268"/>
+            <a:ext cx="4572000" cy="369332"/>
+          </a:xfrm>
+          <a:prstGeom prst="rect">
+            <a:avLst/>
+          </a:prstGeom>
+          <a:noFill/>
+        </p:spPr>
+        <p:txBody>
+          <a:bodyPr wrap="square">
+            <a:spAutoFit/>
+          </a:bodyPr>
+          <a:lstStyle/>
+          <a:p>
+            <a:pPr algn="ctr"/>
+            <a:r>
+              <a:rPr lang="en-US" b="0" i="0" dirty="0">
+                <a:solidFill>
+                  <a:srgbClr val="000000"/>
+                </a:solidFill>
+                <a:effectLst/>
+                <a:latin typeface="Arial" panose="020B0604020202020204" pitchFamily="34" charset="0"/>
+              </a:rPr>
+              <a:t>Image by Cjp24 CC-BY-SA 3.0</a:t>
+            </a:r>
+            <a:endParaRPr lang="en-US" dirty="0"/>
+          </a:p>
+        </p:txBody>
+      </p:sp>
     </p:spTree>
     <p:extLst>
       <p:ext uri="{BB962C8B-B14F-4D97-AF65-F5344CB8AC3E}">
-        <p14:creationId xmlns:p14="http://schemas.microsoft.com/office/powerpoint/2010/main" val="1540654682"/>
+        <p14:creationId xmlns:p14="http://schemas.microsoft.com/office/powerpoint/2010/main" val="4037879409"/>
       </p:ext>
     </p:extLst>
   </p:cSld>
   <p:clrMapOvr>
     <a:masterClrMapping/>
   </p:clrMapOvr>
-  <p:timing>
-    <p:tnLst>
-      <p:par>
-        <p:cTn id="1" dur="indefinite" restart="never" nodeType="tmRoot">
-          <p:childTnLst>
-            <p:seq concurrent="1" nextAc="seek">
-              <p:cTn id="2" dur="indefinite" nodeType="mainSeq">
-                <p:childTnLst>
-                  <p:par>
-                    <p:cTn id="3" fill="hold">
-                      <p:stCondLst>
-                        <p:cond delay="indefinite"/>
-                      </p:stCondLst>
-                      <p:childTnLst>
-                        <p:par>
-                          <p:cTn id="4" fill="hold">
-                            <p:stCondLst>
-                              <p:cond delay="0"/>
-                            </p:stCondLst>
-                            <p:childTnLst>
-                              <p:par>
-                                <p:cTn id="5" presetID="1" presetClass="entr" presetSubtype="0" fill="hold" grpId="0" nodeType="clickEffect">
-                                  <p:stCondLst>
-                                    <p:cond delay="0"/>
-                                  </p:stCondLst>
-                                  <p:childTnLst>
-                                    <p:set>
-                                      <p:cBhvr>
-                                        <p:cTn id="6" dur="1" fill="hold">
-                                          <p:stCondLst>
-                                            <p:cond delay="0"/>
-                                          </p:stCondLst>
-                                        </p:cTn>
-                                        <p:tgtEl>
-                                          <p:spTgt spid="3">
-                                            <p:txEl>
-                                              <p:pRg st="0" end="0"/>
-                                            </p:txEl>
-                                          </p:spTgt>
-                                        </p:tgtEl>
-                                        <p:attrNameLst>
-                                          <p:attrName>style.visibility</p:attrName>
-                                        </p:attrNameLst>
-                                      </p:cBhvr>
-                                      <p:to>
-                                        <p:strVal val="visible"/>
-                                      </p:to>
-                                    </p:set>
-                                  </p:childTnLst>
-                                </p:cTn>
-                              </p:par>
-                            </p:childTnLst>
-                          </p:cTn>
-                        </p:par>
-                      </p:childTnLst>
-                    </p:cTn>
-                  </p:par>
-                  <p:par>
-                    <p:cTn id="7" fill="hold">
-                      <p:stCondLst>
-                        <p:cond delay="indefinite"/>
-                      </p:stCondLst>
-                      <p:childTnLst>
-                        <p:par>
-                          <p:cTn id="8" fill="hold">
-                            <p:stCondLst>
-                              <p:cond delay="0"/>
-                            </p:stCondLst>
-                            <p:childTnLst>
-                              <p:par>
-                                <p:cTn id="9" presetID="1" presetClass="entr" presetSubtype="0" fill="hold" grpId="0" nodeType="clickEffect">
-                                  <p:stCondLst>
-                                    <p:cond delay="0"/>
-                                  </p:stCondLst>
-                                  <p:childTnLst>
-                                    <p:set>
-                                      <p:cBhvr>
-                                        <p:cTn id="10" dur="1" fill="hold">
-                                          <p:stCondLst>
-                                            <p:cond delay="0"/>
-                                          </p:stCondLst>
-                                        </p:cTn>
-                                        <p:tgtEl>
-                                          <p:spTgt spid="3">
-                                            <p:txEl>
-                                              <p:pRg st="1" end="1"/>
-                                            </p:txEl>
-                                          </p:spTgt>
-                                        </p:tgtEl>
-                                        <p:attrNameLst>
-                                          <p:attrName>style.visibility</p:attrName>
-                                        </p:attrNameLst>
-                                      </p:cBhvr>
-                                      <p:to>
-                                        <p:strVal val="visible"/>
-                                      </p:to>
-                                    </p:set>
-                                  </p:childTnLst>
-                                </p:cTn>
-                              </p:par>
-                              <p:par>
-                                <p:cTn id="11" presetID="1" presetClass="entr" presetSubtype="0" fill="hold" grpId="0" nodeType="withEffect">
-                                  <p:stCondLst>
-                                    <p:cond delay="0"/>
-                                  </p:stCondLst>
-                                  <p:childTnLst>
-                                    <p:set>
-                                      <p:cBhvr>
-                                        <p:cTn id="12" dur="1" fill="hold">
-                                          <p:stCondLst>
-                                            <p:cond delay="0"/>
-                                          </p:stCondLst>
-                                        </p:cTn>
-                                        <p:tgtEl>
-                                          <p:spTgt spid="3">
-                                            <p:txEl>
-                                              <p:pRg st="2" end="2"/>
-                                            </p:txEl>
-                                          </p:spTgt>
-                                        </p:tgtEl>
-                                        <p:attrNameLst>
-                                          <p:attrName>style.visibility</p:attrName>
-                                        </p:attrNameLst>
-                                      </p:cBhvr>
-                                      <p:to>
-                                        <p:strVal val="visible"/>
-                                      </p:to>
-                                    </p:set>
-                                  </p:childTnLst>
-                                </p:cTn>
-                              </p:par>
-                              <p:par>
-                                <p:cTn id="13" presetID="1" presetClass="entr" presetSubtype="0" fill="hold" grpId="0" nodeType="withEffect">
-                                  <p:stCondLst>
-                                    <p:cond delay="0"/>
-                                  </p:stCondLst>
-                                  <p:childTnLst>
-                                    <p:set>
-                                      <p:cBhvr>
-                                        <p:cTn id="14" dur="1" fill="hold">
-                                          <p:stCondLst>
-                                            <p:cond delay="0"/>
-                                          </p:stCondLst>
-                                        </p:cTn>
-                                        <p:tgtEl>
-                                          <p:spTgt spid="3">
-                                            <p:txEl>
-                                              <p:pRg st="3" end="3"/>
-                                            </p:txEl>
-                                          </p:spTgt>
-                                        </p:tgtEl>
-                                        <p:attrNameLst>
-                                          <p:attrName>style.visibility</p:attrName>
-                                        </p:attrNameLst>
-                                      </p:cBhvr>
-                                      <p:to>
-                                        <p:strVal val="visible"/>
-                                      </p:to>
-                                    </p:set>
-                                  </p:childTnLst>
-                                </p:cTn>
-                              </p:par>
-                              <p:par>
-                                <p:cTn id="15" presetID="1" presetClass="entr" presetSubtype="0" fill="hold" grpId="0" nodeType="withEffect">
-                                  <p:stCondLst>
-                                    <p:cond delay="0"/>
-                                  </p:stCondLst>
-                                  <p:childTnLst>
-                                    <p:set>
-                                      <p:cBhvr>
-                                        <p:cTn id="16" dur="1" fill="hold">
-                                          <p:stCondLst>
-                                            <p:cond delay="0"/>
-                                          </p:stCondLst>
-                                        </p:cTn>
-                                        <p:tgtEl>
-                                          <p:spTgt spid="3">
-                                            <p:txEl>
-                                              <p:pRg st="4" end="4"/>
-                                            </p:txEl>
-                                          </p:spTgt>
-                                        </p:tgtEl>
-                                        <p:attrNameLst>
-                                          <p:attrName>style.visibility</p:attrName>
-                                        </p:attrNameLst>
-                                      </p:cBhvr>
-                                      <p:to>
-                                        <p:strVal val="visible"/>
-                                      </p:to>
-                                    </p:set>
-                                  </p:childTnLst>
-                                </p:cTn>
-                              </p:par>
-                              <p:par>
-                                <p:cTn id="17" presetID="1" presetClass="entr" presetSubtype="0" fill="hold" grpId="0" nodeType="withEffect">
-                                  <p:stCondLst>
-                                    <p:cond delay="0"/>
-                                  </p:stCondLst>
-                                  <p:childTnLst>
-                                    <p:set>
-                                      <p:cBhvr>
-                                        <p:cTn id="18" dur="1" fill="hold">
-                                          <p:stCondLst>
-                                            <p:cond delay="0"/>
-                                          </p:stCondLst>
-                                        </p:cTn>
-                                        <p:tgtEl>
-                                          <p:spTgt spid="3">
-                                            <p:txEl>
-                                              <p:pRg st="5" end="5"/>
-                                            </p:txEl>
-                                          </p:spTgt>
-                                        </p:tgtEl>
-                                        <p:attrNameLst>
-                                          <p:attrName>style.visibility</p:attrName>
-                                        </p:attrNameLst>
-                                      </p:cBhvr>
-                                      <p:to>
-                                        <p:strVal val="visible"/>
-                                      </p:to>
-                                    </p:set>
-                                  </p:childTnLst>
-                                </p:cTn>
-                              </p:par>
-                            </p:childTnLst>
-                          </p:cTn>
-                        </p:par>
-                      </p:childTnLst>
-                    </p:cTn>
-                  </p:par>
-                  <p:par>
-                    <p:cTn id="19" fill="hold">
-                      <p:stCondLst>
-                        <p:cond delay="indefinite"/>
-                      </p:stCondLst>
-                      <p:childTnLst>
-                        <p:par>
-                          <p:cTn id="20" fill="hold">
-                            <p:stCondLst>
-                              <p:cond delay="0"/>
-                            </p:stCondLst>
-                            <p:childTnLst>
-                              <p:par>
-                                <p:cTn id="21" presetID="1" presetClass="entr" presetSubtype="0" fill="hold" grpId="0" nodeType="clickEffect">
-                                  <p:stCondLst>
-                                    <p:cond delay="0"/>
-                                  </p:stCondLst>
-                                  <p:childTnLst>
-                                    <p:set>
-                                      <p:cBhvr>
-                                        <p:cTn id="22" dur="1" fill="hold">
-                                          <p:stCondLst>
-                                            <p:cond delay="0"/>
-                                          </p:stCondLst>
-                                        </p:cTn>
-                                        <p:tgtEl>
-                                          <p:spTgt spid="3">
-                                            <p:txEl>
-                                              <p:pRg st="6" end="6"/>
-                                            </p:txEl>
-                                          </p:spTgt>
-                                        </p:tgtEl>
-                                        <p:attrNameLst>
-                                          <p:attrName>style.visibility</p:attrName>
-                                        </p:attrNameLst>
-                                      </p:cBhvr>
-                                      <p:to>
-                                        <p:strVal val="visible"/>
-                                      </p:to>
-                                    </p:set>
-                                  </p:childTnLst>
-                                </p:cTn>
-                              </p:par>
-                              <p:par>
-                                <p:cTn id="23" presetID="1" presetClass="entr" presetSubtype="0" fill="hold" grpId="0" nodeType="withEffect">
-                                  <p:stCondLst>
-                                    <p:cond delay="0"/>
-                                  </p:stCondLst>
-                                  <p:childTnLst>
-                                    <p:set>
-                                      <p:cBhvr>
-                                        <p:cTn id="24" dur="1" fill="hold">
-                                          <p:stCondLst>
-                                            <p:cond delay="0"/>
-                                          </p:stCondLst>
-                                        </p:cTn>
-                                        <p:tgtEl>
-                                          <p:spTgt spid="3">
-                                            <p:txEl>
-                                              <p:pRg st="7" end="7"/>
-                                            </p:txEl>
-                                          </p:spTgt>
-                                        </p:tgtEl>
-                                        <p:attrNameLst>
-                                          <p:attrName>style.visibility</p:attrName>
-                                        </p:attrNameLst>
-                                      </p:cBhvr>
-                                      <p:to>
-                                        <p:strVal val="visible"/>
-                                      </p:to>
-                                    </p:set>
-                                  </p:childTnLst>
-                                </p:cTn>
-                              </p:par>
-                              <p:par>
-                                <p:cTn id="25" presetID="1" presetClass="entr" presetSubtype="0" fill="hold" grpId="0" nodeType="withEffect">
-                                  <p:stCondLst>
-                                    <p:cond delay="0"/>
-                                  </p:stCondLst>
-                                  <p:childTnLst>
-                                    <p:set>
-                                      <p:cBhvr>
-                                        <p:cTn id="26" dur="1" fill="hold">
-                                          <p:stCondLst>
-                                            <p:cond delay="0"/>
-                                          </p:stCondLst>
-                                        </p:cTn>
-                                        <p:tgtEl>
-                                          <p:spTgt spid="3">
-                                            <p:txEl>
-                                              <p:pRg st="8" end="8"/>
-                                            </p:txEl>
-                                          </p:spTgt>
-                                        </p:tgtEl>
-                                        <p:attrNameLst>
-                                          <p:attrName>style.visibility</p:attrName>
-                                        </p:attrNameLst>
-                                      </p:cBhvr>
-                                      <p:to>
-                                        <p:strVal val="visible"/>
-                                      </p:to>
-                                    </p:set>
-                                  </p:childTnLst>
-                                </p:cTn>
-                              </p:par>
-                            </p:childTnLst>
-                          </p:cTn>
-                        </p:par>
-                      </p:childTnLst>
-                    </p:cTn>
-                  </p:par>
-                  <p:par>
-                    <p:cTn id="27" fill="hold">
-                      <p:stCondLst>
-                        <p:cond delay="indefinite"/>
-                      </p:stCondLst>
-                      <p:childTnLst>
-                        <p:par>
-                          <p:cTn id="28" fill="hold">
-                            <p:stCondLst>
-                              <p:cond delay="0"/>
-                            </p:stCondLst>
-                            <p:childTnLst>
-                              <p:par>
-                                <p:cTn id="29" presetID="1" presetClass="entr" presetSubtype="0" fill="hold" grpId="0" nodeType="clickEffect">
-                                  <p:stCondLst>
-                                    <p:cond delay="0"/>
-                                  </p:stCondLst>
-                                  <p:childTnLst>
-                                    <p:set>
-                                      <p:cBhvr>
-                                        <p:cTn id="30" dur="1" fill="hold">
-                                          <p:stCondLst>
-                                            <p:cond delay="0"/>
-                                          </p:stCondLst>
-                                        </p:cTn>
-                                        <p:tgtEl>
-                                          <p:spTgt spid="3">
-                                            <p:txEl>
-                                              <p:pRg st="9" end="9"/>
-                                            </p:txEl>
-                                          </p:spTgt>
-                                        </p:tgtEl>
-                                        <p:attrNameLst>
-                                          <p:attrName>style.visibility</p:attrName>
-                                        </p:attrNameLst>
-                                      </p:cBhvr>
-                                      <p:to>
-                                        <p:strVal val="visible"/>
-                                      </p:to>
-                                    </p:set>
-                                  </p:childTnLst>
-                                </p:cTn>
-                              </p:par>
-                            </p:childTnLst>
-                          </p:cTn>
-                        </p:par>
-                      </p:childTnLst>
-                    </p:cTn>
-                  </p:par>
-                </p:childTnLst>
-              </p:cTn>
-              <p:prevCondLst>
-                <p:cond evt="onPrev" delay="0">
-                  <p:tgtEl>
-                    <p:sldTgt/>
-                  </p:tgtEl>
-                </p:cond>
-              </p:prevCondLst>
-              <p:nextCondLst>
-                <p:cond evt="onNext" delay="0">
-                  <p:tgtEl>
-                    <p:sldTgt/>
-                  </p:tgtEl>
-                </p:cond>
-              </p:nextCondLst>
-            </p:seq>
-          </p:childTnLst>
-        </p:cTn>
-      </p:par>
-    </p:tnLst>
-    <p:bldLst>
-      <p:bldP spid="3" grpId="0" build="p"/>
-    </p:bldLst>
-  </p:timing>
 </p:sld>
 </file>
 
@@ -8678,105 +6454,43 @@
       </p:grpSpPr>
       <p:sp>
         <p:nvSpPr>
-          <p:cNvPr id="2" name="Title 1"/>
-          <p:cNvSpPr>
-            <a:spLocks noGrp="1"/>
-          </p:cNvSpPr>
-          <p:nvPr>
-            <p:ph type="ctrTitle"/>
+          <p:cNvPr id="2" name="Title 1">
+            <a:extLst>
+              <a:ext uri="{FF2B5EF4-FFF2-40B4-BE49-F238E27FC236}">
+                <a16:creationId xmlns:a16="http://schemas.microsoft.com/office/drawing/2014/main" id="{A3698420-6908-4367-BB0E-B9A4F981C0E9}"/>
+              </a:ext>
+            </a:extLst>
+          </p:cNvPr>
+          <p:cNvSpPr>
+            <a:spLocks noGrp="1"/>
+          </p:cNvSpPr>
+          <p:nvPr>
+            <p:ph type="title"/>
           </p:nvPr>
         </p:nvSpPr>
         <p:spPr/>
         <p:txBody>
-          <a:bodyPr/>
-          <a:lstStyle/>
-          <a:p>
-            <a:r>
-              <a:rPr lang="en-US" dirty="0"/>
-              <a:t>Thanks for Watching</a:t>
-            </a:r>
-          </a:p>
-        </p:txBody>
-      </p:sp>
-      <p:sp>
-        <p:nvSpPr>
-          <p:cNvPr id="3" name="Subtitle 2"/>
-          <p:cNvSpPr>
-            <a:spLocks noGrp="1"/>
-          </p:cNvSpPr>
-          <p:nvPr>
-            <p:ph type="subTitle" idx="1"/>
-          </p:nvPr>
-        </p:nvSpPr>
-        <p:spPr/>
-        <p:txBody>
-          <a:bodyPr/>
-          <a:lstStyle/>
-          <a:p>
-            <a:r>
-              <a:rPr lang="en-US" dirty="0"/>
-              <a:t>See other engineering mechanics videos and access the full tool at…</a:t>
-            </a:r>
-          </a:p>
-        </p:txBody>
-      </p:sp>
-    </p:spTree>
-    <p:extLst>
-      <p:ext uri="{BB962C8B-B14F-4D97-AF65-F5344CB8AC3E}">
-        <p14:creationId xmlns:p14="http://schemas.microsoft.com/office/powerpoint/2010/main" val="3129637585"/>
-      </p:ext>
-    </p:extLst>
-  </p:cSld>
-  <p:clrMapOvr>
-    <a:masterClrMapping/>
-  </p:clrMapOvr>
-</p:sld>
-</file>
-
-<file path=ppt/slides/slide9.xml><?xml version="1.0" encoding="utf-8"?>
-<p:sld xmlns:a="http://schemas.openxmlformats.org/drawingml/2006/main" xmlns:r="http://schemas.openxmlformats.org/officeDocument/2006/relationships" xmlns:p="http://schemas.openxmlformats.org/presentationml/2006/main">
-  <p:cSld>
-    <p:spTree>
-      <p:nvGrpSpPr>
-        <p:cNvPr id="1" name=""/>
-        <p:cNvGrpSpPr/>
-        <p:nvPr/>
-      </p:nvGrpSpPr>
-      <p:grpSpPr>
-        <a:xfrm>
-          <a:off x="0" y="0"/>
-          <a:ext cx="0" cy="0"/>
-          <a:chOff x="0" y="0"/>
-          <a:chExt cx="0" cy="0"/>
-        </a:xfrm>
-      </p:grpSpPr>
-      <p:sp>
-        <p:nvSpPr>
-          <p:cNvPr id="2" name="Title 1"/>
-          <p:cNvSpPr>
-            <a:spLocks noGrp="1"/>
-          </p:cNvSpPr>
-          <p:nvPr>
-            <p:ph type="title"/>
-          </p:nvPr>
-        </p:nvSpPr>
-        <p:spPr/>
-        <p:txBody>
           <a:bodyPr>
-            <a:normAutofit fontScale="90000"/>
+            <a:normAutofit/>
           </a:bodyPr>
           <a:lstStyle/>
           <a:p>
             <a:r>
               <a:rPr lang="en-US" dirty="0"/>
-              <a:t>Work and Energy for Systems of Particles Worked Example</a:t>
-            </a:r>
-          </a:p>
-        </p:txBody>
-      </p:sp>
-      <p:sp>
-        <p:nvSpPr>
-          <p:cNvPr id="3" name="Content Placeholder 2"/>
+              <a:t>Efficiency Worked Example</a:t>
+            </a:r>
+          </a:p>
+        </p:txBody>
+      </p:sp>
+      <p:sp>
+        <p:nvSpPr>
+          <p:cNvPr id="3" name="Content Placeholder 2">
+            <a:extLst>
+              <a:ext uri="{FF2B5EF4-FFF2-40B4-BE49-F238E27FC236}">
+                <a16:creationId xmlns:a16="http://schemas.microsoft.com/office/drawing/2014/main" id="{8D703C96-B50D-40F0-86DB-E5943225547E}"/>
+              </a:ext>
+            </a:extLst>
+          </p:cNvPr>
           <p:cNvSpPr>
             <a:spLocks noGrp="1"/>
           </p:cNvSpPr>
@@ -8787,7 +6501,7 @@
         <p:spPr>
           <a:xfrm>
             <a:off x="457200" y="1600201"/>
-            <a:ext cx="8229600" cy="1828800"/>
+            <a:ext cx="8229600" cy="2209800"/>
           </a:xfrm>
         </p:spPr>
         <p:txBody>
@@ -8797,15 +6511,28 @@
           <a:lstStyle/>
           <a:p>
             <a:r>
-              <a:rPr lang="en-US" dirty="0"/>
-              <a:t>Two blocks are connected by a massless rope and a frictionless pulley as shown below.  If the coefficient of friction between block A and the surface is .4, what is the speed of the blocks after block A has moved 6 ft?</a:t>
-            </a:r>
-          </a:p>
-        </p:txBody>
-      </p:sp>
-      <p:sp>
-        <p:nvSpPr>
-          <p:cNvPr id="4" name="Slide Number Placeholder 3"/>
+              <a:rPr lang="en-US" b="0" i="0" dirty="0">
+                <a:solidFill>
+                  <a:srgbClr val="000000"/>
+                </a:solidFill>
+                <a:effectLst/>
+                <a:latin typeface="Arial" panose="020B0604020202020204" pitchFamily="34" charset="0"/>
+              </a:rPr>
+              <a:t>A magnetic launch system exerts the force function shown below over its 80cm launch path. Assuming an 80% efficiency, what is the electrical energy we expect to have to put into the system to generate this force function?</a:t>
+            </a:r>
+            <a:endParaRPr lang="en-US" dirty="0"/>
+          </a:p>
+        </p:txBody>
+      </p:sp>
+      <p:sp>
+        <p:nvSpPr>
+          <p:cNvPr id="4" name="Slide Number Placeholder 3">
+            <a:extLst>
+              <a:ext uri="{FF2B5EF4-FFF2-40B4-BE49-F238E27FC236}">
+                <a16:creationId xmlns:a16="http://schemas.microsoft.com/office/drawing/2014/main" id="{E2478EB3-1740-47E4-B30F-A365C7CD3C95}"/>
+              </a:ext>
+            </a:extLst>
+          </p:cNvPr>
           <p:cNvSpPr>
             <a:spLocks noGrp="1"/>
           </p:cNvSpPr>
@@ -8820,357 +6547,63 @@
           <a:p>
             <a:fld id="{929262FE-7F58-4A1E-8AF3-5A510A86DEBD}" type="slidenum">
               <a:rPr lang="en-US" smtClean="0"/>
-              <a:t>9</a:t>
+              <a:t>8</a:t>
             </a:fld>
-            <a:endParaRPr lang="en-US"/>
-          </a:p>
-        </p:txBody>
-      </p:sp>
-      <p:sp>
-        <p:nvSpPr>
-          <p:cNvPr id="6" name="Rectangle 5"/>
-          <p:cNvSpPr/>
+            <a:endParaRPr lang="en-US" dirty="0"/>
+          </a:p>
+        </p:txBody>
+      </p:sp>
+      <p:pic>
+        <p:nvPicPr>
+          <p:cNvPr id="2050" name="Picture 2" descr="Problem 2 Diagram">
+            <a:extLst>
+              <a:ext uri="{FF2B5EF4-FFF2-40B4-BE49-F238E27FC236}">
+                <a16:creationId xmlns:a16="http://schemas.microsoft.com/office/drawing/2014/main" id="{FB4F7DFD-593B-4EB0-9651-1B03187587B3}"/>
+              </a:ext>
+            </a:extLst>
+          </p:cNvPr>
+          <p:cNvPicPr>
+            <a:picLocks noChangeAspect="1" noChangeArrowheads="1"/>
+          </p:cNvPicPr>
           <p:nvPr/>
-        </p:nvSpPr>
-        <p:spPr>
+        </p:nvPicPr>
+        <p:blipFill>
+          <a:blip r:embed="rId2">
+            <a:extLst>
+              <a:ext uri="{28A0092B-C50C-407E-A947-70E740481C1C}">
+                <a14:useLocalDpi xmlns:a14="http://schemas.microsoft.com/office/drawing/2010/main" val="0"/>
+              </a:ext>
+            </a:extLst>
+          </a:blip>
+          <a:srcRect/>
+          <a:stretch>
+            <a:fillRect/>
+          </a:stretch>
+        </p:blipFill>
+        <p:spPr bwMode="auto">
           <a:xfrm>
-            <a:off x="1981200" y="3352800"/>
-            <a:ext cx="1828800" cy="1219200"/>
+            <a:off x="1333500" y="3567684"/>
+            <a:ext cx="6477000" cy="3290316"/>
           </a:xfrm>
           <a:prstGeom prst="rect">
             <a:avLst/>
           </a:prstGeom>
+          <a:noFill/>
+          <a:extLst>
+            <a:ext uri="{909E8E84-426E-40DD-AFC4-6F175D3DCCD1}">
+              <a14:hiddenFill xmlns:a14="http://schemas.microsoft.com/office/drawing/2010/main">
+                <a:solidFill>
+                  <a:srgbClr val="FFFFFF"/>
+                </a:solidFill>
+              </a14:hiddenFill>
+            </a:ext>
+          </a:extLst>
         </p:spPr>
-        <p:style>
-          <a:lnRef idx="1">
-            <a:schemeClr val="dk1"/>
-          </a:lnRef>
-          <a:fillRef idx="2">
-            <a:schemeClr val="dk1"/>
-          </a:fillRef>
-          <a:effectRef idx="1">
-            <a:schemeClr val="dk1"/>
-          </a:effectRef>
-          <a:fontRef idx="minor">
-            <a:schemeClr val="dk1"/>
-          </a:fontRef>
-        </p:style>
-        <p:txBody>
-          <a:bodyPr rtlCol="0" anchor="ctr"/>
-          <a:lstStyle/>
-          <a:p>
-            <a:pPr algn="ctr"/>
-            <a:r>
-              <a:rPr lang="en-US" dirty="0"/>
-              <a:t>A</a:t>
-            </a:r>
-          </a:p>
-          <a:p>
-            <a:pPr algn="ctr"/>
-            <a:r>
-              <a:rPr lang="en-US" dirty="0"/>
-              <a:t>10 lbs</a:t>
-            </a:r>
-          </a:p>
-        </p:txBody>
-      </p:sp>
-      <p:sp>
-        <p:nvSpPr>
-          <p:cNvPr id="7" name="Rectangle 6"/>
-          <p:cNvSpPr/>
-          <p:nvPr/>
-        </p:nvSpPr>
-        <p:spPr>
-          <a:xfrm>
-            <a:off x="5867400" y="5334000"/>
-            <a:ext cx="914400" cy="1066800"/>
-          </a:xfrm>
-          <a:prstGeom prst="rect">
-            <a:avLst/>
-          </a:prstGeom>
-        </p:spPr>
-        <p:style>
-          <a:lnRef idx="1">
-            <a:schemeClr val="dk1"/>
-          </a:lnRef>
-          <a:fillRef idx="2">
-            <a:schemeClr val="dk1"/>
-          </a:fillRef>
-          <a:effectRef idx="1">
-            <a:schemeClr val="dk1"/>
-          </a:effectRef>
-          <a:fontRef idx="minor">
-            <a:schemeClr val="dk1"/>
-          </a:fontRef>
-        </p:style>
-        <p:txBody>
-          <a:bodyPr rtlCol="0" anchor="ctr"/>
-          <a:lstStyle/>
-          <a:p>
-            <a:pPr algn="ctr"/>
-            <a:r>
-              <a:rPr lang="en-US" dirty="0"/>
-              <a:t>B</a:t>
-            </a:r>
-          </a:p>
-          <a:p>
-            <a:pPr algn="ctr"/>
-            <a:r>
-              <a:rPr lang="en-US" dirty="0"/>
-              <a:t>5 lbs</a:t>
-            </a:r>
-          </a:p>
-        </p:txBody>
-      </p:sp>
-      <p:sp>
-        <p:nvSpPr>
-          <p:cNvPr id="8" name="Oval 7"/>
-          <p:cNvSpPr/>
-          <p:nvPr/>
-        </p:nvSpPr>
-        <p:spPr>
-          <a:xfrm>
-            <a:off x="5715000" y="3962400"/>
-            <a:ext cx="609600" cy="609600"/>
-          </a:xfrm>
-          <a:prstGeom prst="ellipse">
-            <a:avLst/>
-          </a:prstGeom>
-        </p:spPr>
-        <p:style>
-          <a:lnRef idx="1">
-            <a:schemeClr val="dk1"/>
-          </a:lnRef>
-          <a:fillRef idx="2">
-            <a:schemeClr val="dk1"/>
-          </a:fillRef>
-          <a:effectRef idx="1">
-            <a:schemeClr val="dk1"/>
-          </a:effectRef>
-          <a:fontRef idx="minor">
-            <a:schemeClr val="dk1"/>
-          </a:fontRef>
-        </p:style>
-        <p:txBody>
-          <a:bodyPr rtlCol="0" anchor="ctr"/>
-          <a:lstStyle/>
-          <a:p>
-            <a:pPr algn="ctr"/>
-            <a:endParaRPr lang="en-US"/>
-          </a:p>
-        </p:txBody>
-      </p:sp>
-      <p:cxnSp>
-        <p:nvCxnSpPr>
-          <p:cNvPr id="12" name="Straight Connector 11"/>
-          <p:cNvCxnSpPr>
-            <a:stCxn id="8" idx="0"/>
-            <a:endCxn id="6" idx="3"/>
-          </p:cNvCxnSpPr>
-          <p:nvPr/>
-        </p:nvCxnSpPr>
-        <p:spPr>
-          <a:xfrm flipH="1">
-            <a:off x="3810000" y="3962400"/>
-            <a:ext cx="2209800" cy="0"/>
-          </a:xfrm>
-          <a:prstGeom prst="line">
-            <a:avLst/>
-          </a:prstGeom>
-        </p:spPr>
-        <p:style>
-          <a:lnRef idx="2">
-            <a:schemeClr val="dk1"/>
-          </a:lnRef>
-          <a:fillRef idx="0">
-            <a:schemeClr val="dk1"/>
-          </a:fillRef>
-          <a:effectRef idx="1">
-            <a:schemeClr val="dk1"/>
-          </a:effectRef>
-          <a:fontRef idx="minor">
-            <a:schemeClr val="tx1"/>
-          </a:fontRef>
-        </p:style>
-      </p:cxnSp>
-      <p:cxnSp>
-        <p:nvCxnSpPr>
-          <p:cNvPr id="14" name="Straight Connector 13"/>
-          <p:cNvCxnSpPr>
-            <a:stCxn id="8" idx="6"/>
-            <a:endCxn id="7" idx="0"/>
-          </p:cNvCxnSpPr>
-          <p:nvPr/>
-        </p:nvCxnSpPr>
-        <p:spPr>
-          <a:xfrm>
-            <a:off x="6324600" y="4267200"/>
-            <a:ext cx="0" cy="1066800"/>
-          </a:xfrm>
-          <a:prstGeom prst="line">
-            <a:avLst/>
-          </a:prstGeom>
-        </p:spPr>
-        <p:style>
-          <a:lnRef idx="2">
-            <a:schemeClr val="dk1"/>
-          </a:lnRef>
-          <a:fillRef idx="0">
-            <a:schemeClr val="dk1"/>
-          </a:fillRef>
-          <a:effectRef idx="1">
-            <a:schemeClr val="dk1"/>
-          </a:effectRef>
-          <a:fontRef idx="minor">
-            <a:schemeClr val="tx1"/>
-          </a:fontRef>
-        </p:style>
-      </p:cxnSp>
-      <p:sp>
-        <p:nvSpPr>
-          <p:cNvPr id="24" name="Rounded Rectangle 23"/>
-          <p:cNvSpPr/>
-          <p:nvPr/>
-        </p:nvSpPr>
-        <p:spPr>
-          <a:xfrm rot="2700000">
-            <a:off x="5538106" y="3986728"/>
-            <a:ext cx="266700" cy="1295400"/>
-          </a:xfrm>
-          <a:prstGeom prst="roundRect">
-            <a:avLst>
-              <a:gd name="adj" fmla="val 50000"/>
-            </a:avLst>
-          </a:prstGeom>
-        </p:spPr>
-        <p:style>
-          <a:lnRef idx="1">
-            <a:schemeClr val="dk1"/>
-          </a:lnRef>
-          <a:fillRef idx="2">
-            <a:schemeClr val="dk1"/>
-          </a:fillRef>
-          <a:effectRef idx="1">
-            <a:schemeClr val="dk1"/>
-          </a:effectRef>
-          <a:fontRef idx="minor">
-            <a:schemeClr val="dk1"/>
-          </a:fontRef>
-        </p:style>
-        <p:txBody>
-          <a:bodyPr rtlCol="0" anchor="ctr"/>
-          <a:lstStyle/>
-          <a:p>
-            <a:pPr algn="ctr"/>
-            <a:endParaRPr lang="en-US"/>
-          </a:p>
-        </p:txBody>
-      </p:sp>
-      <p:sp>
-        <p:nvSpPr>
-          <p:cNvPr id="25" name="Oval 24"/>
-          <p:cNvSpPr/>
-          <p:nvPr/>
-        </p:nvSpPr>
-        <p:spPr>
-          <a:xfrm>
-            <a:off x="5981700" y="4229100"/>
-            <a:ext cx="76200" cy="76200"/>
-          </a:xfrm>
-          <a:prstGeom prst="ellipse">
-            <a:avLst/>
-          </a:prstGeom>
-        </p:spPr>
-        <p:style>
-          <a:lnRef idx="2">
-            <a:schemeClr val="dk1">
-              <a:shade val="50000"/>
-            </a:schemeClr>
-          </a:lnRef>
-          <a:fillRef idx="1">
-            <a:schemeClr val="dk1"/>
-          </a:fillRef>
-          <a:effectRef idx="0">
-            <a:schemeClr val="dk1"/>
-          </a:effectRef>
-          <a:fontRef idx="minor">
-            <a:schemeClr val="lt1"/>
-          </a:fontRef>
-        </p:style>
-        <p:txBody>
-          <a:bodyPr rtlCol="0" anchor="ctr"/>
-          <a:lstStyle/>
-          <a:p>
-            <a:pPr algn="ctr"/>
-            <a:endParaRPr lang="en-US"/>
-          </a:p>
-        </p:txBody>
-      </p:sp>
-      <p:sp>
-        <p:nvSpPr>
-          <p:cNvPr id="13" name="Snip and Round Single Corner Rectangle 9">
-            <a:extLst>
-              <a:ext uri="{FF2B5EF4-FFF2-40B4-BE49-F238E27FC236}">
-                <a16:creationId xmlns:a16="http://schemas.microsoft.com/office/drawing/2014/main" id="{B6752830-4682-4D8B-A36E-8F41EA70B063}"/>
-              </a:ext>
-            </a:extLst>
-          </p:cNvPr>
-          <p:cNvSpPr/>
-          <p:nvPr/>
-        </p:nvSpPr>
-        <p:spPr>
-          <a:xfrm>
-            <a:off x="0" y="4572000"/>
-            <a:ext cx="5715000" cy="2286000"/>
-          </a:xfrm>
-          <a:prstGeom prst="snipRoundRect">
-            <a:avLst>
-              <a:gd name="adj1" fmla="val 0"/>
-              <a:gd name="adj2" fmla="val 28667"/>
-            </a:avLst>
-          </a:prstGeom>
-          <a:solidFill>
-            <a:schemeClr val="bg2">
-              <a:lumMod val="75000"/>
-            </a:schemeClr>
-          </a:solidFill>
-          <a:ln>
-            <a:solidFill>
-              <a:schemeClr val="bg2">
-                <a:lumMod val="25000"/>
-              </a:schemeClr>
-            </a:solidFill>
-          </a:ln>
-        </p:spPr>
-        <p:style>
-          <a:lnRef idx="2">
-            <a:schemeClr val="accent6">
-              <a:shade val="50000"/>
-            </a:schemeClr>
-          </a:lnRef>
-          <a:fillRef idx="1">
-            <a:schemeClr val="accent6"/>
-          </a:fillRef>
-          <a:effectRef idx="0">
-            <a:schemeClr val="accent6"/>
-          </a:effectRef>
-          <a:fontRef idx="minor">
-            <a:schemeClr val="lt1"/>
-          </a:fontRef>
-        </p:style>
-        <p:txBody>
-          <a:bodyPr rtlCol="0" anchor="ctr"/>
-          <a:lstStyle/>
-          <a:p>
-            <a:pPr algn="ctr"/>
-            <a:endParaRPr lang="en-US"/>
-          </a:p>
-        </p:txBody>
-      </p:sp>
+      </p:pic>
     </p:spTree>
     <p:extLst>
       <p:ext uri="{BB962C8B-B14F-4D97-AF65-F5344CB8AC3E}">
-        <p14:creationId xmlns:p14="http://schemas.microsoft.com/office/powerpoint/2010/main" val="3621166157"/>
+        <p14:creationId xmlns:p14="http://schemas.microsoft.com/office/powerpoint/2010/main" val="3547467001"/>
       </p:ext>
     </p:extLst>
   </p:cSld>
@@ -9751,21 +7184,6 @@
 </file>
 
 <file path=customXml/item1.xml><?xml version="1.0" encoding="utf-8"?>
-<?mso-contentType ?>
-<FormTemplates xmlns="http://schemas.microsoft.com/sharepoint/v3/contenttype/forms">
-  <Display>DocumentLibraryForm</Display>
-  <Edit>DocumentLibraryForm</Edit>
-  <New>DocumentLibraryForm</New>
-</FormTemplates>
-</file>
-
-<file path=customXml/item2.xml><?xml version="1.0" encoding="utf-8"?>
-<p:properties xmlns:p="http://schemas.microsoft.com/office/2006/metadata/properties" xmlns:xsi="http://www.w3.org/2001/XMLSchema-instance" xmlns:pc="http://schemas.microsoft.com/office/infopath/2007/PartnerControls">
-  <documentManagement/>
-</p:properties>
-</file>
-
-<file path=customXml/item3.xml><?xml version="1.0" encoding="utf-8"?>
 <ct:contentTypeSchema xmlns:ct="http://schemas.microsoft.com/office/2006/metadata/contentType" xmlns:ma="http://schemas.microsoft.com/office/2006/metadata/properties/metaAttributes" ct:_="" ma:_="" ma:contentTypeName="Document" ma:contentTypeID="0x010100A06DF21F5BB2734A800ED30F3F452129" ma:contentTypeVersion="12" ma:contentTypeDescription="Create a new document." ma:contentTypeScope="" ma:versionID="544d96a5fbac5de9d5d902b535c73fb2">
   <xsd:schema xmlns:xsd="http://www.w3.org/2001/XMLSchema" xmlns:xs="http://www.w3.org/2001/XMLSchema" xmlns:p="http://schemas.microsoft.com/office/2006/metadata/properties" xmlns:ns3="90d05cb5-950f-4f68-bc2c-e17794455b92" xmlns:ns4="b4eab9fa-dbb0-4082-8491-8bd54207a265" targetNamespace="http://schemas.microsoft.com/office/2006/metadata/properties" ma:root="true" ma:fieldsID="7a710efc71c2169bf9c05e5a40dddf12" ns3:_="" ns4:_="">
     <xsd:import namespace="90d05cb5-950f-4f68-bc2c-e17794455b92"/>
@@ -9982,24 +7400,22 @@
 </ct:contentTypeSchema>
 </file>
 
-<file path=customXml/itemProps1.xml><?xml version="1.0" encoding="utf-8"?>
-<ds:datastoreItem xmlns:ds="http://schemas.openxmlformats.org/officeDocument/2006/customXml" ds:itemID="{F5CF5F32-56DC-4068-8B04-457CF34A96F3}">
-  <ds:schemaRefs>
-    <ds:schemaRef ds:uri="http://schemas.microsoft.com/sharepoint/v3/contenttype/forms"/>
-  </ds:schemaRefs>
-</ds:datastoreItem>
+<file path=customXml/item2.xml><?xml version="1.0" encoding="utf-8"?>
+<p:properties xmlns:p="http://schemas.microsoft.com/office/2006/metadata/properties" xmlns:xsi="http://www.w3.org/2001/XMLSchema-instance" xmlns:pc="http://schemas.microsoft.com/office/infopath/2007/PartnerControls">
+  <documentManagement/>
+</p:properties>
 </file>
 
-<file path=customXml/itemProps2.xml><?xml version="1.0" encoding="utf-8"?>
-<ds:datastoreItem xmlns:ds="http://schemas.openxmlformats.org/officeDocument/2006/customXml" ds:itemID="{52EB1464-66D1-425A-BBB5-7A9312BBE9C4}">
-  <ds:schemaRefs>
-    <ds:schemaRef ds:uri="http://schemas.microsoft.com/office/2006/metadata/properties"/>
-    <ds:schemaRef ds:uri="http://schemas.microsoft.com/office/infopath/2007/PartnerControls"/>
-  </ds:schemaRefs>
-</ds:datastoreItem>
+<file path=customXml/item3.xml><?xml version="1.0" encoding="utf-8"?>
+<?mso-contentType ?>
+<FormTemplates xmlns="http://schemas.microsoft.com/sharepoint/v3/contenttype/forms">
+  <Display>DocumentLibraryForm</Display>
+  <Edit>DocumentLibraryForm</Edit>
+  <New>DocumentLibraryForm</New>
+</FormTemplates>
 </file>
 
-<file path=customXml/itemProps3.xml><?xml version="1.0" encoding="utf-8"?>
+<file path=customXml/itemProps1.xml><?xml version="1.0" encoding="utf-8"?>
 <ds:datastoreItem xmlns:ds="http://schemas.openxmlformats.org/officeDocument/2006/customXml" ds:itemID="{A43B8A4B-79FE-4529-931C-D64224FA70E3}">
   <ds:schemaRefs>
     <ds:schemaRef ds:uri="http://schemas.microsoft.com/office/2006/metadata/contentType"/>
@@ -10016,4 +7432,21 @@
     <ds:schemaRef ds:uri="http://schemas.microsoft.com/internal/obd"/>
   </ds:schemaRefs>
 </ds:datastoreItem>
+</file>
+
+<file path=customXml/itemProps2.xml><?xml version="1.0" encoding="utf-8"?>
+<ds:datastoreItem xmlns:ds="http://schemas.openxmlformats.org/officeDocument/2006/customXml" ds:itemID="{52EB1464-66D1-425A-BBB5-7A9312BBE9C4}">
+  <ds:schemaRefs>
+    <ds:schemaRef ds:uri="http://schemas.microsoft.com/office/2006/metadata/properties"/>
+    <ds:schemaRef ds:uri="http://schemas.microsoft.com/office/infopath/2007/PartnerControls"/>
+  </ds:schemaRefs>
+</ds:datastoreItem>
+</file>
+
+<file path=customXml/itemProps3.xml><?xml version="1.0" encoding="utf-8"?>
+<ds:datastoreItem xmlns:ds="http://schemas.openxmlformats.org/officeDocument/2006/customXml" ds:itemID="{F5CF5F32-56DC-4068-8B04-457CF34A96F3}">
+  <ds:schemaRefs>
+    <ds:schemaRef ds:uri="http://schemas.microsoft.com/sharepoint/v3/contenttype/forms"/>
+  </ds:schemaRefs>
+</ds:datastoreItem>
 </file>